--- a/Presentation/The Crazy Monkeys.pptx
+++ b/Presentation/The Crazy Monkeys.pptx
@@ -106,6 +106,11 @@
       </a:defRPr>
     </a:lvl9pPr>
   </p:defaultTextStyle>
+  <p:extLst>
+    <p:ext uri="{EFAFB233-063F-42B5-8137-9DF3F51BA10A}">
+      <p15:sldGuideLst xmlns:p15="http://schemas.microsoft.com/office/powerpoint/2012/main"/>
+    </p:ext>
+  </p:extLst>
 </p:presentation>
 </file>
 
@@ -240,7 +245,7 @@
           <a:p>
             <a:fld id="{095EAA5B-8C16-4D26-B494-0802553AFD6D}" type="datetimeFigureOut">
               <a:rPr lang="en-GB" smtClean="0"/>
-              <a:t>29/07/2015</a:t>
+              <a:t>30/07/2015</a:t>
             </a:fld>
             <a:endParaRPr lang="en-GB"/>
           </a:p>
@@ -410,7 +415,7 @@
           <a:p>
             <a:fld id="{095EAA5B-8C16-4D26-B494-0802553AFD6D}" type="datetimeFigureOut">
               <a:rPr lang="en-GB" smtClean="0"/>
-              <a:t>29/07/2015</a:t>
+              <a:t>30/07/2015</a:t>
             </a:fld>
             <a:endParaRPr lang="en-GB"/>
           </a:p>
@@ -590,7 +595,7 @@
           <a:p>
             <a:fld id="{095EAA5B-8C16-4D26-B494-0802553AFD6D}" type="datetimeFigureOut">
               <a:rPr lang="en-GB" smtClean="0"/>
-              <a:t>29/07/2015</a:t>
+              <a:t>30/07/2015</a:t>
             </a:fld>
             <a:endParaRPr lang="en-GB"/>
           </a:p>
@@ -760,7 +765,7 @@
           <a:p>
             <a:fld id="{095EAA5B-8C16-4D26-B494-0802553AFD6D}" type="datetimeFigureOut">
               <a:rPr lang="en-GB" smtClean="0"/>
-              <a:t>29/07/2015</a:t>
+              <a:t>30/07/2015</a:t>
             </a:fld>
             <a:endParaRPr lang="en-GB"/>
           </a:p>
@@ -1006,7 +1011,7 @@
           <a:p>
             <a:fld id="{095EAA5B-8C16-4D26-B494-0802553AFD6D}" type="datetimeFigureOut">
               <a:rPr lang="en-GB" smtClean="0"/>
-              <a:t>29/07/2015</a:t>
+              <a:t>30/07/2015</a:t>
             </a:fld>
             <a:endParaRPr lang="en-GB"/>
           </a:p>
@@ -1238,7 +1243,7 @@
           <a:p>
             <a:fld id="{095EAA5B-8C16-4D26-B494-0802553AFD6D}" type="datetimeFigureOut">
               <a:rPr lang="en-GB" smtClean="0"/>
-              <a:t>29/07/2015</a:t>
+              <a:t>30/07/2015</a:t>
             </a:fld>
             <a:endParaRPr lang="en-GB"/>
           </a:p>
@@ -1605,7 +1610,7 @@
           <a:p>
             <a:fld id="{095EAA5B-8C16-4D26-B494-0802553AFD6D}" type="datetimeFigureOut">
               <a:rPr lang="en-GB" smtClean="0"/>
-              <a:t>29/07/2015</a:t>
+              <a:t>30/07/2015</a:t>
             </a:fld>
             <a:endParaRPr lang="en-GB"/>
           </a:p>
@@ -1723,7 +1728,7 @@
           <a:p>
             <a:fld id="{095EAA5B-8C16-4D26-B494-0802553AFD6D}" type="datetimeFigureOut">
               <a:rPr lang="en-GB" smtClean="0"/>
-              <a:t>29/07/2015</a:t>
+              <a:t>30/07/2015</a:t>
             </a:fld>
             <a:endParaRPr lang="en-GB"/>
           </a:p>
@@ -1818,7 +1823,7 @@
           <a:p>
             <a:fld id="{095EAA5B-8C16-4D26-B494-0802553AFD6D}" type="datetimeFigureOut">
               <a:rPr lang="en-GB" smtClean="0"/>
-              <a:t>29/07/2015</a:t>
+              <a:t>30/07/2015</a:t>
             </a:fld>
             <a:endParaRPr lang="en-GB"/>
           </a:p>
@@ -2095,7 +2100,7 @@
           <a:p>
             <a:fld id="{095EAA5B-8C16-4D26-B494-0802553AFD6D}" type="datetimeFigureOut">
               <a:rPr lang="en-GB" smtClean="0"/>
-              <a:t>29/07/2015</a:t>
+              <a:t>30/07/2015</a:t>
             </a:fld>
             <a:endParaRPr lang="en-GB"/>
           </a:p>
@@ -2348,7 +2353,7 @@
           <a:p>
             <a:fld id="{095EAA5B-8C16-4D26-B494-0802553AFD6D}" type="datetimeFigureOut">
               <a:rPr lang="en-GB" smtClean="0"/>
-              <a:t>29/07/2015</a:t>
+              <a:t>30/07/2015</a:t>
             </a:fld>
             <a:endParaRPr lang="en-GB"/>
           </a:p>
@@ -2561,7 +2566,7 @@
           <a:p>
             <a:fld id="{095EAA5B-8C16-4D26-B494-0802553AFD6D}" type="datetimeFigureOut">
               <a:rPr lang="en-GB" smtClean="0"/>
-              <a:t>29/07/2015</a:t>
+              <a:t>30/07/2015</a:t>
             </a:fld>
             <a:endParaRPr lang="en-GB"/>
           </a:p>
@@ -3100,6 +3105,346 @@
   <p:clrMapOvr>
     <a:masterClrMapping/>
   </p:clrMapOvr>
+  <p:timing>
+    <p:tnLst>
+      <p:par>
+        <p:cTn id="1" dur="indefinite" restart="never" nodeType="tmRoot">
+          <p:childTnLst>
+            <p:seq concurrent="1" nextAc="seek">
+              <p:cTn id="2" dur="indefinite" nodeType="mainSeq">
+                <p:childTnLst>
+                  <p:par>
+                    <p:cTn id="3" fill="hold">
+                      <p:stCondLst>
+                        <p:cond delay="indefinite"/>
+                      </p:stCondLst>
+                      <p:childTnLst>
+                        <p:par>
+                          <p:cTn id="4" fill="hold">
+                            <p:stCondLst>
+                              <p:cond delay="0"/>
+                            </p:stCondLst>
+                            <p:childTnLst>
+                              <p:par>
+                                <p:cTn id="5" presetID="2" presetClass="entr" presetSubtype="4" fill="hold" grpId="0" nodeType="clickEffect">
+                                  <p:stCondLst>
+                                    <p:cond delay="0"/>
+                                  </p:stCondLst>
+                                  <p:childTnLst>
+                                    <p:set>
+                                      <p:cBhvr>
+                                        <p:cTn id="6" dur="1" fill="hold">
+                                          <p:stCondLst>
+                                            <p:cond delay="0"/>
+                                          </p:stCondLst>
+                                        </p:cTn>
+                                        <p:tgtEl>
+                                          <p:spTgt spid="2"/>
+                                        </p:tgtEl>
+                                        <p:attrNameLst>
+                                          <p:attrName>style.visibility</p:attrName>
+                                        </p:attrNameLst>
+                                      </p:cBhvr>
+                                      <p:to>
+                                        <p:strVal val="visible"/>
+                                      </p:to>
+                                    </p:set>
+                                    <p:anim calcmode="lin" valueType="num">
+                                      <p:cBhvr additive="base">
+                                        <p:cTn id="7" dur="500" fill="hold"/>
+                                        <p:tgtEl>
+                                          <p:spTgt spid="2"/>
+                                        </p:tgtEl>
+                                        <p:attrNameLst>
+                                          <p:attrName>ppt_x</p:attrName>
+                                        </p:attrNameLst>
+                                      </p:cBhvr>
+                                      <p:tavLst>
+                                        <p:tav tm="0">
+                                          <p:val>
+                                            <p:strVal val="#ppt_x"/>
+                                          </p:val>
+                                        </p:tav>
+                                        <p:tav tm="100000">
+                                          <p:val>
+                                            <p:strVal val="#ppt_x"/>
+                                          </p:val>
+                                        </p:tav>
+                                      </p:tavLst>
+                                    </p:anim>
+                                    <p:anim calcmode="lin" valueType="num">
+                                      <p:cBhvr additive="base">
+                                        <p:cTn id="8" dur="500" fill="hold"/>
+                                        <p:tgtEl>
+                                          <p:spTgt spid="2"/>
+                                        </p:tgtEl>
+                                        <p:attrNameLst>
+                                          <p:attrName>ppt_y</p:attrName>
+                                        </p:attrNameLst>
+                                      </p:cBhvr>
+                                      <p:tavLst>
+                                        <p:tav tm="0">
+                                          <p:val>
+                                            <p:strVal val="1+#ppt_h/2"/>
+                                          </p:val>
+                                        </p:tav>
+                                        <p:tav tm="100000">
+                                          <p:val>
+                                            <p:strVal val="#ppt_y"/>
+                                          </p:val>
+                                        </p:tav>
+                                      </p:tavLst>
+                                    </p:anim>
+                                  </p:childTnLst>
+                                </p:cTn>
+                              </p:par>
+                            </p:childTnLst>
+                          </p:cTn>
+                        </p:par>
+                      </p:childTnLst>
+                    </p:cTn>
+                  </p:par>
+                  <p:par>
+                    <p:cTn id="9" fill="hold">
+                      <p:stCondLst>
+                        <p:cond delay="indefinite"/>
+                      </p:stCondLst>
+                      <p:childTnLst>
+                        <p:par>
+                          <p:cTn id="10" fill="hold">
+                            <p:stCondLst>
+                              <p:cond delay="0"/>
+                            </p:stCondLst>
+                            <p:childTnLst>
+                              <p:par>
+                                <p:cTn id="11" presetID="42" presetClass="entr" presetSubtype="0" fill="hold" grpId="0" nodeType="clickEffect">
+                                  <p:stCondLst>
+                                    <p:cond delay="0"/>
+                                  </p:stCondLst>
+                                  <p:childTnLst>
+                                    <p:set>
+                                      <p:cBhvr>
+                                        <p:cTn id="12" dur="1" fill="hold">
+                                          <p:stCondLst>
+                                            <p:cond delay="0"/>
+                                          </p:stCondLst>
+                                        </p:cTn>
+                                        <p:tgtEl>
+                                          <p:spTgt spid="4"/>
+                                        </p:tgtEl>
+                                        <p:attrNameLst>
+                                          <p:attrName>style.visibility</p:attrName>
+                                        </p:attrNameLst>
+                                      </p:cBhvr>
+                                      <p:to>
+                                        <p:strVal val="visible"/>
+                                      </p:to>
+                                    </p:set>
+                                    <p:animEffect transition="in" filter="fade">
+                                      <p:cBhvr>
+                                        <p:cTn id="13" dur="1000"/>
+                                        <p:tgtEl>
+                                          <p:spTgt spid="4"/>
+                                        </p:tgtEl>
+                                      </p:cBhvr>
+                                    </p:animEffect>
+                                    <p:anim calcmode="lin" valueType="num">
+                                      <p:cBhvr>
+                                        <p:cTn id="14" dur="1000" fill="hold"/>
+                                        <p:tgtEl>
+                                          <p:spTgt spid="4"/>
+                                        </p:tgtEl>
+                                        <p:attrNameLst>
+                                          <p:attrName>ppt_x</p:attrName>
+                                        </p:attrNameLst>
+                                      </p:cBhvr>
+                                      <p:tavLst>
+                                        <p:tav tm="0">
+                                          <p:val>
+                                            <p:strVal val="#ppt_x"/>
+                                          </p:val>
+                                        </p:tav>
+                                        <p:tav tm="100000">
+                                          <p:val>
+                                            <p:strVal val="#ppt_x"/>
+                                          </p:val>
+                                        </p:tav>
+                                      </p:tavLst>
+                                    </p:anim>
+                                    <p:anim calcmode="lin" valueType="num">
+                                      <p:cBhvr>
+                                        <p:cTn id="15" dur="1000" fill="hold"/>
+                                        <p:tgtEl>
+                                          <p:spTgt spid="4"/>
+                                        </p:tgtEl>
+                                        <p:attrNameLst>
+                                          <p:attrName>ppt_y</p:attrName>
+                                        </p:attrNameLst>
+                                      </p:cBhvr>
+                                      <p:tavLst>
+                                        <p:tav tm="0">
+                                          <p:val>
+                                            <p:strVal val="#ppt_y+.1"/>
+                                          </p:val>
+                                        </p:tav>
+                                        <p:tav tm="100000">
+                                          <p:val>
+                                            <p:strVal val="#ppt_y"/>
+                                          </p:val>
+                                        </p:tav>
+                                      </p:tavLst>
+                                    </p:anim>
+                                  </p:childTnLst>
+                                </p:cTn>
+                              </p:par>
+                            </p:childTnLst>
+                          </p:cTn>
+                        </p:par>
+                      </p:childTnLst>
+                    </p:cTn>
+                  </p:par>
+                  <p:par>
+                    <p:cTn id="16" fill="hold">
+                      <p:stCondLst>
+                        <p:cond delay="indefinite"/>
+                      </p:stCondLst>
+                      <p:childTnLst>
+                        <p:par>
+                          <p:cTn id="17" fill="hold">
+                            <p:stCondLst>
+                              <p:cond delay="0"/>
+                            </p:stCondLst>
+                            <p:childTnLst>
+                              <p:par>
+                                <p:cTn id="18" presetID="42" presetClass="entr" presetSubtype="0" fill="hold" grpId="0" nodeType="clickEffect">
+                                  <p:stCondLst>
+                                    <p:cond delay="0"/>
+                                  </p:stCondLst>
+                                  <p:childTnLst>
+                                    <p:set>
+                                      <p:cBhvr>
+                                        <p:cTn id="19" dur="1" fill="hold">
+                                          <p:stCondLst>
+                                            <p:cond delay="0"/>
+                                          </p:stCondLst>
+                                        </p:cTn>
+                                        <p:tgtEl>
+                                          <p:spTgt spid="3">
+                                            <p:txEl>
+                                              <p:pRg st="0" end="0"/>
+                                            </p:txEl>
+                                          </p:spTgt>
+                                        </p:tgtEl>
+                                        <p:attrNameLst>
+                                          <p:attrName>style.visibility</p:attrName>
+                                        </p:attrNameLst>
+                                      </p:cBhvr>
+                                      <p:to>
+                                        <p:strVal val="visible"/>
+                                      </p:to>
+                                    </p:set>
+                                    <p:animEffect transition="in" filter="fade">
+                                      <p:cBhvr>
+                                        <p:cTn id="20" dur="1000"/>
+                                        <p:tgtEl>
+                                          <p:spTgt spid="3">
+                                            <p:txEl>
+                                              <p:pRg st="0" end="0"/>
+                                            </p:txEl>
+                                          </p:spTgt>
+                                        </p:tgtEl>
+                                      </p:cBhvr>
+                                    </p:animEffect>
+                                    <p:anim calcmode="lin" valueType="num">
+                                      <p:cBhvr>
+                                        <p:cTn id="21" dur="1000" fill="hold"/>
+                                        <p:tgtEl>
+                                          <p:spTgt spid="3">
+                                            <p:txEl>
+                                              <p:pRg st="0" end="0"/>
+                                            </p:txEl>
+                                          </p:spTgt>
+                                        </p:tgtEl>
+                                        <p:attrNameLst>
+                                          <p:attrName>ppt_x</p:attrName>
+                                        </p:attrNameLst>
+                                      </p:cBhvr>
+                                      <p:tavLst>
+                                        <p:tav tm="0">
+                                          <p:val>
+                                            <p:strVal val="#ppt_x"/>
+                                          </p:val>
+                                        </p:tav>
+                                        <p:tav tm="100000">
+                                          <p:val>
+                                            <p:strVal val="#ppt_x"/>
+                                          </p:val>
+                                        </p:tav>
+                                      </p:tavLst>
+                                    </p:anim>
+                                    <p:anim calcmode="lin" valueType="num">
+                                      <p:cBhvr>
+                                        <p:cTn id="22" dur="1000" fill="hold"/>
+                                        <p:tgtEl>
+                                          <p:spTgt spid="3">
+                                            <p:txEl>
+                                              <p:pRg st="0" end="0"/>
+                                            </p:txEl>
+                                          </p:spTgt>
+                                        </p:tgtEl>
+                                        <p:attrNameLst>
+                                          <p:attrName>ppt_y</p:attrName>
+                                        </p:attrNameLst>
+                                      </p:cBhvr>
+                                      <p:tavLst>
+                                        <p:tav tm="0">
+                                          <p:val>
+                                            <p:strVal val="#ppt_y+.1"/>
+                                          </p:val>
+                                        </p:tav>
+                                        <p:tav tm="100000">
+                                          <p:val>
+                                            <p:strVal val="#ppt_y"/>
+                                          </p:val>
+                                        </p:tav>
+                                      </p:tavLst>
+                                    </p:anim>
+                                  </p:childTnLst>
+                                </p:cTn>
+                              </p:par>
+                            </p:childTnLst>
+                          </p:cTn>
+                        </p:par>
+                      </p:childTnLst>
+                    </p:cTn>
+                  </p:par>
+                </p:childTnLst>
+              </p:cTn>
+              <p:prevCondLst>
+                <p:cond evt="onPrev" delay="0">
+                  <p:tgtEl>
+                    <p:sldTgt/>
+                  </p:tgtEl>
+                </p:cond>
+              </p:prevCondLst>
+              <p:nextCondLst>
+                <p:cond evt="onNext" delay="0">
+                  <p:tgtEl>
+                    <p:sldTgt/>
+                  </p:tgtEl>
+                </p:cond>
+              </p:nextCondLst>
+            </p:seq>
+          </p:childTnLst>
+        </p:cTn>
+      </p:par>
+    </p:tnLst>
+    <p:bldLst>
+      <p:bldP spid="2" grpId="0"/>
+      <p:bldP spid="3" grpId="0" build="p"/>
+      <p:bldP spid="4" grpId="0"/>
+    </p:bldLst>
+  </p:timing>
 </p:sld>
 </file>
 
@@ -3160,14 +3505,38 @@
           <a:p>
             <a:r>
               <a:rPr lang="en-GB" dirty="0" smtClean="0"/>
-              <a:t>Finn- Front-end, back-end &amp; game developer</a:t>
-            </a:r>
-          </a:p>
-          <a:p>
+              <a:t>Finn- Front-end, </a:t>
+            </a:r>
             <a:r>
               <a:rPr lang="en-GB" dirty="0" smtClean="0"/>
-              <a:t>Rhys – Python Enthusiast </a:t>
-            </a:r>
+              <a:t>back-end, OS</a:t>
+            </a:r>
+            <a:r>
+              <a:rPr lang="en-GB" dirty="0" smtClean="0"/>
+              <a:t> builder, </a:t>
+            </a:r>
+            <a:r>
+              <a:rPr lang="en-GB" dirty="0" smtClean="0"/>
+              <a:t>compilers </a:t>
+            </a:r>
+            <a:endParaRPr lang="en-GB" dirty="0" smtClean="0"/>
+          </a:p>
+          <a:p>
+            <a:r>
+              <a:rPr lang="en-GB" dirty="0" smtClean="0"/>
+              <a:t>Rhys </a:t>
+            </a:r>
+            <a:r>
+              <a:rPr lang="en-GB" dirty="0" smtClean="0"/>
+              <a:t>- Real-time 3d graphics,</a:t>
+            </a:r>
+          </a:p>
+          <a:p>
+            <a:r>
+              <a:rPr lang="en-GB" dirty="0" smtClean="0"/>
+              <a:t>Sam – Hardware, </a:t>
+            </a:r>
+            <a:endParaRPr lang="en-GB" dirty="0" smtClean="0"/>
           </a:p>
         </p:txBody>
       </p:sp>
@@ -3181,6 +3550,13 @@
   <p:clrMapOvr>
     <a:masterClrMapping/>
   </p:clrMapOvr>
+  <p:timing>
+    <p:tnLst>
+      <p:par>
+        <p:cTn id="1" dur="indefinite" restart="never" nodeType="tmRoot"/>
+      </p:par>
+    </p:tnLst>
+  </p:timing>
 </p:sld>
 </file>
 
@@ -3216,7 +3592,11 @@
           <a:bodyPr/>
           <a:lstStyle/>
           <a:p>
-            <a:endParaRPr lang="en-GB"/>
+            <a:r>
+              <a:rPr lang="en-GB" dirty="0" smtClean="0"/>
+              <a:t>The Idea</a:t>
+            </a:r>
+            <a:endParaRPr lang="en-GB" dirty="0"/>
           </a:p>
         </p:txBody>
       </p:sp>
@@ -3235,7 +3615,10 @@
           <a:bodyPr/>
           <a:lstStyle/>
           <a:p>
-            <a:endParaRPr lang="en-GB"/>
+            <a:pPr marL="0" indent="0">
+              <a:buNone/>
+            </a:pPr>
+            <a:endParaRPr lang="en-GB" dirty="0"/>
           </a:p>
         </p:txBody>
       </p:sp>
@@ -3249,6 +3632,13 @@
   <p:clrMapOvr>
     <a:masterClrMapping/>
   </p:clrMapOvr>
+  <p:timing>
+    <p:tnLst>
+      <p:par>
+        <p:cTn id="1" dur="indefinite" restart="never" nodeType="tmRoot"/>
+      </p:par>
+    </p:tnLst>
+  </p:timing>
 </p:sld>
 </file>
 

--- a/Presentation/The Crazy Monkeys.pptx
+++ b/Presentation/The Crazy Monkeys.pptx
@@ -4,10 +4,23 @@
   <p:sldMasterIdLst>
     <p:sldMasterId id="2147483648" r:id="rId1"/>
   </p:sldMasterIdLst>
+  <p:notesMasterIdLst>
+    <p:notesMasterId r:id="rId12"/>
+  </p:notesMasterIdLst>
+  <p:handoutMasterIdLst>
+    <p:handoutMasterId r:id="rId13"/>
+  </p:handoutMasterIdLst>
   <p:sldIdLst>
     <p:sldId id="256" r:id="rId2"/>
     <p:sldId id="257" r:id="rId3"/>
-    <p:sldId id="258" r:id="rId4"/>
+    <p:sldId id="262" r:id="rId4"/>
+    <p:sldId id="258" r:id="rId5"/>
+    <p:sldId id="261" r:id="rId6"/>
+    <p:sldId id="259" r:id="rId7"/>
+    <p:sldId id="260" r:id="rId8"/>
+    <p:sldId id="265" r:id="rId9"/>
+    <p:sldId id="263" r:id="rId10"/>
+    <p:sldId id="264" r:id="rId11"/>
   </p:sldIdLst>
   <p:sldSz cx="12192000" cy="6858000"/>
   <p:notesSz cx="6858000" cy="9144000"/>
@@ -112,6 +125,4036 @@
     </p:ext>
   </p:extLst>
 </p:presentation>
+</file>
+
+<file path=ppt/diagrams/colors1.xml><?xml version="1.0" encoding="utf-8"?>
+<dgm:colorsDef xmlns:dgm="http://schemas.openxmlformats.org/drawingml/2006/diagram" xmlns:a="http://schemas.openxmlformats.org/drawingml/2006/main" uniqueId="urn:microsoft.com/office/officeart/2005/8/colors/accent1_2">
+  <dgm:title val=""/>
+  <dgm:desc val=""/>
+  <dgm:catLst>
+    <dgm:cat type="accent1" pri="11200"/>
+  </dgm:catLst>
+  <dgm:styleLbl name="node0">
+    <dgm:fillClrLst meth="repeat">
+      <a:schemeClr val="accent1"/>
+    </dgm:fillClrLst>
+    <dgm:linClrLst meth="repeat">
+      <a:schemeClr val="lt1"/>
+    </dgm:linClrLst>
+    <dgm:effectClrLst/>
+    <dgm:txLinClrLst/>
+    <dgm:txFillClrLst/>
+    <dgm:txEffectClrLst/>
+  </dgm:styleLbl>
+  <dgm:styleLbl name="alignNode1">
+    <dgm:fillClrLst meth="repeat">
+      <a:schemeClr val="accent1"/>
+    </dgm:fillClrLst>
+    <dgm:linClrLst meth="repeat">
+      <a:schemeClr val="accent1"/>
+    </dgm:linClrLst>
+    <dgm:effectClrLst/>
+    <dgm:txLinClrLst/>
+    <dgm:txFillClrLst/>
+    <dgm:txEffectClrLst/>
+  </dgm:styleLbl>
+  <dgm:styleLbl name="node1">
+    <dgm:fillClrLst meth="repeat">
+      <a:schemeClr val="accent1"/>
+    </dgm:fillClrLst>
+    <dgm:linClrLst meth="repeat">
+      <a:schemeClr val="lt1"/>
+    </dgm:linClrLst>
+    <dgm:effectClrLst/>
+    <dgm:txLinClrLst/>
+    <dgm:txFillClrLst/>
+    <dgm:txEffectClrLst/>
+  </dgm:styleLbl>
+  <dgm:styleLbl name="lnNode1">
+    <dgm:fillClrLst meth="repeat">
+      <a:schemeClr val="accent1"/>
+    </dgm:fillClrLst>
+    <dgm:linClrLst meth="repeat">
+      <a:schemeClr val="lt1"/>
+    </dgm:linClrLst>
+    <dgm:effectClrLst/>
+    <dgm:txLinClrLst/>
+    <dgm:txFillClrLst/>
+    <dgm:txEffectClrLst/>
+  </dgm:styleLbl>
+  <dgm:styleLbl name="vennNode1">
+    <dgm:fillClrLst meth="repeat">
+      <a:schemeClr val="accent1">
+        <a:alpha val="50000"/>
+      </a:schemeClr>
+    </dgm:fillClrLst>
+    <dgm:linClrLst meth="repeat">
+      <a:schemeClr val="lt1"/>
+    </dgm:linClrLst>
+    <dgm:effectClrLst/>
+    <dgm:txLinClrLst/>
+    <dgm:txFillClrLst/>
+    <dgm:txEffectClrLst/>
+  </dgm:styleLbl>
+  <dgm:styleLbl name="node2">
+    <dgm:fillClrLst meth="repeat">
+      <a:schemeClr val="accent1"/>
+    </dgm:fillClrLst>
+    <dgm:linClrLst meth="repeat">
+      <a:schemeClr val="lt1"/>
+    </dgm:linClrLst>
+    <dgm:effectClrLst/>
+    <dgm:txLinClrLst/>
+    <dgm:txFillClrLst/>
+    <dgm:txEffectClrLst/>
+  </dgm:styleLbl>
+  <dgm:styleLbl name="node3">
+    <dgm:fillClrLst meth="repeat">
+      <a:schemeClr val="accent1"/>
+    </dgm:fillClrLst>
+    <dgm:linClrLst meth="repeat">
+      <a:schemeClr val="lt1"/>
+    </dgm:linClrLst>
+    <dgm:effectClrLst/>
+    <dgm:txLinClrLst/>
+    <dgm:txFillClrLst/>
+    <dgm:txEffectClrLst/>
+  </dgm:styleLbl>
+  <dgm:styleLbl name="node4">
+    <dgm:fillClrLst meth="repeat">
+      <a:schemeClr val="accent1"/>
+    </dgm:fillClrLst>
+    <dgm:linClrLst meth="repeat">
+      <a:schemeClr val="lt1"/>
+    </dgm:linClrLst>
+    <dgm:effectClrLst/>
+    <dgm:txLinClrLst/>
+    <dgm:txFillClrLst/>
+    <dgm:txEffectClrLst/>
+  </dgm:styleLbl>
+  <dgm:styleLbl name="fgImgPlace1">
+    <dgm:fillClrLst meth="repeat">
+      <a:schemeClr val="accent1">
+        <a:tint val="50000"/>
+      </a:schemeClr>
+    </dgm:fillClrLst>
+    <dgm:linClrLst meth="repeat">
+      <a:schemeClr val="lt1"/>
+    </dgm:linClrLst>
+    <dgm:effectClrLst/>
+    <dgm:txLinClrLst/>
+    <dgm:txFillClrLst meth="repeat">
+      <a:schemeClr val="lt1"/>
+    </dgm:txFillClrLst>
+    <dgm:txEffectClrLst/>
+  </dgm:styleLbl>
+  <dgm:styleLbl name="alignImgPlace1">
+    <dgm:fillClrLst meth="repeat">
+      <a:schemeClr val="accent1">
+        <a:tint val="50000"/>
+      </a:schemeClr>
+    </dgm:fillClrLst>
+    <dgm:linClrLst meth="repeat">
+      <a:schemeClr val="lt1"/>
+    </dgm:linClrLst>
+    <dgm:effectClrLst/>
+    <dgm:txLinClrLst/>
+    <dgm:txFillClrLst meth="repeat">
+      <a:schemeClr val="lt1"/>
+    </dgm:txFillClrLst>
+    <dgm:txEffectClrLst/>
+  </dgm:styleLbl>
+  <dgm:styleLbl name="bgImgPlace1">
+    <dgm:fillClrLst meth="repeat">
+      <a:schemeClr val="accent1">
+        <a:tint val="50000"/>
+      </a:schemeClr>
+    </dgm:fillClrLst>
+    <dgm:linClrLst meth="repeat">
+      <a:schemeClr val="lt1"/>
+    </dgm:linClrLst>
+    <dgm:effectClrLst/>
+    <dgm:txLinClrLst/>
+    <dgm:txFillClrLst meth="repeat">
+      <a:schemeClr val="lt1"/>
+    </dgm:txFillClrLst>
+    <dgm:txEffectClrLst/>
+  </dgm:styleLbl>
+  <dgm:styleLbl name="sibTrans2D1">
+    <dgm:fillClrLst meth="repeat">
+      <a:schemeClr val="accent1">
+        <a:tint val="60000"/>
+      </a:schemeClr>
+    </dgm:fillClrLst>
+    <dgm:linClrLst meth="repeat">
+      <a:schemeClr val="accent1">
+        <a:tint val="60000"/>
+      </a:schemeClr>
+    </dgm:linClrLst>
+    <dgm:effectClrLst/>
+    <dgm:txLinClrLst/>
+    <dgm:txFillClrLst/>
+    <dgm:txEffectClrLst/>
+  </dgm:styleLbl>
+  <dgm:styleLbl name="fgSibTrans2D1">
+    <dgm:fillClrLst meth="repeat">
+      <a:schemeClr val="accent1">
+        <a:tint val="60000"/>
+      </a:schemeClr>
+    </dgm:fillClrLst>
+    <dgm:linClrLst meth="repeat">
+      <a:schemeClr val="accent1">
+        <a:tint val="60000"/>
+      </a:schemeClr>
+    </dgm:linClrLst>
+    <dgm:effectClrLst/>
+    <dgm:txLinClrLst/>
+    <dgm:txFillClrLst/>
+    <dgm:txEffectClrLst/>
+  </dgm:styleLbl>
+  <dgm:styleLbl name="bgSibTrans2D1">
+    <dgm:fillClrLst meth="repeat">
+      <a:schemeClr val="accent1">
+        <a:tint val="60000"/>
+      </a:schemeClr>
+    </dgm:fillClrLst>
+    <dgm:linClrLst meth="repeat">
+      <a:schemeClr val="accent1">
+        <a:tint val="60000"/>
+      </a:schemeClr>
+    </dgm:linClrLst>
+    <dgm:effectClrLst/>
+    <dgm:txLinClrLst/>
+    <dgm:txFillClrLst/>
+    <dgm:txEffectClrLst/>
+  </dgm:styleLbl>
+  <dgm:styleLbl name="sibTrans1D1">
+    <dgm:fillClrLst meth="repeat">
+      <a:schemeClr val="accent1"/>
+    </dgm:fillClrLst>
+    <dgm:linClrLst meth="repeat">
+      <a:schemeClr val="accent1"/>
+    </dgm:linClrLst>
+    <dgm:effectClrLst/>
+    <dgm:txLinClrLst/>
+    <dgm:txFillClrLst meth="repeat">
+      <a:schemeClr val="tx1"/>
+    </dgm:txFillClrLst>
+    <dgm:txEffectClrLst/>
+  </dgm:styleLbl>
+  <dgm:styleLbl name="callout">
+    <dgm:fillClrLst meth="repeat">
+      <a:schemeClr val="accent1"/>
+    </dgm:fillClrLst>
+    <dgm:linClrLst meth="repeat">
+      <a:schemeClr val="accent1">
+        <a:tint val="50000"/>
+      </a:schemeClr>
+    </dgm:linClrLst>
+    <dgm:effectClrLst/>
+    <dgm:txLinClrLst/>
+    <dgm:txFillClrLst meth="repeat">
+      <a:schemeClr val="tx1"/>
+    </dgm:txFillClrLst>
+    <dgm:txEffectClrLst/>
+  </dgm:styleLbl>
+  <dgm:styleLbl name="asst0">
+    <dgm:fillClrLst meth="repeat">
+      <a:schemeClr val="accent1"/>
+    </dgm:fillClrLst>
+    <dgm:linClrLst meth="repeat">
+      <a:schemeClr val="lt1"/>
+    </dgm:linClrLst>
+    <dgm:effectClrLst/>
+    <dgm:txLinClrLst/>
+    <dgm:txFillClrLst/>
+    <dgm:txEffectClrLst/>
+  </dgm:styleLbl>
+  <dgm:styleLbl name="asst1">
+    <dgm:fillClrLst meth="repeat">
+      <a:schemeClr val="accent1"/>
+    </dgm:fillClrLst>
+    <dgm:linClrLst meth="repeat">
+      <a:schemeClr val="lt1"/>
+    </dgm:linClrLst>
+    <dgm:effectClrLst/>
+    <dgm:txLinClrLst/>
+    <dgm:txFillClrLst/>
+    <dgm:txEffectClrLst/>
+  </dgm:styleLbl>
+  <dgm:styleLbl name="asst2">
+    <dgm:fillClrLst meth="repeat">
+      <a:schemeClr val="accent1"/>
+    </dgm:fillClrLst>
+    <dgm:linClrLst meth="repeat">
+      <a:schemeClr val="lt1"/>
+    </dgm:linClrLst>
+    <dgm:effectClrLst/>
+    <dgm:txLinClrLst/>
+    <dgm:txFillClrLst/>
+    <dgm:txEffectClrLst/>
+  </dgm:styleLbl>
+  <dgm:styleLbl name="asst3">
+    <dgm:fillClrLst meth="repeat">
+      <a:schemeClr val="accent1"/>
+    </dgm:fillClrLst>
+    <dgm:linClrLst meth="repeat">
+      <a:schemeClr val="lt1"/>
+    </dgm:linClrLst>
+    <dgm:effectClrLst/>
+    <dgm:txLinClrLst/>
+    <dgm:txFillClrLst/>
+    <dgm:txEffectClrLst/>
+  </dgm:styleLbl>
+  <dgm:styleLbl name="asst4">
+    <dgm:fillClrLst meth="repeat">
+      <a:schemeClr val="accent1"/>
+    </dgm:fillClrLst>
+    <dgm:linClrLst meth="repeat">
+      <a:schemeClr val="lt1"/>
+    </dgm:linClrLst>
+    <dgm:effectClrLst/>
+    <dgm:txLinClrLst/>
+    <dgm:txFillClrLst/>
+    <dgm:txEffectClrLst/>
+  </dgm:styleLbl>
+  <dgm:styleLbl name="parChTrans2D1">
+    <dgm:fillClrLst meth="repeat">
+      <a:schemeClr val="accent1">
+        <a:tint val="60000"/>
+      </a:schemeClr>
+    </dgm:fillClrLst>
+    <dgm:linClrLst meth="repeat">
+      <a:schemeClr val="accent1">
+        <a:tint val="60000"/>
+      </a:schemeClr>
+    </dgm:linClrLst>
+    <dgm:effectClrLst/>
+    <dgm:txLinClrLst/>
+    <dgm:txFillClrLst meth="repeat">
+      <a:schemeClr val="lt1"/>
+    </dgm:txFillClrLst>
+    <dgm:txEffectClrLst/>
+  </dgm:styleLbl>
+  <dgm:styleLbl name="parChTrans2D2">
+    <dgm:fillClrLst meth="repeat">
+      <a:schemeClr val="accent1"/>
+    </dgm:fillClrLst>
+    <dgm:linClrLst meth="repeat">
+      <a:schemeClr val="accent1"/>
+    </dgm:linClrLst>
+    <dgm:effectClrLst/>
+    <dgm:txLinClrLst/>
+    <dgm:txFillClrLst meth="repeat">
+      <a:schemeClr val="lt1"/>
+    </dgm:txFillClrLst>
+    <dgm:txEffectClrLst/>
+  </dgm:styleLbl>
+  <dgm:styleLbl name="parChTrans2D3">
+    <dgm:fillClrLst meth="repeat">
+      <a:schemeClr val="accent1"/>
+    </dgm:fillClrLst>
+    <dgm:linClrLst meth="repeat">
+      <a:schemeClr val="accent1"/>
+    </dgm:linClrLst>
+    <dgm:effectClrLst/>
+    <dgm:txLinClrLst/>
+    <dgm:txFillClrLst meth="repeat">
+      <a:schemeClr val="lt1"/>
+    </dgm:txFillClrLst>
+    <dgm:txEffectClrLst/>
+  </dgm:styleLbl>
+  <dgm:styleLbl name="parChTrans2D4">
+    <dgm:fillClrLst meth="repeat">
+      <a:schemeClr val="accent1"/>
+    </dgm:fillClrLst>
+    <dgm:linClrLst meth="repeat">
+      <a:schemeClr val="accent1"/>
+    </dgm:linClrLst>
+    <dgm:effectClrLst/>
+    <dgm:txLinClrLst/>
+    <dgm:txFillClrLst meth="repeat">
+      <a:schemeClr val="lt1"/>
+    </dgm:txFillClrLst>
+    <dgm:txEffectClrLst/>
+  </dgm:styleLbl>
+  <dgm:styleLbl name="parChTrans1D1">
+    <dgm:fillClrLst meth="repeat">
+      <a:schemeClr val="accent1"/>
+    </dgm:fillClrLst>
+    <dgm:linClrLst meth="repeat">
+      <a:schemeClr val="accent1">
+        <a:shade val="60000"/>
+      </a:schemeClr>
+    </dgm:linClrLst>
+    <dgm:effectClrLst/>
+    <dgm:txLinClrLst/>
+    <dgm:txFillClrLst meth="repeat">
+      <a:schemeClr val="tx1"/>
+    </dgm:txFillClrLst>
+    <dgm:txEffectClrLst/>
+  </dgm:styleLbl>
+  <dgm:styleLbl name="parChTrans1D2">
+    <dgm:fillClrLst meth="repeat">
+      <a:schemeClr val="accent1"/>
+    </dgm:fillClrLst>
+    <dgm:linClrLst meth="repeat">
+      <a:schemeClr val="accent1">
+        <a:shade val="60000"/>
+      </a:schemeClr>
+    </dgm:linClrLst>
+    <dgm:effectClrLst/>
+    <dgm:txLinClrLst/>
+    <dgm:txFillClrLst meth="repeat">
+      <a:schemeClr val="tx1"/>
+    </dgm:txFillClrLst>
+    <dgm:txEffectClrLst/>
+  </dgm:styleLbl>
+  <dgm:styleLbl name="parChTrans1D3">
+    <dgm:fillClrLst meth="repeat">
+      <a:schemeClr val="accent1"/>
+    </dgm:fillClrLst>
+    <dgm:linClrLst meth="repeat">
+      <a:schemeClr val="accent1">
+        <a:shade val="80000"/>
+      </a:schemeClr>
+    </dgm:linClrLst>
+    <dgm:effectClrLst/>
+    <dgm:txLinClrLst/>
+    <dgm:txFillClrLst meth="repeat">
+      <a:schemeClr val="tx1"/>
+    </dgm:txFillClrLst>
+    <dgm:txEffectClrLst/>
+  </dgm:styleLbl>
+  <dgm:styleLbl name="parChTrans1D4">
+    <dgm:fillClrLst meth="repeat">
+      <a:schemeClr val="accent1"/>
+    </dgm:fillClrLst>
+    <dgm:linClrLst meth="repeat">
+      <a:schemeClr val="accent1">
+        <a:shade val="80000"/>
+      </a:schemeClr>
+    </dgm:linClrLst>
+    <dgm:effectClrLst/>
+    <dgm:txLinClrLst/>
+    <dgm:txFillClrLst meth="repeat">
+      <a:schemeClr val="tx1"/>
+    </dgm:txFillClrLst>
+    <dgm:txEffectClrLst/>
+  </dgm:styleLbl>
+  <dgm:styleLbl name="fgAcc1">
+    <dgm:fillClrLst meth="repeat">
+      <a:schemeClr val="lt1">
+        <a:alpha val="90000"/>
+      </a:schemeClr>
+    </dgm:fillClrLst>
+    <dgm:linClrLst meth="repeat">
+      <a:schemeClr val="accent1"/>
+    </dgm:linClrLst>
+    <dgm:effectClrLst/>
+    <dgm:txLinClrLst/>
+    <dgm:txFillClrLst meth="repeat">
+      <a:schemeClr val="dk1"/>
+    </dgm:txFillClrLst>
+    <dgm:txEffectClrLst/>
+  </dgm:styleLbl>
+  <dgm:styleLbl name="conFgAcc1">
+    <dgm:fillClrLst meth="repeat">
+      <a:schemeClr val="lt1">
+        <a:alpha val="90000"/>
+      </a:schemeClr>
+    </dgm:fillClrLst>
+    <dgm:linClrLst meth="repeat">
+      <a:schemeClr val="accent1"/>
+    </dgm:linClrLst>
+    <dgm:effectClrLst/>
+    <dgm:txLinClrLst/>
+    <dgm:txFillClrLst meth="repeat">
+      <a:schemeClr val="dk1"/>
+    </dgm:txFillClrLst>
+    <dgm:txEffectClrLst/>
+  </dgm:styleLbl>
+  <dgm:styleLbl name="alignAcc1">
+    <dgm:fillClrLst meth="repeat">
+      <a:schemeClr val="lt1">
+        <a:alpha val="90000"/>
+      </a:schemeClr>
+    </dgm:fillClrLst>
+    <dgm:linClrLst meth="repeat">
+      <a:schemeClr val="accent1"/>
+    </dgm:linClrLst>
+    <dgm:effectClrLst/>
+    <dgm:txLinClrLst/>
+    <dgm:txFillClrLst meth="repeat">
+      <a:schemeClr val="dk1"/>
+    </dgm:txFillClrLst>
+    <dgm:txEffectClrLst/>
+  </dgm:styleLbl>
+  <dgm:styleLbl name="trAlignAcc1">
+    <dgm:fillClrLst meth="repeat">
+      <a:schemeClr val="lt1">
+        <a:alpha val="40000"/>
+      </a:schemeClr>
+    </dgm:fillClrLst>
+    <dgm:linClrLst meth="repeat">
+      <a:schemeClr val="accent1"/>
+    </dgm:linClrLst>
+    <dgm:effectClrLst/>
+    <dgm:txLinClrLst/>
+    <dgm:txFillClrLst meth="repeat">
+      <a:schemeClr val="dk1"/>
+    </dgm:txFillClrLst>
+    <dgm:txEffectClrLst/>
+  </dgm:styleLbl>
+  <dgm:styleLbl name="bgAcc1">
+    <dgm:fillClrLst meth="repeat">
+      <a:schemeClr val="lt1">
+        <a:alpha val="90000"/>
+      </a:schemeClr>
+    </dgm:fillClrLst>
+    <dgm:linClrLst meth="repeat">
+      <a:schemeClr val="accent1"/>
+    </dgm:linClrLst>
+    <dgm:effectClrLst/>
+    <dgm:txLinClrLst/>
+    <dgm:txFillClrLst meth="repeat">
+      <a:schemeClr val="dk1"/>
+    </dgm:txFillClrLst>
+    <dgm:txEffectClrLst/>
+  </dgm:styleLbl>
+  <dgm:styleLbl name="solidFgAcc1">
+    <dgm:fillClrLst meth="repeat">
+      <a:schemeClr val="lt1"/>
+    </dgm:fillClrLst>
+    <dgm:linClrLst meth="repeat">
+      <a:schemeClr val="accent1"/>
+    </dgm:linClrLst>
+    <dgm:effectClrLst/>
+    <dgm:txLinClrLst/>
+    <dgm:txFillClrLst meth="repeat">
+      <a:schemeClr val="dk1"/>
+    </dgm:txFillClrLst>
+    <dgm:txEffectClrLst/>
+  </dgm:styleLbl>
+  <dgm:styleLbl name="solidAlignAcc1">
+    <dgm:fillClrLst meth="repeat">
+      <a:schemeClr val="lt1"/>
+    </dgm:fillClrLst>
+    <dgm:linClrLst meth="repeat">
+      <a:schemeClr val="accent1"/>
+    </dgm:linClrLst>
+    <dgm:effectClrLst/>
+    <dgm:txLinClrLst/>
+    <dgm:txFillClrLst meth="repeat">
+      <a:schemeClr val="dk1"/>
+    </dgm:txFillClrLst>
+    <dgm:txEffectClrLst/>
+  </dgm:styleLbl>
+  <dgm:styleLbl name="solidBgAcc1">
+    <dgm:fillClrLst meth="repeat">
+      <a:schemeClr val="lt1"/>
+    </dgm:fillClrLst>
+    <dgm:linClrLst meth="repeat">
+      <a:schemeClr val="accent1"/>
+    </dgm:linClrLst>
+    <dgm:effectClrLst/>
+    <dgm:txLinClrLst/>
+    <dgm:txFillClrLst meth="repeat">
+      <a:schemeClr val="dk1"/>
+    </dgm:txFillClrLst>
+    <dgm:txEffectClrLst/>
+  </dgm:styleLbl>
+  <dgm:styleLbl name="fgAccFollowNode1">
+    <dgm:fillClrLst meth="repeat">
+      <a:schemeClr val="accent1">
+        <a:alpha val="90000"/>
+        <a:tint val="40000"/>
+      </a:schemeClr>
+    </dgm:fillClrLst>
+    <dgm:linClrLst meth="repeat">
+      <a:schemeClr val="accent1">
+        <a:alpha val="90000"/>
+        <a:tint val="40000"/>
+      </a:schemeClr>
+    </dgm:linClrLst>
+    <dgm:effectClrLst/>
+    <dgm:txLinClrLst/>
+    <dgm:txFillClrLst meth="repeat">
+      <a:schemeClr val="dk1"/>
+    </dgm:txFillClrLst>
+    <dgm:txEffectClrLst/>
+  </dgm:styleLbl>
+  <dgm:styleLbl name="alignAccFollowNode1">
+    <dgm:fillClrLst meth="repeat">
+      <a:schemeClr val="accent1">
+        <a:alpha val="90000"/>
+        <a:tint val="40000"/>
+      </a:schemeClr>
+    </dgm:fillClrLst>
+    <dgm:linClrLst meth="repeat">
+      <a:schemeClr val="accent1">
+        <a:alpha val="90000"/>
+        <a:tint val="40000"/>
+      </a:schemeClr>
+    </dgm:linClrLst>
+    <dgm:effectClrLst/>
+    <dgm:txLinClrLst/>
+    <dgm:txFillClrLst meth="repeat">
+      <a:schemeClr val="dk1"/>
+    </dgm:txFillClrLst>
+    <dgm:txEffectClrLst/>
+  </dgm:styleLbl>
+  <dgm:styleLbl name="bgAccFollowNode1">
+    <dgm:fillClrLst meth="repeat">
+      <a:schemeClr val="accent1">
+        <a:alpha val="90000"/>
+        <a:tint val="40000"/>
+      </a:schemeClr>
+    </dgm:fillClrLst>
+    <dgm:linClrLst meth="repeat">
+      <a:schemeClr val="accent1">
+        <a:alpha val="90000"/>
+        <a:tint val="40000"/>
+      </a:schemeClr>
+    </dgm:linClrLst>
+    <dgm:effectClrLst/>
+    <dgm:txLinClrLst/>
+    <dgm:txFillClrLst meth="repeat">
+      <a:schemeClr val="dk1"/>
+    </dgm:txFillClrLst>
+    <dgm:txEffectClrLst/>
+  </dgm:styleLbl>
+  <dgm:styleLbl name="fgAcc0">
+    <dgm:fillClrLst meth="repeat">
+      <a:schemeClr val="lt1">
+        <a:alpha val="90000"/>
+      </a:schemeClr>
+    </dgm:fillClrLst>
+    <dgm:linClrLst meth="repeat">
+      <a:schemeClr val="accent1"/>
+    </dgm:linClrLst>
+    <dgm:effectClrLst/>
+    <dgm:txLinClrLst/>
+    <dgm:txFillClrLst meth="repeat">
+      <a:schemeClr val="dk1"/>
+    </dgm:txFillClrLst>
+    <dgm:txEffectClrLst/>
+  </dgm:styleLbl>
+  <dgm:styleLbl name="fgAcc2">
+    <dgm:fillClrLst meth="repeat">
+      <a:schemeClr val="lt1">
+        <a:alpha val="90000"/>
+      </a:schemeClr>
+    </dgm:fillClrLst>
+    <dgm:linClrLst meth="repeat">
+      <a:schemeClr val="accent1"/>
+    </dgm:linClrLst>
+    <dgm:effectClrLst/>
+    <dgm:txLinClrLst/>
+    <dgm:txFillClrLst meth="repeat">
+      <a:schemeClr val="dk1"/>
+    </dgm:txFillClrLst>
+    <dgm:txEffectClrLst/>
+  </dgm:styleLbl>
+  <dgm:styleLbl name="fgAcc3">
+    <dgm:fillClrLst meth="repeat">
+      <a:schemeClr val="lt1">
+        <a:alpha val="90000"/>
+      </a:schemeClr>
+    </dgm:fillClrLst>
+    <dgm:linClrLst meth="repeat">
+      <a:schemeClr val="accent1"/>
+    </dgm:linClrLst>
+    <dgm:effectClrLst/>
+    <dgm:txLinClrLst/>
+    <dgm:txFillClrLst meth="repeat">
+      <a:schemeClr val="dk1"/>
+    </dgm:txFillClrLst>
+    <dgm:txEffectClrLst/>
+  </dgm:styleLbl>
+  <dgm:styleLbl name="fgAcc4">
+    <dgm:fillClrLst meth="repeat">
+      <a:schemeClr val="lt1">
+        <a:alpha val="90000"/>
+      </a:schemeClr>
+    </dgm:fillClrLst>
+    <dgm:linClrLst meth="repeat">
+      <a:schemeClr val="accent1"/>
+    </dgm:linClrLst>
+    <dgm:effectClrLst/>
+    <dgm:txLinClrLst/>
+    <dgm:txFillClrLst meth="repeat">
+      <a:schemeClr val="dk1"/>
+    </dgm:txFillClrLst>
+    <dgm:txEffectClrLst/>
+  </dgm:styleLbl>
+  <dgm:styleLbl name="bgShp">
+    <dgm:fillClrLst meth="repeat">
+      <a:schemeClr val="accent1">
+        <a:tint val="40000"/>
+      </a:schemeClr>
+    </dgm:fillClrLst>
+    <dgm:linClrLst meth="repeat">
+      <a:schemeClr val="accent1"/>
+    </dgm:linClrLst>
+    <dgm:effectClrLst/>
+    <dgm:txLinClrLst/>
+    <dgm:txFillClrLst meth="repeat">
+      <a:schemeClr val="dk1"/>
+    </dgm:txFillClrLst>
+    <dgm:txEffectClrLst/>
+  </dgm:styleLbl>
+  <dgm:styleLbl name="dkBgShp">
+    <dgm:fillClrLst meth="repeat">
+      <a:schemeClr val="accent1">
+        <a:shade val="80000"/>
+      </a:schemeClr>
+    </dgm:fillClrLst>
+    <dgm:linClrLst meth="repeat">
+      <a:schemeClr val="accent1"/>
+    </dgm:linClrLst>
+    <dgm:effectClrLst/>
+    <dgm:txLinClrLst/>
+    <dgm:txFillClrLst meth="repeat">
+      <a:schemeClr val="lt1"/>
+    </dgm:txFillClrLst>
+    <dgm:txEffectClrLst/>
+  </dgm:styleLbl>
+  <dgm:styleLbl name="trBgShp">
+    <dgm:fillClrLst meth="repeat">
+      <a:schemeClr val="accent1">
+        <a:tint val="50000"/>
+        <a:alpha val="40000"/>
+      </a:schemeClr>
+    </dgm:fillClrLst>
+    <dgm:linClrLst meth="repeat">
+      <a:schemeClr val="accent1"/>
+    </dgm:linClrLst>
+    <dgm:effectClrLst/>
+    <dgm:txLinClrLst/>
+    <dgm:txFillClrLst meth="repeat">
+      <a:schemeClr val="lt1"/>
+    </dgm:txFillClrLst>
+    <dgm:txEffectClrLst/>
+  </dgm:styleLbl>
+  <dgm:styleLbl name="fgShp">
+    <dgm:fillClrLst meth="repeat">
+      <a:schemeClr val="accent1">
+        <a:tint val="60000"/>
+      </a:schemeClr>
+    </dgm:fillClrLst>
+    <dgm:linClrLst meth="repeat">
+      <a:schemeClr val="lt1"/>
+    </dgm:linClrLst>
+    <dgm:effectClrLst/>
+    <dgm:txLinClrLst/>
+    <dgm:txFillClrLst meth="repeat">
+      <a:schemeClr val="dk1"/>
+    </dgm:txFillClrLst>
+    <dgm:txEffectClrLst/>
+  </dgm:styleLbl>
+  <dgm:styleLbl name="revTx">
+    <dgm:fillClrLst meth="repeat">
+      <a:schemeClr val="lt1">
+        <a:alpha val="0"/>
+      </a:schemeClr>
+    </dgm:fillClrLst>
+    <dgm:linClrLst meth="repeat">
+      <a:schemeClr val="dk1">
+        <a:alpha val="0"/>
+      </a:schemeClr>
+    </dgm:linClrLst>
+    <dgm:effectClrLst/>
+    <dgm:txLinClrLst/>
+    <dgm:txFillClrLst meth="repeat">
+      <a:schemeClr val="tx1"/>
+    </dgm:txFillClrLst>
+    <dgm:txEffectClrLst/>
+  </dgm:styleLbl>
+</dgm:colorsDef>
+</file>
+
+<file path=ppt/diagrams/data1.xml><?xml version="1.0" encoding="utf-8"?>
+<dgm:dataModel xmlns:dgm="http://schemas.openxmlformats.org/drawingml/2006/diagram" xmlns:a="http://schemas.openxmlformats.org/drawingml/2006/main">
+  <dgm:ptLst>
+    <dgm:pt modelId="{883E1A73-C465-4CE9-9EBD-4CE3BCDE0C8A}" type="doc">
+      <dgm:prSet loTypeId="urn:microsoft.com/office/officeart/2005/8/layout/list1" loCatId="list" qsTypeId="urn:microsoft.com/office/officeart/2005/8/quickstyle/simple1" qsCatId="simple" csTypeId="urn:microsoft.com/office/officeart/2005/8/colors/accent1_2" csCatId="accent1" phldr="1"/>
+      <dgm:spPr/>
+      <dgm:t>
+        <a:bodyPr/>
+        <a:lstStyle/>
+        <a:p>
+          <a:endParaRPr lang="en-GB"/>
+        </a:p>
+      </dgm:t>
+    </dgm:pt>
+    <dgm:pt modelId="{45DCDD8D-6839-473F-919D-E5B2C33E7D8F}">
+      <dgm:prSet phldrT="[Text]"/>
+      <dgm:spPr/>
+      <dgm:t>
+        <a:bodyPr/>
+        <a:lstStyle/>
+        <a:p>
+          <a:r>
+            <a:rPr lang="en-GB" dirty="0" smtClean="0"/>
+            <a:t>Addition of more features</a:t>
+          </a:r>
+          <a:endParaRPr lang="en-GB" dirty="0"/>
+        </a:p>
+      </dgm:t>
+    </dgm:pt>
+    <dgm:pt modelId="{2A2D1A64-5C16-4D68-9273-6264F657553D}" type="parTrans" cxnId="{58BB5BE9-3C83-4177-A7FD-588FF2D69AA6}">
+      <dgm:prSet/>
+      <dgm:spPr/>
+      <dgm:t>
+        <a:bodyPr/>
+        <a:lstStyle/>
+        <a:p>
+          <a:endParaRPr lang="en-GB"/>
+        </a:p>
+      </dgm:t>
+    </dgm:pt>
+    <dgm:pt modelId="{729D7A1C-ACC1-4AF8-97E0-B48C72092977}" type="sibTrans" cxnId="{58BB5BE9-3C83-4177-A7FD-588FF2D69AA6}">
+      <dgm:prSet/>
+      <dgm:spPr/>
+      <dgm:t>
+        <a:bodyPr/>
+        <a:lstStyle/>
+        <a:p>
+          <a:endParaRPr lang="en-GB"/>
+        </a:p>
+      </dgm:t>
+    </dgm:pt>
+    <dgm:pt modelId="{75E3ECCA-2A5F-4E23-AC15-5BA2779223F2}">
+      <dgm:prSet phldrT="[Text]"/>
+      <dgm:spPr/>
+      <dgm:t>
+        <a:bodyPr/>
+        <a:lstStyle/>
+        <a:p>
+          <a:r>
+            <a:rPr lang="en-GB" dirty="0" smtClean="0"/>
+            <a:t>Develop a mobile application </a:t>
+          </a:r>
+          <a:endParaRPr lang="en-GB" dirty="0"/>
+        </a:p>
+      </dgm:t>
+    </dgm:pt>
+    <dgm:pt modelId="{7D00C464-C826-44DB-B9C3-E4389E998567}" type="parTrans" cxnId="{11293E29-D4B4-4730-8C9D-BCEC908DEC43}">
+      <dgm:prSet/>
+      <dgm:spPr/>
+      <dgm:t>
+        <a:bodyPr/>
+        <a:lstStyle/>
+        <a:p>
+          <a:endParaRPr lang="en-GB"/>
+        </a:p>
+      </dgm:t>
+    </dgm:pt>
+    <dgm:pt modelId="{A900C58C-5ED4-4709-9A64-5E44EF940AA1}" type="sibTrans" cxnId="{11293E29-D4B4-4730-8C9D-BCEC908DEC43}">
+      <dgm:prSet/>
+      <dgm:spPr/>
+      <dgm:t>
+        <a:bodyPr/>
+        <a:lstStyle/>
+        <a:p>
+          <a:endParaRPr lang="en-GB"/>
+        </a:p>
+      </dgm:t>
+    </dgm:pt>
+    <dgm:pt modelId="{88B1697E-3A77-4037-827E-FA92AF8FD81D}">
+      <dgm:prSet phldrT="[Text]"/>
+      <dgm:spPr/>
+      <dgm:t>
+        <a:bodyPr/>
+        <a:lstStyle/>
+        <a:p>
+          <a:r>
+            <a:rPr lang="en-GB" dirty="0" smtClean="0"/>
+            <a:t>Improve User Interface</a:t>
+          </a:r>
+          <a:endParaRPr lang="en-GB" dirty="0"/>
+        </a:p>
+      </dgm:t>
+    </dgm:pt>
+    <dgm:pt modelId="{C71D16D2-A7C5-4CEB-9199-135F4F6AB6C2}" type="parTrans" cxnId="{CE4D8B3B-9DC1-4244-A4AF-4BAFE3640C67}">
+      <dgm:prSet/>
+      <dgm:spPr/>
+      <dgm:t>
+        <a:bodyPr/>
+        <a:lstStyle/>
+        <a:p>
+          <a:endParaRPr lang="en-GB"/>
+        </a:p>
+      </dgm:t>
+    </dgm:pt>
+    <dgm:pt modelId="{A00DF725-258E-4931-A958-94B80ABC5CC3}" type="sibTrans" cxnId="{CE4D8B3B-9DC1-4244-A4AF-4BAFE3640C67}">
+      <dgm:prSet/>
+      <dgm:spPr/>
+      <dgm:t>
+        <a:bodyPr/>
+        <a:lstStyle/>
+        <a:p>
+          <a:endParaRPr lang="en-GB"/>
+        </a:p>
+      </dgm:t>
+    </dgm:pt>
+    <dgm:pt modelId="{4F13585A-BE72-40BB-B9A4-297AF7297714}" type="pres">
+      <dgm:prSet presAssocID="{883E1A73-C465-4CE9-9EBD-4CE3BCDE0C8A}" presName="linear" presStyleCnt="0">
+        <dgm:presLayoutVars>
+          <dgm:dir/>
+          <dgm:animLvl val="lvl"/>
+          <dgm:resizeHandles val="exact"/>
+        </dgm:presLayoutVars>
+      </dgm:prSet>
+      <dgm:spPr/>
+    </dgm:pt>
+    <dgm:pt modelId="{248F8781-C603-4B9A-B29F-5E5B8A9B67E1}" type="pres">
+      <dgm:prSet presAssocID="{88B1697E-3A77-4037-827E-FA92AF8FD81D}" presName="parentLin" presStyleCnt="0"/>
+      <dgm:spPr/>
+    </dgm:pt>
+    <dgm:pt modelId="{AE409B0F-7778-4F56-A3C0-8AC8DB0DBEC4}" type="pres">
+      <dgm:prSet presAssocID="{88B1697E-3A77-4037-827E-FA92AF8FD81D}" presName="parentLeftMargin" presStyleLbl="node1" presStyleIdx="0" presStyleCnt="3"/>
+      <dgm:spPr/>
+    </dgm:pt>
+    <dgm:pt modelId="{67774C26-1490-44B4-A322-C74439AE04AD}" type="pres">
+      <dgm:prSet presAssocID="{88B1697E-3A77-4037-827E-FA92AF8FD81D}" presName="parentText" presStyleLbl="node1" presStyleIdx="0" presStyleCnt="3">
+        <dgm:presLayoutVars>
+          <dgm:chMax val="0"/>
+          <dgm:bulletEnabled val="1"/>
+        </dgm:presLayoutVars>
+      </dgm:prSet>
+      <dgm:spPr/>
+      <dgm:t>
+        <a:bodyPr/>
+        <a:lstStyle/>
+        <a:p>
+          <a:endParaRPr lang="en-GB"/>
+        </a:p>
+      </dgm:t>
+    </dgm:pt>
+    <dgm:pt modelId="{5282DF92-0275-47B9-989E-2CA0D448807D}" type="pres">
+      <dgm:prSet presAssocID="{88B1697E-3A77-4037-827E-FA92AF8FD81D}" presName="negativeSpace" presStyleCnt="0"/>
+      <dgm:spPr/>
+    </dgm:pt>
+    <dgm:pt modelId="{B9E7027B-F595-4E1F-A9C8-033202366CF3}" type="pres">
+      <dgm:prSet presAssocID="{88B1697E-3A77-4037-827E-FA92AF8FD81D}" presName="childText" presStyleLbl="conFgAcc1" presStyleIdx="0" presStyleCnt="3">
+        <dgm:presLayoutVars>
+          <dgm:bulletEnabled val="1"/>
+        </dgm:presLayoutVars>
+      </dgm:prSet>
+      <dgm:spPr/>
+    </dgm:pt>
+    <dgm:pt modelId="{4E177F0D-31C9-4D61-8966-0D6C4E2BC255}" type="pres">
+      <dgm:prSet presAssocID="{A00DF725-258E-4931-A958-94B80ABC5CC3}" presName="spaceBetweenRectangles" presStyleCnt="0"/>
+      <dgm:spPr/>
+    </dgm:pt>
+    <dgm:pt modelId="{0B688515-E2A4-47AC-8409-8B38A4C94DB7}" type="pres">
+      <dgm:prSet presAssocID="{45DCDD8D-6839-473F-919D-E5B2C33E7D8F}" presName="parentLin" presStyleCnt="0"/>
+      <dgm:spPr/>
+    </dgm:pt>
+    <dgm:pt modelId="{1AE2EBA2-99B1-4FA7-AE40-467F85E45330}" type="pres">
+      <dgm:prSet presAssocID="{45DCDD8D-6839-473F-919D-E5B2C33E7D8F}" presName="parentLeftMargin" presStyleLbl="node1" presStyleIdx="0" presStyleCnt="3"/>
+      <dgm:spPr/>
+    </dgm:pt>
+    <dgm:pt modelId="{4BD1DE02-0930-4F47-822F-AD5783B3675F}" type="pres">
+      <dgm:prSet presAssocID="{45DCDD8D-6839-473F-919D-E5B2C33E7D8F}" presName="parentText" presStyleLbl="node1" presStyleIdx="1" presStyleCnt="3">
+        <dgm:presLayoutVars>
+          <dgm:chMax val="0"/>
+          <dgm:bulletEnabled val="1"/>
+        </dgm:presLayoutVars>
+      </dgm:prSet>
+      <dgm:spPr/>
+      <dgm:t>
+        <a:bodyPr/>
+        <a:lstStyle/>
+        <a:p>
+          <a:endParaRPr lang="en-GB"/>
+        </a:p>
+      </dgm:t>
+    </dgm:pt>
+    <dgm:pt modelId="{CE52160C-7EB5-495D-824A-6E8BAF68DA50}" type="pres">
+      <dgm:prSet presAssocID="{45DCDD8D-6839-473F-919D-E5B2C33E7D8F}" presName="negativeSpace" presStyleCnt="0"/>
+      <dgm:spPr/>
+    </dgm:pt>
+    <dgm:pt modelId="{EA4FBCCD-7FD6-4FCC-8382-3254E3DCB65C}" type="pres">
+      <dgm:prSet presAssocID="{45DCDD8D-6839-473F-919D-E5B2C33E7D8F}" presName="childText" presStyleLbl="conFgAcc1" presStyleIdx="1" presStyleCnt="3">
+        <dgm:presLayoutVars>
+          <dgm:bulletEnabled val="1"/>
+        </dgm:presLayoutVars>
+      </dgm:prSet>
+      <dgm:spPr/>
+    </dgm:pt>
+    <dgm:pt modelId="{A03DCA44-CEF7-4D2A-8382-58E42BC07E00}" type="pres">
+      <dgm:prSet presAssocID="{729D7A1C-ACC1-4AF8-97E0-B48C72092977}" presName="spaceBetweenRectangles" presStyleCnt="0"/>
+      <dgm:spPr/>
+    </dgm:pt>
+    <dgm:pt modelId="{7E028B00-FD4E-4281-BB81-E02A6A5A6F71}" type="pres">
+      <dgm:prSet presAssocID="{75E3ECCA-2A5F-4E23-AC15-5BA2779223F2}" presName="parentLin" presStyleCnt="0"/>
+      <dgm:spPr/>
+    </dgm:pt>
+    <dgm:pt modelId="{586AE848-8345-4148-91E3-F666A9EBF1BB}" type="pres">
+      <dgm:prSet presAssocID="{75E3ECCA-2A5F-4E23-AC15-5BA2779223F2}" presName="parentLeftMargin" presStyleLbl="node1" presStyleIdx="1" presStyleCnt="3"/>
+      <dgm:spPr/>
+    </dgm:pt>
+    <dgm:pt modelId="{9E2750C8-6157-4D02-BCD8-D872ADC7981B}" type="pres">
+      <dgm:prSet presAssocID="{75E3ECCA-2A5F-4E23-AC15-5BA2779223F2}" presName="parentText" presStyleLbl="node1" presStyleIdx="2" presStyleCnt="3">
+        <dgm:presLayoutVars>
+          <dgm:chMax val="0"/>
+          <dgm:bulletEnabled val="1"/>
+        </dgm:presLayoutVars>
+      </dgm:prSet>
+      <dgm:spPr/>
+      <dgm:t>
+        <a:bodyPr/>
+        <a:lstStyle/>
+        <a:p>
+          <a:endParaRPr lang="en-GB"/>
+        </a:p>
+      </dgm:t>
+    </dgm:pt>
+    <dgm:pt modelId="{A44E6EC9-E5F4-475E-91D7-07F120A64700}" type="pres">
+      <dgm:prSet presAssocID="{75E3ECCA-2A5F-4E23-AC15-5BA2779223F2}" presName="negativeSpace" presStyleCnt="0"/>
+      <dgm:spPr/>
+    </dgm:pt>
+    <dgm:pt modelId="{C81DF271-70F5-4D4C-A6BE-A13AA1B9B180}" type="pres">
+      <dgm:prSet presAssocID="{75E3ECCA-2A5F-4E23-AC15-5BA2779223F2}" presName="childText" presStyleLbl="conFgAcc1" presStyleIdx="2" presStyleCnt="3">
+        <dgm:presLayoutVars>
+          <dgm:bulletEnabled val="1"/>
+        </dgm:presLayoutVars>
+      </dgm:prSet>
+      <dgm:spPr/>
+    </dgm:pt>
+  </dgm:ptLst>
+  <dgm:cxnLst>
+    <dgm:cxn modelId="{611593D6-472B-4B18-A631-CC74CA404753}" type="presOf" srcId="{75E3ECCA-2A5F-4E23-AC15-5BA2779223F2}" destId="{586AE848-8345-4148-91E3-F666A9EBF1BB}" srcOrd="0" destOrd="0" presId="urn:microsoft.com/office/officeart/2005/8/layout/list1"/>
+    <dgm:cxn modelId="{58BB5BE9-3C83-4177-A7FD-588FF2D69AA6}" srcId="{883E1A73-C465-4CE9-9EBD-4CE3BCDE0C8A}" destId="{45DCDD8D-6839-473F-919D-E5B2C33E7D8F}" srcOrd="1" destOrd="0" parTransId="{2A2D1A64-5C16-4D68-9273-6264F657553D}" sibTransId="{729D7A1C-ACC1-4AF8-97E0-B48C72092977}"/>
+    <dgm:cxn modelId="{87529CAE-EDF0-4B24-A110-E3C31CAFF662}" type="presOf" srcId="{88B1697E-3A77-4037-827E-FA92AF8FD81D}" destId="{67774C26-1490-44B4-A322-C74439AE04AD}" srcOrd="1" destOrd="0" presId="urn:microsoft.com/office/officeart/2005/8/layout/list1"/>
+    <dgm:cxn modelId="{7A7751F6-C7B6-4915-B656-461298D51393}" type="presOf" srcId="{883E1A73-C465-4CE9-9EBD-4CE3BCDE0C8A}" destId="{4F13585A-BE72-40BB-B9A4-297AF7297714}" srcOrd="0" destOrd="0" presId="urn:microsoft.com/office/officeart/2005/8/layout/list1"/>
+    <dgm:cxn modelId="{67C2E9B9-B941-4848-B5FB-D31EEF0852FC}" type="presOf" srcId="{75E3ECCA-2A5F-4E23-AC15-5BA2779223F2}" destId="{9E2750C8-6157-4D02-BCD8-D872ADC7981B}" srcOrd="1" destOrd="0" presId="urn:microsoft.com/office/officeart/2005/8/layout/list1"/>
+    <dgm:cxn modelId="{22CE6001-CC68-4D82-8251-DA06BC492277}" type="presOf" srcId="{88B1697E-3A77-4037-827E-FA92AF8FD81D}" destId="{AE409B0F-7778-4F56-A3C0-8AC8DB0DBEC4}" srcOrd="0" destOrd="0" presId="urn:microsoft.com/office/officeart/2005/8/layout/list1"/>
+    <dgm:cxn modelId="{CBF770F0-4C74-4FC2-990B-4D7AB569F0DA}" type="presOf" srcId="{45DCDD8D-6839-473F-919D-E5B2C33E7D8F}" destId="{1AE2EBA2-99B1-4FA7-AE40-467F85E45330}" srcOrd="0" destOrd="0" presId="urn:microsoft.com/office/officeart/2005/8/layout/list1"/>
+    <dgm:cxn modelId="{11293E29-D4B4-4730-8C9D-BCEC908DEC43}" srcId="{883E1A73-C465-4CE9-9EBD-4CE3BCDE0C8A}" destId="{75E3ECCA-2A5F-4E23-AC15-5BA2779223F2}" srcOrd="2" destOrd="0" parTransId="{7D00C464-C826-44DB-B9C3-E4389E998567}" sibTransId="{A900C58C-5ED4-4709-9A64-5E44EF940AA1}"/>
+    <dgm:cxn modelId="{CE4D8B3B-9DC1-4244-A4AF-4BAFE3640C67}" srcId="{883E1A73-C465-4CE9-9EBD-4CE3BCDE0C8A}" destId="{88B1697E-3A77-4037-827E-FA92AF8FD81D}" srcOrd="0" destOrd="0" parTransId="{C71D16D2-A7C5-4CEB-9199-135F4F6AB6C2}" sibTransId="{A00DF725-258E-4931-A958-94B80ABC5CC3}"/>
+    <dgm:cxn modelId="{FF1AFC44-4CC6-4FC8-BA64-311B86842664}" type="presOf" srcId="{45DCDD8D-6839-473F-919D-E5B2C33E7D8F}" destId="{4BD1DE02-0930-4F47-822F-AD5783B3675F}" srcOrd="1" destOrd="0" presId="urn:microsoft.com/office/officeart/2005/8/layout/list1"/>
+    <dgm:cxn modelId="{03BB97EA-E062-4F46-B0E8-5BB06B896849}" type="presParOf" srcId="{4F13585A-BE72-40BB-B9A4-297AF7297714}" destId="{248F8781-C603-4B9A-B29F-5E5B8A9B67E1}" srcOrd="0" destOrd="0" presId="urn:microsoft.com/office/officeart/2005/8/layout/list1"/>
+    <dgm:cxn modelId="{0D752D7E-8132-4554-9D70-80FA4759DA7A}" type="presParOf" srcId="{248F8781-C603-4B9A-B29F-5E5B8A9B67E1}" destId="{AE409B0F-7778-4F56-A3C0-8AC8DB0DBEC4}" srcOrd="0" destOrd="0" presId="urn:microsoft.com/office/officeart/2005/8/layout/list1"/>
+    <dgm:cxn modelId="{96DE75F5-C520-4C98-AD39-07E4908AE1B7}" type="presParOf" srcId="{248F8781-C603-4B9A-B29F-5E5B8A9B67E1}" destId="{67774C26-1490-44B4-A322-C74439AE04AD}" srcOrd="1" destOrd="0" presId="urn:microsoft.com/office/officeart/2005/8/layout/list1"/>
+    <dgm:cxn modelId="{456B1976-F9E1-4FB0-94EB-6376834EFB96}" type="presParOf" srcId="{4F13585A-BE72-40BB-B9A4-297AF7297714}" destId="{5282DF92-0275-47B9-989E-2CA0D448807D}" srcOrd="1" destOrd="0" presId="urn:microsoft.com/office/officeart/2005/8/layout/list1"/>
+    <dgm:cxn modelId="{7784EA09-E528-43DD-B518-AA1D9BB702EF}" type="presParOf" srcId="{4F13585A-BE72-40BB-B9A4-297AF7297714}" destId="{B9E7027B-F595-4E1F-A9C8-033202366CF3}" srcOrd="2" destOrd="0" presId="urn:microsoft.com/office/officeart/2005/8/layout/list1"/>
+    <dgm:cxn modelId="{E717B7DB-ABE2-46ED-B42A-A29A2A8C90F1}" type="presParOf" srcId="{4F13585A-BE72-40BB-B9A4-297AF7297714}" destId="{4E177F0D-31C9-4D61-8966-0D6C4E2BC255}" srcOrd="3" destOrd="0" presId="urn:microsoft.com/office/officeart/2005/8/layout/list1"/>
+    <dgm:cxn modelId="{A8477888-D733-4ACC-A93F-C98B5ED9B3A8}" type="presParOf" srcId="{4F13585A-BE72-40BB-B9A4-297AF7297714}" destId="{0B688515-E2A4-47AC-8409-8B38A4C94DB7}" srcOrd="4" destOrd="0" presId="urn:microsoft.com/office/officeart/2005/8/layout/list1"/>
+    <dgm:cxn modelId="{85EA5C01-3564-4B44-95FB-9FDFDB26C120}" type="presParOf" srcId="{0B688515-E2A4-47AC-8409-8B38A4C94DB7}" destId="{1AE2EBA2-99B1-4FA7-AE40-467F85E45330}" srcOrd="0" destOrd="0" presId="urn:microsoft.com/office/officeart/2005/8/layout/list1"/>
+    <dgm:cxn modelId="{1A58A2F0-9FFD-42BF-91E3-05CF12DFBE55}" type="presParOf" srcId="{0B688515-E2A4-47AC-8409-8B38A4C94DB7}" destId="{4BD1DE02-0930-4F47-822F-AD5783B3675F}" srcOrd="1" destOrd="0" presId="urn:microsoft.com/office/officeart/2005/8/layout/list1"/>
+    <dgm:cxn modelId="{C413A932-C6D5-4CA5-A8FC-01E86B038DB5}" type="presParOf" srcId="{4F13585A-BE72-40BB-B9A4-297AF7297714}" destId="{CE52160C-7EB5-495D-824A-6E8BAF68DA50}" srcOrd="5" destOrd="0" presId="urn:microsoft.com/office/officeart/2005/8/layout/list1"/>
+    <dgm:cxn modelId="{2CF8E74E-4D05-4494-ADED-4ABB5AE29454}" type="presParOf" srcId="{4F13585A-BE72-40BB-B9A4-297AF7297714}" destId="{EA4FBCCD-7FD6-4FCC-8382-3254E3DCB65C}" srcOrd="6" destOrd="0" presId="urn:microsoft.com/office/officeart/2005/8/layout/list1"/>
+    <dgm:cxn modelId="{705436F3-AC9A-4E76-84E1-6D20A2D368FB}" type="presParOf" srcId="{4F13585A-BE72-40BB-B9A4-297AF7297714}" destId="{A03DCA44-CEF7-4D2A-8382-58E42BC07E00}" srcOrd="7" destOrd="0" presId="urn:microsoft.com/office/officeart/2005/8/layout/list1"/>
+    <dgm:cxn modelId="{FEA08C2C-B739-4ABE-B1CA-C43EC71B1FF7}" type="presParOf" srcId="{4F13585A-BE72-40BB-B9A4-297AF7297714}" destId="{7E028B00-FD4E-4281-BB81-E02A6A5A6F71}" srcOrd="8" destOrd="0" presId="urn:microsoft.com/office/officeart/2005/8/layout/list1"/>
+    <dgm:cxn modelId="{05D423E5-E833-41B3-B186-156AD6E61F66}" type="presParOf" srcId="{7E028B00-FD4E-4281-BB81-E02A6A5A6F71}" destId="{586AE848-8345-4148-91E3-F666A9EBF1BB}" srcOrd="0" destOrd="0" presId="urn:microsoft.com/office/officeart/2005/8/layout/list1"/>
+    <dgm:cxn modelId="{497EDC97-F656-4152-B68B-09D2A2B70EB5}" type="presParOf" srcId="{7E028B00-FD4E-4281-BB81-E02A6A5A6F71}" destId="{9E2750C8-6157-4D02-BCD8-D872ADC7981B}" srcOrd="1" destOrd="0" presId="urn:microsoft.com/office/officeart/2005/8/layout/list1"/>
+    <dgm:cxn modelId="{A9865E6E-74BC-4F3A-B96C-3EC27B396DCE}" type="presParOf" srcId="{4F13585A-BE72-40BB-B9A4-297AF7297714}" destId="{A44E6EC9-E5F4-475E-91D7-07F120A64700}" srcOrd="9" destOrd="0" presId="urn:microsoft.com/office/officeart/2005/8/layout/list1"/>
+    <dgm:cxn modelId="{15F3EB8B-2D4B-4C86-8696-EF1CE7417CD3}" type="presParOf" srcId="{4F13585A-BE72-40BB-B9A4-297AF7297714}" destId="{C81DF271-70F5-4D4C-A6BE-A13AA1B9B180}" srcOrd="10" destOrd="0" presId="urn:microsoft.com/office/officeart/2005/8/layout/list1"/>
+  </dgm:cxnLst>
+  <dgm:bg/>
+  <dgm:whole/>
+  <dgm:extLst>
+    <a:ext uri="http://schemas.microsoft.com/office/drawing/2008/diagram">
+      <dsp:dataModelExt xmlns:dsp="http://schemas.microsoft.com/office/drawing/2008/diagram" relId="rId7" minVer="http://schemas.openxmlformats.org/drawingml/2006/diagram"/>
+    </a:ext>
+  </dgm:extLst>
+</dgm:dataModel>
+</file>
+
+<file path=ppt/diagrams/drawing1.xml><?xml version="1.0" encoding="utf-8"?>
+<dsp:drawing xmlns:dgm="http://schemas.openxmlformats.org/drawingml/2006/diagram" xmlns:dsp="http://schemas.microsoft.com/office/drawing/2008/diagram" xmlns:a="http://schemas.openxmlformats.org/drawingml/2006/main">
+  <dsp:spTree>
+    <dsp:nvGrpSpPr>
+      <dsp:cNvPr id="0" name=""/>
+      <dsp:cNvGrpSpPr/>
+    </dsp:nvGrpSpPr>
+    <dsp:grpSpPr/>
+    <dsp:sp modelId="{B9E7027B-F595-4E1F-A9C8-033202366CF3}">
+      <dsp:nvSpPr>
+        <dsp:cNvPr id="0" name=""/>
+        <dsp:cNvSpPr/>
+      </dsp:nvSpPr>
+      <dsp:spPr>
+        <a:xfrm>
+          <a:off x="0" y="995387"/>
+          <a:ext cx="9855199" cy="1033200"/>
+        </a:xfrm>
+        <a:prstGeom prst="rect">
+          <a:avLst/>
+        </a:prstGeom>
+        <a:solidFill>
+          <a:schemeClr val="lt1">
+            <a:alpha val="90000"/>
+            <a:hueOff val="0"/>
+            <a:satOff val="0"/>
+            <a:lumOff val="0"/>
+            <a:alphaOff val="0"/>
+          </a:schemeClr>
+        </a:solidFill>
+        <a:ln w="12700" cap="flat" cmpd="sng" algn="ctr">
+          <a:solidFill>
+            <a:schemeClr val="accent1">
+              <a:hueOff val="0"/>
+              <a:satOff val="0"/>
+              <a:lumOff val="0"/>
+              <a:alphaOff val="0"/>
+            </a:schemeClr>
+          </a:solidFill>
+          <a:prstDash val="solid"/>
+          <a:miter lim="800000"/>
+        </a:ln>
+        <a:effectLst/>
+      </dsp:spPr>
+      <dsp:style>
+        <a:lnRef idx="2">
+          <a:scrgbClr r="0" g="0" b="0"/>
+        </a:lnRef>
+        <a:fillRef idx="1">
+          <a:scrgbClr r="0" g="0" b="0"/>
+        </a:fillRef>
+        <a:effectRef idx="0">
+          <a:scrgbClr r="0" g="0" b="0"/>
+        </a:effectRef>
+        <a:fontRef idx="minor"/>
+      </dsp:style>
+    </dsp:sp>
+    <dsp:sp modelId="{67774C26-1490-44B4-A322-C74439AE04AD}">
+      <dsp:nvSpPr>
+        <dsp:cNvPr id="0" name=""/>
+        <dsp:cNvSpPr/>
+      </dsp:nvSpPr>
+      <dsp:spPr>
+        <a:xfrm>
+          <a:off x="492760" y="390227"/>
+          <a:ext cx="6898640" cy="1210320"/>
+        </a:xfrm>
+        <a:prstGeom prst="roundRect">
+          <a:avLst/>
+        </a:prstGeom>
+        <a:solidFill>
+          <a:schemeClr val="accent1">
+            <a:hueOff val="0"/>
+            <a:satOff val="0"/>
+            <a:lumOff val="0"/>
+            <a:alphaOff val="0"/>
+          </a:schemeClr>
+        </a:solidFill>
+        <a:ln w="12700" cap="flat" cmpd="sng" algn="ctr">
+          <a:solidFill>
+            <a:schemeClr val="lt1">
+              <a:hueOff val="0"/>
+              <a:satOff val="0"/>
+              <a:lumOff val="0"/>
+              <a:alphaOff val="0"/>
+            </a:schemeClr>
+          </a:solidFill>
+          <a:prstDash val="solid"/>
+          <a:miter lim="800000"/>
+        </a:ln>
+        <a:effectLst/>
+      </dsp:spPr>
+      <dsp:style>
+        <a:lnRef idx="2">
+          <a:scrgbClr r="0" g="0" b="0"/>
+        </a:lnRef>
+        <a:fillRef idx="1">
+          <a:scrgbClr r="0" g="0" b="0"/>
+        </a:fillRef>
+        <a:effectRef idx="0">
+          <a:scrgbClr r="0" g="0" b="0"/>
+        </a:effectRef>
+        <a:fontRef idx="minor">
+          <a:schemeClr val="lt1"/>
+        </a:fontRef>
+      </dsp:style>
+      <dsp:txBody>
+        <a:bodyPr spcFirstLastPara="0" vert="horz" wrap="square" lIns="260752" tIns="0" rIns="260752" bIns="0" numCol="1" spcCol="1270" anchor="ctr" anchorCtr="0">
+          <a:noAutofit/>
+        </a:bodyPr>
+        <a:lstStyle/>
+        <a:p>
+          <a:pPr lvl="0" algn="l" defTabSz="1822450">
+            <a:lnSpc>
+              <a:spcPct val="90000"/>
+            </a:lnSpc>
+            <a:spcBef>
+              <a:spcPct val="0"/>
+            </a:spcBef>
+            <a:spcAft>
+              <a:spcPct val="35000"/>
+            </a:spcAft>
+          </a:pPr>
+          <a:r>
+            <a:rPr lang="en-GB" sz="4100" kern="1200" dirty="0" smtClean="0"/>
+            <a:t>Improve User Interface</a:t>
+          </a:r>
+          <a:endParaRPr lang="en-GB" sz="4100" kern="1200" dirty="0"/>
+        </a:p>
+      </dsp:txBody>
+      <dsp:txXfrm>
+        <a:off x="551843" y="449310"/>
+        <a:ext cx="6780474" cy="1092154"/>
+      </dsp:txXfrm>
+    </dsp:sp>
+    <dsp:sp modelId="{EA4FBCCD-7FD6-4FCC-8382-3254E3DCB65C}">
+      <dsp:nvSpPr>
+        <dsp:cNvPr id="0" name=""/>
+        <dsp:cNvSpPr/>
+      </dsp:nvSpPr>
+      <dsp:spPr>
+        <a:xfrm>
+          <a:off x="0" y="2855147"/>
+          <a:ext cx="9855199" cy="1033200"/>
+        </a:xfrm>
+        <a:prstGeom prst="rect">
+          <a:avLst/>
+        </a:prstGeom>
+        <a:solidFill>
+          <a:schemeClr val="lt1">
+            <a:alpha val="90000"/>
+            <a:hueOff val="0"/>
+            <a:satOff val="0"/>
+            <a:lumOff val="0"/>
+            <a:alphaOff val="0"/>
+          </a:schemeClr>
+        </a:solidFill>
+        <a:ln w="12700" cap="flat" cmpd="sng" algn="ctr">
+          <a:solidFill>
+            <a:schemeClr val="accent1">
+              <a:hueOff val="0"/>
+              <a:satOff val="0"/>
+              <a:lumOff val="0"/>
+              <a:alphaOff val="0"/>
+            </a:schemeClr>
+          </a:solidFill>
+          <a:prstDash val="solid"/>
+          <a:miter lim="800000"/>
+        </a:ln>
+        <a:effectLst/>
+      </dsp:spPr>
+      <dsp:style>
+        <a:lnRef idx="2">
+          <a:scrgbClr r="0" g="0" b="0"/>
+        </a:lnRef>
+        <a:fillRef idx="1">
+          <a:scrgbClr r="0" g="0" b="0"/>
+        </a:fillRef>
+        <a:effectRef idx="0">
+          <a:scrgbClr r="0" g="0" b="0"/>
+        </a:effectRef>
+        <a:fontRef idx="minor"/>
+      </dsp:style>
+    </dsp:sp>
+    <dsp:sp modelId="{4BD1DE02-0930-4F47-822F-AD5783B3675F}">
+      <dsp:nvSpPr>
+        <dsp:cNvPr id="0" name=""/>
+        <dsp:cNvSpPr/>
+      </dsp:nvSpPr>
+      <dsp:spPr>
+        <a:xfrm>
+          <a:off x="492760" y="2249987"/>
+          <a:ext cx="6898640" cy="1210320"/>
+        </a:xfrm>
+        <a:prstGeom prst="roundRect">
+          <a:avLst/>
+        </a:prstGeom>
+        <a:solidFill>
+          <a:schemeClr val="accent1">
+            <a:hueOff val="0"/>
+            <a:satOff val="0"/>
+            <a:lumOff val="0"/>
+            <a:alphaOff val="0"/>
+          </a:schemeClr>
+        </a:solidFill>
+        <a:ln w="12700" cap="flat" cmpd="sng" algn="ctr">
+          <a:solidFill>
+            <a:schemeClr val="lt1">
+              <a:hueOff val="0"/>
+              <a:satOff val="0"/>
+              <a:lumOff val="0"/>
+              <a:alphaOff val="0"/>
+            </a:schemeClr>
+          </a:solidFill>
+          <a:prstDash val="solid"/>
+          <a:miter lim="800000"/>
+        </a:ln>
+        <a:effectLst/>
+      </dsp:spPr>
+      <dsp:style>
+        <a:lnRef idx="2">
+          <a:scrgbClr r="0" g="0" b="0"/>
+        </a:lnRef>
+        <a:fillRef idx="1">
+          <a:scrgbClr r="0" g="0" b="0"/>
+        </a:fillRef>
+        <a:effectRef idx="0">
+          <a:scrgbClr r="0" g="0" b="0"/>
+        </a:effectRef>
+        <a:fontRef idx="minor">
+          <a:schemeClr val="lt1"/>
+        </a:fontRef>
+      </dsp:style>
+      <dsp:txBody>
+        <a:bodyPr spcFirstLastPara="0" vert="horz" wrap="square" lIns="260752" tIns="0" rIns="260752" bIns="0" numCol="1" spcCol="1270" anchor="ctr" anchorCtr="0">
+          <a:noAutofit/>
+        </a:bodyPr>
+        <a:lstStyle/>
+        <a:p>
+          <a:pPr lvl="0" algn="l" defTabSz="1822450">
+            <a:lnSpc>
+              <a:spcPct val="90000"/>
+            </a:lnSpc>
+            <a:spcBef>
+              <a:spcPct val="0"/>
+            </a:spcBef>
+            <a:spcAft>
+              <a:spcPct val="35000"/>
+            </a:spcAft>
+          </a:pPr>
+          <a:r>
+            <a:rPr lang="en-GB" sz="4100" kern="1200" dirty="0" smtClean="0"/>
+            <a:t>Addition of more features</a:t>
+          </a:r>
+          <a:endParaRPr lang="en-GB" sz="4100" kern="1200" dirty="0"/>
+        </a:p>
+      </dsp:txBody>
+      <dsp:txXfrm>
+        <a:off x="551843" y="2309070"/>
+        <a:ext cx="6780474" cy="1092154"/>
+      </dsp:txXfrm>
+    </dsp:sp>
+    <dsp:sp modelId="{C81DF271-70F5-4D4C-A6BE-A13AA1B9B180}">
+      <dsp:nvSpPr>
+        <dsp:cNvPr id="0" name=""/>
+        <dsp:cNvSpPr/>
+      </dsp:nvSpPr>
+      <dsp:spPr>
+        <a:xfrm>
+          <a:off x="0" y="4714907"/>
+          <a:ext cx="9855199" cy="1033200"/>
+        </a:xfrm>
+        <a:prstGeom prst="rect">
+          <a:avLst/>
+        </a:prstGeom>
+        <a:solidFill>
+          <a:schemeClr val="lt1">
+            <a:alpha val="90000"/>
+            <a:hueOff val="0"/>
+            <a:satOff val="0"/>
+            <a:lumOff val="0"/>
+            <a:alphaOff val="0"/>
+          </a:schemeClr>
+        </a:solidFill>
+        <a:ln w="12700" cap="flat" cmpd="sng" algn="ctr">
+          <a:solidFill>
+            <a:schemeClr val="accent1">
+              <a:hueOff val="0"/>
+              <a:satOff val="0"/>
+              <a:lumOff val="0"/>
+              <a:alphaOff val="0"/>
+            </a:schemeClr>
+          </a:solidFill>
+          <a:prstDash val="solid"/>
+          <a:miter lim="800000"/>
+        </a:ln>
+        <a:effectLst/>
+      </dsp:spPr>
+      <dsp:style>
+        <a:lnRef idx="2">
+          <a:scrgbClr r="0" g="0" b="0"/>
+        </a:lnRef>
+        <a:fillRef idx="1">
+          <a:scrgbClr r="0" g="0" b="0"/>
+        </a:fillRef>
+        <a:effectRef idx="0">
+          <a:scrgbClr r="0" g="0" b="0"/>
+        </a:effectRef>
+        <a:fontRef idx="minor"/>
+      </dsp:style>
+    </dsp:sp>
+    <dsp:sp modelId="{9E2750C8-6157-4D02-BCD8-D872ADC7981B}">
+      <dsp:nvSpPr>
+        <dsp:cNvPr id="0" name=""/>
+        <dsp:cNvSpPr/>
+      </dsp:nvSpPr>
+      <dsp:spPr>
+        <a:xfrm>
+          <a:off x="492760" y="4109747"/>
+          <a:ext cx="6898640" cy="1210320"/>
+        </a:xfrm>
+        <a:prstGeom prst="roundRect">
+          <a:avLst/>
+        </a:prstGeom>
+        <a:solidFill>
+          <a:schemeClr val="accent1">
+            <a:hueOff val="0"/>
+            <a:satOff val="0"/>
+            <a:lumOff val="0"/>
+            <a:alphaOff val="0"/>
+          </a:schemeClr>
+        </a:solidFill>
+        <a:ln w="12700" cap="flat" cmpd="sng" algn="ctr">
+          <a:solidFill>
+            <a:schemeClr val="lt1">
+              <a:hueOff val="0"/>
+              <a:satOff val="0"/>
+              <a:lumOff val="0"/>
+              <a:alphaOff val="0"/>
+            </a:schemeClr>
+          </a:solidFill>
+          <a:prstDash val="solid"/>
+          <a:miter lim="800000"/>
+        </a:ln>
+        <a:effectLst/>
+      </dsp:spPr>
+      <dsp:style>
+        <a:lnRef idx="2">
+          <a:scrgbClr r="0" g="0" b="0"/>
+        </a:lnRef>
+        <a:fillRef idx="1">
+          <a:scrgbClr r="0" g="0" b="0"/>
+        </a:fillRef>
+        <a:effectRef idx="0">
+          <a:scrgbClr r="0" g="0" b="0"/>
+        </a:effectRef>
+        <a:fontRef idx="minor">
+          <a:schemeClr val="lt1"/>
+        </a:fontRef>
+      </dsp:style>
+      <dsp:txBody>
+        <a:bodyPr spcFirstLastPara="0" vert="horz" wrap="square" lIns="260752" tIns="0" rIns="260752" bIns="0" numCol="1" spcCol="1270" anchor="ctr" anchorCtr="0">
+          <a:noAutofit/>
+        </a:bodyPr>
+        <a:lstStyle/>
+        <a:p>
+          <a:pPr lvl="0" algn="l" defTabSz="1822450">
+            <a:lnSpc>
+              <a:spcPct val="90000"/>
+            </a:lnSpc>
+            <a:spcBef>
+              <a:spcPct val="0"/>
+            </a:spcBef>
+            <a:spcAft>
+              <a:spcPct val="35000"/>
+            </a:spcAft>
+          </a:pPr>
+          <a:r>
+            <a:rPr lang="en-GB" sz="4100" kern="1200" dirty="0" smtClean="0"/>
+            <a:t>Develop a mobile application </a:t>
+          </a:r>
+          <a:endParaRPr lang="en-GB" sz="4100" kern="1200" dirty="0"/>
+        </a:p>
+      </dsp:txBody>
+      <dsp:txXfrm>
+        <a:off x="551843" y="4168830"/>
+        <a:ext cx="6780474" cy="1092154"/>
+      </dsp:txXfrm>
+    </dsp:sp>
+  </dsp:spTree>
+</dsp:drawing>
+</file>
+
+<file path=ppt/diagrams/layout1.xml><?xml version="1.0" encoding="utf-8"?>
+<dgm:layoutDef xmlns:dgm="http://schemas.openxmlformats.org/drawingml/2006/diagram" xmlns:a="http://schemas.openxmlformats.org/drawingml/2006/main" uniqueId="urn:microsoft.com/office/officeart/2005/8/layout/list1">
+  <dgm:title val=""/>
+  <dgm:desc val=""/>
+  <dgm:catLst>
+    <dgm:cat type="list" pri="4000"/>
+  </dgm:catLst>
+  <dgm:sampData>
+    <dgm:dataModel>
+      <dgm:ptLst>
+        <dgm:pt modelId="0" type="doc"/>
+        <dgm:pt modelId="1">
+          <dgm:prSet phldr="1"/>
+        </dgm:pt>
+        <dgm:pt modelId="2">
+          <dgm:prSet phldr="1"/>
+        </dgm:pt>
+        <dgm:pt modelId="3">
+          <dgm:prSet phldr="1"/>
+        </dgm:pt>
+      </dgm:ptLst>
+      <dgm:cxnLst>
+        <dgm:cxn modelId="4" srcId="0" destId="1" srcOrd="0" destOrd="0"/>
+        <dgm:cxn modelId="5" srcId="0" destId="2" srcOrd="1" destOrd="0"/>
+        <dgm:cxn modelId="6" srcId="0" destId="3" srcOrd="2" destOrd="0"/>
+      </dgm:cxnLst>
+      <dgm:bg/>
+      <dgm:whole/>
+    </dgm:dataModel>
+  </dgm:sampData>
+  <dgm:styleData>
+    <dgm:dataModel>
+      <dgm:ptLst>
+        <dgm:pt modelId="0" type="doc"/>
+        <dgm:pt modelId="1"/>
+        <dgm:pt modelId="2"/>
+      </dgm:ptLst>
+      <dgm:cxnLst>
+        <dgm:cxn modelId="4" srcId="0" destId="1" srcOrd="0" destOrd="0"/>
+        <dgm:cxn modelId="5" srcId="0" destId="2" srcOrd="1" destOrd="0"/>
+      </dgm:cxnLst>
+      <dgm:bg/>
+      <dgm:whole/>
+    </dgm:dataModel>
+  </dgm:styleData>
+  <dgm:clrData>
+    <dgm:dataModel>
+      <dgm:ptLst>
+        <dgm:pt modelId="0" type="doc"/>
+        <dgm:pt modelId="1"/>
+        <dgm:pt modelId="2"/>
+        <dgm:pt modelId="3"/>
+        <dgm:pt modelId="4"/>
+      </dgm:ptLst>
+      <dgm:cxnLst>
+        <dgm:cxn modelId="5" srcId="0" destId="1" srcOrd="0" destOrd="0"/>
+        <dgm:cxn modelId="6" srcId="0" destId="2" srcOrd="1" destOrd="0"/>
+        <dgm:cxn modelId="7" srcId="0" destId="3" srcOrd="2" destOrd="0"/>
+        <dgm:cxn modelId="8" srcId="0" destId="4" srcOrd="3" destOrd="0"/>
+      </dgm:cxnLst>
+      <dgm:bg/>
+      <dgm:whole/>
+    </dgm:dataModel>
+  </dgm:clrData>
+  <dgm:layoutNode name="linear">
+    <dgm:varLst>
+      <dgm:dir/>
+      <dgm:animLvl val="lvl"/>
+      <dgm:resizeHandles val="exact"/>
+    </dgm:varLst>
+    <dgm:choose name="Name0">
+      <dgm:if name="Name1" func="var" arg="dir" op="equ" val="norm">
+        <dgm:alg type="lin">
+          <dgm:param type="linDir" val="fromT"/>
+          <dgm:param type="vertAlign" val="mid"/>
+          <dgm:param type="horzAlign" val="l"/>
+          <dgm:param type="nodeHorzAlign" val="l"/>
+        </dgm:alg>
+      </dgm:if>
+      <dgm:else name="Name2">
+        <dgm:alg type="lin">
+          <dgm:param type="linDir" val="fromT"/>
+          <dgm:param type="vertAlign" val="mid"/>
+          <dgm:param type="horzAlign" val="r"/>
+          <dgm:param type="nodeHorzAlign" val="r"/>
+        </dgm:alg>
+      </dgm:else>
+    </dgm:choose>
+    <dgm:shape xmlns:r="http://schemas.openxmlformats.org/officeDocument/2006/relationships" r:blip="">
+      <dgm:adjLst/>
+    </dgm:shape>
+    <dgm:presOf/>
+    <dgm:constrLst>
+      <dgm:constr type="w" for="ch" forName="parentLin" refType="w"/>
+      <dgm:constr type="h" for="ch" forName="parentLin" val="INF"/>
+      <dgm:constr type="w" for="des" forName="parentLeftMargin" refType="w" fact="0.05"/>
+      <dgm:constr type="w" for="des" forName="parentText" refType="w" fact="0.7"/>
+      <dgm:constr type="h" for="des" forName="parentText" refType="primFontSz" refFor="des" refForName="parentText" fact="0.82"/>
+      <dgm:constr type="h" for="ch" forName="negativeSpace" refType="primFontSz" refFor="des" refForName="parentText" fact="-0.41"/>
+      <dgm:constr type="h" for="ch" forName="negativeSpace" refType="h" refFor="des" refForName="parentText" op="lte" fact="-0.82"/>
+      <dgm:constr type="h" for="ch" forName="negativeSpace" refType="h" refFor="des" refForName="parentText" op="gte" fact="-0.82"/>
+      <dgm:constr type="w" for="ch" forName="childText" refType="w"/>
+      <dgm:constr type="h" for="ch" forName="childText" refType="primFontSz" refFor="des" refForName="parentText" fact="0.7"/>
+      <dgm:constr type="primFontSz" for="des" forName="parentText" val="65"/>
+      <dgm:constr type="primFontSz" for="ch" forName="childText" refType="primFontSz" refFor="des" refForName="parentText"/>
+      <dgm:constr type="tMarg" for="ch" forName="childText" refType="primFontSz" refFor="des" refForName="parentText" fact="1.64"/>
+      <dgm:constr type="tMarg" for="ch" forName="childText" refType="h" refFor="des" refForName="parentText" op="lte" fact="3.28"/>
+      <dgm:constr type="tMarg" for="ch" forName="childText" refType="h" refFor="des" refForName="parentText" op="gte" fact="3.28"/>
+      <dgm:constr type="lMarg" for="ch" forName="childText" refType="w" fact="0.22"/>
+      <dgm:constr type="rMarg" for="ch" forName="childText" refType="lMarg" refFor="ch" refForName="childText"/>
+      <dgm:constr type="lMarg" for="des" forName="parentText" refType="w" fact="0.075"/>
+      <dgm:constr type="rMarg" for="des" forName="parentText" refType="lMarg" refFor="des" refForName="parentText"/>
+      <dgm:constr type="h" for="ch" forName="spaceBetweenRectangles" refType="primFontSz" refFor="des" refForName="parentText" fact="0.15"/>
+    </dgm:constrLst>
+    <dgm:ruleLst>
+      <dgm:rule type="primFontSz" for="des" forName="parentText" val="5" fact="NaN" max="NaN"/>
+    </dgm:ruleLst>
+    <dgm:forEach name="Name3" axis="ch" ptType="node">
+      <dgm:layoutNode name="parentLin">
+        <dgm:choose name="Name4">
+          <dgm:if name="Name5" func="var" arg="dir" op="equ" val="norm">
+            <dgm:alg type="lin">
+              <dgm:param type="linDir" val="fromL"/>
+              <dgm:param type="horzAlign" val="l"/>
+              <dgm:param type="nodeHorzAlign" val="l"/>
+            </dgm:alg>
+          </dgm:if>
+          <dgm:else name="Name6">
+            <dgm:alg type="lin">
+              <dgm:param type="linDir" val="fromR"/>
+              <dgm:param type="horzAlign" val="r"/>
+              <dgm:param type="nodeHorzAlign" val="r"/>
+            </dgm:alg>
+          </dgm:else>
+        </dgm:choose>
+        <dgm:shape xmlns:r="http://schemas.openxmlformats.org/officeDocument/2006/relationships" r:blip="">
+          <dgm:adjLst/>
+        </dgm:shape>
+        <dgm:presOf/>
+        <dgm:constrLst/>
+        <dgm:ruleLst/>
+        <dgm:layoutNode name="parentLeftMargin">
+          <dgm:alg type="sp"/>
+          <dgm:shape xmlns:r="http://schemas.openxmlformats.org/officeDocument/2006/relationships" type="rect" r:blip="" hideGeom="1">
+            <dgm:adjLst/>
+          </dgm:shape>
+          <dgm:presOf axis="self"/>
+          <dgm:constrLst>
+            <dgm:constr type="h"/>
+          </dgm:constrLst>
+          <dgm:ruleLst/>
+        </dgm:layoutNode>
+        <dgm:layoutNode name="parentText" styleLbl="node1">
+          <dgm:varLst>
+            <dgm:chMax val="0"/>
+            <dgm:bulletEnabled val="1"/>
+          </dgm:varLst>
+          <dgm:choose name="Name7">
+            <dgm:if name="Name8" func="var" arg="dir" op="equ" val="norm">
+              <dgm:alg type="tx">
+                <dgm:param type="parTxLTRAlign" val="l"/>
+                <dgm:param type="parTxRTLAlign" val="l"/>
+              </dgm:alg>
+            </dgm:if>
+            <dgm:else name="Name9">
+              <dgm:alg type="tx">
+                <dgm:param type="parTxLTRAlign" val="r"/>
+                <dgm:param type="parTxRTLAlign" val="r"/>
+              </dgm:alg>
+            </dgm:else>
+          </dgm:choose>
+          <dgm:shape xmlns:r="http://schemas.openxmlformats.org/officeDocument/2006/relationships" type="roundRect" r:blip="">
+            <dgm:adjLst/>
+          </dgm:shape>
+          <dgm:presOf axis="self" ptType="node"/>
+          <dgm:constrLst>
+            <dgm:constr type="tMarg"/>
+            <dgm:constr type="bMarg"/>
+          </dgm:constrLst>
+          <dgm:ruleLst/>
+        </dgm:layoutNode>
+      </dgm:layoutNode>
+      <dgm:layoutNode name="negativeSpace">
+        <dgm:alg type="sp"/>
+        <dgm:shape xmlns:r="http://schemas.openxmlformats.org/officeDocument/2006/relationships" r:blip="">
+          <dgm:adjLst/>
+        </dgm:shape>
+        <dgm:presOf/>
+        <dgm:constrLst/>
+        <dgm:ruleLst/>
+      </dgm:layoutNode>
+      <dgm:layoutNode name="childText" styleLbl="conFgAcc1">
+        <dgm:varLst>
+          <dgm:bulletEnabled val="1"/>
+        </dgm:varLst>
+        <dgm:alg type="tx">
+          <dgm:param type="stBulletLvl" val="1"/>
+        </dgm:alg>
+        <dgm:shape xmlns:r="http://schemas.openxmlformats.org/officeDocument/2006/relationships" type="rect" r:blip="" zOrderOff="-2">
+          <dgm:adjLst/>
+        </dgm:shape>
+        <dgm:presOf axis="des" ptType="node"/>
+        <dgm:constrLst>
+          <dgm:constr type="secFontSz" refType="primFontSz"/>
+        </dgm:constrLst>
+        <dgm:ruleLst>
+          <dgm:rule type="h" val="INF" fact="NaN" max="NaN"/>
+        </dgm:ruleLst>
+      </dgm:layoutNode>
+      <dgm:forEach name="Name10" axis="followSib" ptType="sibTrans" cnt="1">
+        <dgm:layoutNode name="spaceBetweenRectangles">
+          <dgm:alg type="sp"/>
+          <dgm:shape xmlns:r="http://schemas.openxmlformats.org/officeDocument/2006/relationships" r:blip="">
+            <dgm:adjLst/>
+          </dgm:shape>
+          <dgm:presOf/>
+          <dgm:constrLst/>
+          <dgm:ruleLst/>
+        </dgm:layoutNode>
+      </dgm:forEach>
+    </dgm:forEach>
+  </dgm:layoutNode>
+</dgm:layoutDef>
+</file>
+
+<file path=ppt/diagrams/quickStyle1.xml><?xml version="1.0" encoding="utf-8"?>
+<dgm:styleDef xmlns:dgm="http://schemas.openxmlformats.org/drawingml/2006/diagram" xmlns:a="http://schemas.openxmlformats.org/drawingml/2006/main" uniqueId="urn:microsoft.com/office/officeart/2005/8/quickstyle/simple1">
+  <dgm:title val=""/>
+  <dgm:desc val=""/>
+  <dgm:catLst>
+    <dgm:cat type="simple" pri="10100"/>
+  </dgm:catLst>
+  <dgm:scene3d>
+    <a:camera prst="orthographicFront"/>
+    <a:lightRig rig="threePt" dir="t"/>
+  </dgm:scene3d>
+  <dgm:styleLbl name="node0">
+    <dgm:scene3d>
+      <a:camera prst="orthographicFront"/>
+      <a:lightRig rig="threePt" dir="t"/>
+    </dgm:scene3d>
+    <dgm:sp3d/>
+    <dgm:txPr/>
+    <dgm:style>
+      <a:lnRef idx="2">
+        <a:scrgbClr r="0" g="0" b="0"/>
+      </a:lnRef>
+      <a:fillRef idx="1">
+        <a:scrgbClr r="0" g="0" b="0"/>
+      </a:fillRef>
+      <a:effectRef idx="0">
+        <a:scrgbClr r="0" g="0" b="0"/>
+      </a:effectRef>
+      <a:fontRef idx="minor">
+        <a:schemeClr val="lt1"/>
+      </a:fontRef>
+    </dgm:style>
+  </dgm:styleLbl>
+  <dgm:styleLbl name="lnNode1">
+    <dgm:scene3d>
+      <a:camera prst="orthographicFront"/>
+      <a:lightRig rig="threePt" dir="t"/>
+    </dgm:scene3d>
+    <dgm:sp3d/>
+    <dgm:txPr/>
+    <dgm:style>
+      <a:lnRef idx="2">
+        <a:scrgbClr r="0" g="0" b="0"/>
+      </a:lnRef>
+      <a:fillRef idx="1">
+        <a:scrgbClr r="0" g="0" b="0"/>
+      </a:fillRef>
+      <a:effectRef idx="0">
+        <a:scrgbClr r="0" g="0" b="0"/>
+      </a:effectRef>
+      <a:fontRef idx="minor">
+        <a:schemeClr val="lt1"/>
+      </a:fontRef>
+    </dgm:style>
+  </dgm:styleLbl>
+  <dgm:styleLbl name="vennNode1">
+    <dgm:scene3d>
+      <a:camera prst="orthographicFront"/>
+      <a:lightRig rig="threePt" dir="t"/>
+    </dgm:scene3d>
+    <dgm:sp3d/>
+    <dgm:txPr/>
+    <dgm:style>
+      <a:lnRef idx="2">
+        <a:scrgbClr r="0" g="0" b="0"/>
+      </a:lnRef>
+      <a:fillRef idx="1">
+        <a:scrgbClr r="0" g="0" b="0"/>
+      </a:fillRef>
+      <a:effectRef idx="0">
+        <a:scrgbClr r="0" g="0" b="0"/>
+      </a:effectRef>
+      <a:fontRef idx="minor">
+        <a:schemeClr val="tx1"/>
+      </a:fontRef>
+    </dgm:style>
+  </dgm:styleLbl>
+  <dgm:styleLbl name="alignNode1">
+    <dgm:scene3d>
+      <a:camera prst="orthographicFront"/>
+      <a:lightRig rig="threePt" dir="t"/>
+    </dgm:scene3d>
+    <dgm:sp3d/>
+    <dgm:txPr/>
+    <dgm:style>
+      <a:lnRef idx="2">
+        <a:scrgbClr r="0" g="0" b="0"/>
+      </a:lnRef>
+      <a:fillRef idx="1">
+        <a:scrgbClr r="0" g="0" b="0"/>
+      </a:fillRef>
+      <a:effectRef idx="0">
+        <a:scrgbClr r="0" g="0" b="0"/>
+      </a:effectRef>
+      <a:fontRef idx="minor">
+        <a:schemeClr val="lt1"/>
+      </a:fontRef>
+    </dgm:style>
+  </dgm:styleLbl>
+  <dgm:styleLbl name="node1">
+    <dgm:scene3d>
+      <a:camera prst="orthographicFront"/>
+      <a:lightRig rig="threePt" dir="t"/>
+    </dgm:scene3d>
+    <dgm:sp3d/>
+    <dgm:txPr/>
+    <dgm:style>
+      <a:lnRef idx="2">
+        <a:scrgbClr r="0" g="0" b="0"/>
+      </a:lnRef>
+      <a:fillRef idx="1">
+        <a:scrgbClr r="0" g="0" b="0"/>
+      </a:fillRef>
+      <a:effectRef idx="0">
+        <a:scrgbClr r="0" g="0" b="0"/>
+      </a:effectRef>
+      <a:fontRef idx="minor">
+        <a:schemeClr val="lt1"/>
+      </a:fontRef>
+    </dgm:style>
+  </dgm:styleLbl>
+  <dgm:styleLbl name="node2">
+    <dgm:scene3d>
+      <a:camera prst="orthographicFront"/>
+      <a:lightRig rig="threePt" dir="t"/>
+    </dgm:scene3d>
+    <dgm:sp3d/>
+    <dgm:txPr/>
+    <dgm:style>
+      <a:lnRef idx="2">
+        <a:scrgbClr r="0" g="0" b="0"/>
+      </a:lnRef>
+      <a:fillRef idx="1">
+        <a:scrgbClr r="0" g="0" b="0"/>
+      </a:fillRef>
+      <a:effectRef idx="0">
+        <a:scrgbClr r="0" g="0" b="0"/>
+      </a:effectRef>
+      <a:fontRef idx="minor">
+        <a:schemeClr val="lt1"/>
+      </a:fontRef>
+    </dgm:style>
+  </dgm:styleLbl>
+  <dgm:styleLbl name="node3">
+    <dgm:scene3d>
+      <a:camera prst="orthographicFront"/>
+      <a:lightRig rig="threePt" dir="t"/>
+    </dgm:scene3d>
+    <dgm:sp3d/>
+    <dgm:txPr/>
+    <dgm:style>
+      <a:lnRef idx="2">
+        <a:scrgbClr r="0" g="0" b="0"/>
+      </a:lnRef>
+      <a:fillRef idx="1">
+        <a:scrgbClr r="0" g="0" b="0"/>
+      </a:fillRef>
+      <a:effectRef idx="0">
+        <a:scrgbClr r="0" g="0" b="0"/>
+      </a:effectRef>
+      <a:fontRef idx="minor">
+        <a:schemeClr val="lt1"/>
+      </a:fontRef>
+    </dgm:style>
+  </dgm:styleLbl>
+  <dgm:styleLbl name="node4">
+    <dgm:scene3d>
+      <a:camera prst="orthographicFront"/>
+      <a:lightRig rig="threePt" dir="t"/>
+    </dgm:scene3d>
+    <dgm:sp3d/>
+    <dgm:txPr/>
+    <dgm:style>
+      <a:lnRef idx="2">
+        <a:scrgbClr r="0" g="0" b="0"/>
+      </a:lnRef>
+      <a:fillRef idx="1">
+        <a:scrgbClr r="0" g="0" b="0"/>
+      </a:fillRef>
+      <a:effectRef idx="0">
+        <a:scrgbClr r="0" g="0" b="0"/>
+      </a:effectRef>
+      <a:fontRef idx="minor">
+        <a:schemeClr val="lt1"/>
+      </a:fontRef>
+    </dgm:style>
+  </dgm:styleLbl>
+  <dgm:styleLbl name="fgImgPlace1">
+    <dgm:scene3d>
+      <a:camera prst="orthographicFront"/>
+      <a:lightRig rig="threePt" dir="t"/>
+    </dgm:scene3d>
+    <dgm:sp3d/>
+    <dgm:txPr/>
+    <dgm:style>
+      <a:lnRef idx="2">
+        <a:scrgbClr r="0" g="0" b="0"/>
+      </a:lnRef>
+      <a:fillRef idx="1">
+        <a:scrgbClr r="0" g="0" b="0"/>
+      </a:fillRef>
+      <a:effectRef idx="0">
+        <a:scrgbClr r="0" g="0" b="0"/>
+      </a:effectRef>
+      <a:fontRef idx="minor"/>
+    </dgm:style>
+  </dgm:styleLbl>
+  <dgm:styleLbl name="alignImgPlace1">
+    <dgm:scene3d>
+      <a:camera prst="orthographicFront"/>
+      <a:lightRig rig="threePt" dir="t"/>
+    </dgm:scene3d>
+    <dgm:sp3d/>
+    <dgm:txPr/>
+    <dgm:style>
+      <a:lnRef idx="2">
+        <a:scrgbClr r="0" g="0" b="0"/>
+      </a:lnRef>
+      <a:fillRef idx="1">
+        <a:scrgbClr r="0" g="0" b="0"/>
+      </a:fillRef>
+      <a:effectRef idx="0">
+        <a:scrgbClr r="0" g="0" b="0"/>
+      </a:effectRef>
+      <a:fontRef idx="minor"/>
+    </dgm:style>
+  </dgm:styleLbl>
+  <dgm:styleLbl name="bgImgPlace1">
+    <dgm:scene3d>
+      <a:camera prst="orthographicFront"/>
+      <a:lightRig rig="threePt" dir="t"/>
+    </dgm:scene3d>
+    <dgm:sp3d/>
+    <dgm:txPr/>
+    <dgm:style>
+      <a:lnRef idx="2">
+        <a:scrgbClr r="0" g="0" b="0"/>
+      </a:lnRef>
+      <a:fillRef idx="1">
+        <a:scrgbClr r="0" g="0" b="0"/>
+      </a:fillRef>
+      <a:effectRef idx="0">
+        <a:scrgbClr r="0" g="0" b="0"/>
+      </a:effectRef>
+      <a:fontRef idx="minor"/>
+    </dgm:style>
+  </dgm:styleLbl>
+  <dgm:styleLbl name="sibTrans2D1">
+    <dgm:scene3d>
+      <a:camera prst="orthographicFront"/>
+      <a:lightRig rig="threePt" dir="t"/>
+    </dgm:scene3d>
+    <dgm:sp3d/>
+    <dgm:txPr/>
+    <dgm:style>
+      <a:lnRef idx="0">
+        <a:scrgbClr r="0" g="0" b="0"/>
+      </a:lnRef>
+      <a:fillRef idx="1">
+        <a:scrgbClr r="0" g="0" b="0"/>
+      </a:fillRef>
+      <a:effectRef idx="0">
+        <a:scrgbClr r="0" g="0" b="0"/>
+      </a:effectRef>
+      <a:fontRef idx="minor">
+        <a:schemeClr val="lt1"/>
+      </a:fontRef>
+    </dgm:style>
+  </dgm:styleLbl>
+  <dgm:styleLbl name="fgSibTrans2D1">
+    <dgm:scene3d>
+      <a:camera prst="orthographicFront"/>
+      <a:lightRig rig="threePt" dir="t"/>
+    </dgm:scene3d>
+    <dgm:sp3d/>
+    <dgm:txPr/>
+    <dgm:style>
+      <a:lnRef idx="0">
+        <a:scrgbClr r="0" g="0" b="0"/>
+      </a:lnRef>
+      <a:fillRef idx="1">
+        <a:scrgbClr r="0" g="0" b="0"/>
+      </a:fillRef>
+      <a:effectRef idx="0">
+        <a:scrgbClr r="0" g="0" b="0"/>
+      </a:effectRef>
+      <a:fontRef idx="minor">
+        <a:schemeClr val="lt1"/>
+      </a:fontRef>
+    </dgm:style>
+  </dgm:styleLbl>
+  <dgm:styleLbl name="bgSibTrans2D1">
+    <dgm:scene3d>
+      <a:camera prst="orthographicFront"/>
+      <a:lightRig rig="threePt" dir="t"/>
+    </dgm:scene3d>
+    <dgm:sp3d/>
+    <dgm:txPr/>
+    <dgm:style>
+      <a:lnRef idx="0">
+        <a:scrgbClr r="0" g="0" b="0"/>
+      </a:lnRef>
+      <a:fillRef idx="1">
+        <a:scrgbClr r="0" g="0" b="0"/>
+      </a:fillRef>
+      <a:effectRef idx="0">
+        <a:scrgbClr r="0" g="0" b="0"/>
+      </a:effectRef>
+      <a:fontRef idx="minor">
+        <a:schemeClr val="lt1"/>
+      </a:fontRef>
+    </dgm:style>
+  </dgm:styleLbl>
+  <dgm:styleLbl name="sibTrans1D1">
+    <dgm:scene3d>
+      <a:camera prst="orthographicFront"/>
+      <a:lightRig rig="threePt" dir="t"/>
+    </dgm:scene3d>
+    <dgm:sp3d/>
+    <dgm:txPr/>
+    <dgm:style>
+      <a:lnRef idx="1">
+        <a:scrgbClr r="0" g="0" b="0"/>
+      </a:lnRef>
+      <a:fillRef idx="0">
+        <a:scrgbClr r="0" g="0" b="0"/>
+      </a:fillRef>
+      <a:effectRef idx="0">
+        <a:scrgbClr r="0" g="0" b="0"/>
+      </a:effectRef>
+      <a:fontRef idx="minor"/>
+    </dgm:style>
+  </dgm:styleLbl>
+  <dgm:styleLbl name="callout">
+    <dgm:scene3d>
+      <a:camera prst="orthographicFront"/>
+      <a:lightRig rig="threePt" dir="t"/>
+    </dgm:scene3d>
+    <dgm:sp3d/>
+    <dgm:txPr/>
+    <dgm:style>
+      <a:lnRef idx="2">
+        <a:scrgbClr r="0" g="0" b="0"/>
+      </a:lnRef>
+      <a:fillRef idx="1">
+        <a:scrgbClr r="0" g="0" b="0"/>
+      </a:fillRef>
+      <a:effectRef idx="0">
+        <a:scrgbClr r="0" g="0" b="0"/>
+      </a:effectRef>
+      <a:fontRef idx="minor"/>
+    </dgm:style>
+  </dgm:styleLbl>
+  <dgm:styleLbl name="asst0">
+    <dgm:scene3d>
+      <a:camera prst="orthographicFront"/>
+      <a:lightRig rig="threePt" dir="t"/>
+    </dgm:scene3d>
+    <dgm:sp3d/>
+    <dgm:txPr/>
+    <dgm:style>
+      <a:lnRef idx="2">
+        <a:scrgbClr r="0" g="0" b="0"/>
+      </a:lnRef>
+      <a:fillRef idx="1">
+        <a:scrgbClr r="0" g="0" b="0"/>
+      </a:fillRef>
+      <a:effectRef idx="0">
+        <a:scrgbClr r="0" g="0" b="0"/>
+      </a:effectRef>
+      <a:fontRef idx="minor">
+        <a:schemeClr val="lt1"/>
+      </a:fontRef>
+    </dgm:style>
+  </dgm:styleLbl>
+  <dgm:styleLbl name="asst1">
+    <dgm:scene3d>
+      <a:camera prst="orthographicFront"/>
+      <a:lightRig rig="threePt" dir="t"/>
+    </dgm:scene3d>
+    <dgm:sp3d/>
+    <dgm:txPr/>
+    <dgm:style>
+      <a:lnRef idx="2">
+        <a:scrgbClr r="0" g="0" b="0"/>
+      </a:lnRef>
+      <a:fillRef idx="1">
+        <a:scrgbClr r="0" g="0" b="0"/>
+      </a:fillRef>
+      <a:effectRef idx="0">
+        <a:scrgbClr r="0" g="0" b="0"/>
+      </a:effectRef>
+      <a:fontRef idx="minor">
+        <a:schemeClr val="lt1"/>
+      </a:fontRef>
+    </dgm:style>
+  </dgm:styleLbl>
+  <dgm:styleLbl name="asst2">
+    <dgm:scene3d>
+      <a:camera prst="orthographicFront"/>
+      <a:lightRig rig="threePt" dir="t"/>
+    </dgm:scene3d>
+    <dgm:sp3d/>
+    <dgm:txPr/>
+    <dgm:style>
+      <a:lnRef idx="2">
+        <a:scrgbClr r="0" g="0" b="0"/>
+      </a:lnRef>
+      <a:fillRef idx="1">
+        <a:scrgbClr r="0" g="0" b="0"/>
+      </a:fillRef>
+      <a:effectRef idx="0">
+        <a:scrgbClr r="0" g="0" b="0"/>
+      </a:effectRef>
+      <a:fontRef idx="minor">
+        <a:schemeClr val="lt1"/>
+      </a:fontRef>
+    </dgm:style>
+  </dgm:styleLbl>
+  <dgm:styleLbl name="asst3">
+    <dgm:scene3d>
+      <a:camera prst="orthographicFront"/>
+      <a:lightRig rig="threePt" dir="t"/>
+    </dgm:scene3d>
+    <dgm:sp3d/>
+    <dgm:txPr/>
+    <dgm:style>
+      <a:lnRef idx="2">
+        <a:scrgbClr r="0" g="0" b="0"/>
+      </a:lnRef>
+      <a:fillRef idx="1">
+        <a:scrgbClr r="0" g="0" b="0"/>
+      </a:fillRef>
+      <a:effectRef idx="0">
+        <a:scrgbClr r="0" g="0" b="0"/>
+      </a:effectRef>
+      <a:fontRef idx="minor">
+        <a:schemeClr val="lt1"/>
+      </a:fontRef>
+    </dgm:style>
+  </dgm:styleLbl>
+  <dgm:styleLbl name="asst4">
+    <dgm:scene3d>
+      <a:camera prst="orthographicFront"/>
+      <a:lightRig rig="threePt" dir="t"/>
+    </dgm:scene3d>
+    <dgm:sp3d/>
+    <dgm:txPr/>
+    <dgm:style>
+      <a:lnRef idx="2">
+        <a:scrgbClr r="0" g="0" b="0"/>
+      </a:lnRef>
+      <a:fillRef idx="1">
+        <a:scrgbClr r="0" g="0" b="0"/>
+      </a:fillRef>
+      <a:effectRef idx="0">
+        <a:scrgbClr r="0" g="0" b="0"/>
+      </a:effectRef>
+      <a:fontRef idx="minor">
+        <a:schemeClr val="lt1"/>
+      </a:fontRef>
+    </dgm:style>
+  </dgm:styleLbl>
+  <dgm:styleLbl name="parChTrans2D1">
+    <dgm:scene3d>
+      <a:camera prst="orthographicFront"/>
+      <a:lightRig rig="threePt" dir="t"/>
+    </dgm:scene3d>
+    <dgm:sp3d/>
+    <dgm:txPr/>
+    <dgm:style>
+      <a:lnRef idx="2">
+        <a:scrgbClr r="0" g="0" b="0"/>
+      </a:lnRef>
+      <a:fillRef idx="1">
+        <a:scrgbClr r="0" g="0" b="0"/>
+      </a:fillRef>
+      <a:effectRef idx="0">
+        <a:scrgbClr r="0" g="0" b="0"/>
+      </a:effectRef>
+      <a:fontRef idx="minor">
+        <a:schemeClr val="lt1"/>
+      </a:fontRef>
+    </dgm:style>
+  </dgm:styleLbl>
+  <dgm:styleLbl name="parChTrans2D2">
+    <dgm:scene3d>
+      <a:camera prst="orthographicFront"/>
+      <a:lightRig rig="threePt" dir="t"/>
+    </dgm:scene3d>
+    <dgm:sp3d/>
+    <dgm:txPr/>
+    <dgm:style>
+      <a:lnRef idx="2">
+        <a:scrgbClr r="0" g="0" b="0"/>
+      </a:lnRef>
+      <a:fillRef idx="1">
+        <a:scrgbClr r="0" g="0" b="0"/>
+      </a:fillRef>
+      <a:effectRef idx="0">
+        <a:scrgbClr r="0" g="0" b="0"/>
+      </a:effectRef>
+      <a:fontRef idx="minor">
+        <a:schemeClr val="lt1"/>
+      </a:fontRef>
+    </dgm:style>
+  </dgm:styleLbl>
+  <dgm:styleLbl name="parChTrans2D3">
+    <dgm:scene3d>
+      <a:camera prst="orthographicFront"/>
+      <a:lightRig rig="threePt" dir="t"/>
+    </dgm:scene3d>
+    <dgm:sp3d/>
+    <dgm:txPr/>
+    <dgm:style>
+      <a:lnRef idx="2">
+        <a:scrgbClr r="0" g="0" b="0"/>
+      </a:lnRef>
+      <a:fillRef idx="1">
+        <a:scrgbClr r="0" g="0" b="0"/>
+      </a:fillRef>
+      <a:effectRef idx="0">
+        <a:scrgbClr r="0" g="0" b="0"/>
+      </a:effectRef>
+      <a:fontRef idx="minor">
+        <a:schemeClr val="lt1"/>
+      </a:fontRef>
+    </dgm:style>
+  </dgm:styleLbl>
+  <dgm:styleLbl name="parChTrans2D4">
+    <dgm:scene3d>
+      <a:camera prst="orthographicFront"/>
+      <a:lightRig rig="threePt" dir="t"/>
+    </dgm:scene3d>
+    <dgm:sp3d/>
+    <dgm:txPr/>
+    <dgm:style>
+      <a:lnRef idx="2">
+        <a:scrgbClr r="0" g="0" b="0"/>
+      </a:lnRef>
+      <a:fillRef idx="1">
+        <a:scrgbClr r="0" g="0" b="0"/>
+      </a:fillRef>
+      <a:effectRef idx="0">
+        <a:scrgbClr r="0" g="0" b="0"/>
+      </a:effectRef>
+      <a:fontRef idx="minor">
+        <a:schemeClr val="lt1"/>
+      </a:fontRef>
+    </dgm:style>
+  </dgm:styleLbl>
+  <dgm:styleLbl name="parChTrans1D1">
+    <dgm:scene3d>
+      <a:camera prst="orthographicFront"/>
+      <a:lightRig rig="threePt" dir="t"/>
+    </dgm:scene3d>
+    <dgm:sp3d/>
+    <dgm:txPr/>
+    <dgm:style>
+      <a:lnRef idx="2">
+        <a:scrgbClr r="0" g="0" b="0"/>
+      </a:lnRef>
+      <a:fillRef idx="0">
+        <a:scrgbClr r="0" g="0" b="0"/>
+      </a:fillRef>
+      <a:effectRef idx="0">
+        <a:scrgbClr r="0" g="0" b="0"/>
+      </a:effectRef>
+      <a:fontRef idx="minor"/>
+    </dgm:style>
+  </dgm:styleLbl>
+  <dgm:styleLbl name="parChTrans1D2">
+    <dgm:scene3d>
+      <a:camera prst="orthographicFront"/>
+      <a:lightRig rig="threePt" dir="t"/>
+    </dgm:scene3d>
+    <dgm:sp3d/>
+    <dgm:txPr/>
+    <dgm:style>
+      <a:lnRef idx="2">
+        <a:scrgbClr r="0" g="0" b="0"/>
+      </a:lnRef>
+      <a:fillRef idx="0">
+        <a:scrgbClr r="0" g="0" b="0"/>
+      </a:fillRef>
+      <a:effectRef idx="0">
+        <a:scrgbClr r="0" g="0" b="0"/>
+      </a:effectRef>
+      <a:fontRef idx="minor"/>
+    </dgm:style>
+  </dgm:styleLbl>
+  <dgm:styleLbl name="parChTrans1D3">
+    <dgm:scene3d>
+      <a:camera prst="orthographicFront"/>
+      <a:lightRig rig="threePt" dir="t"/>
+    </dgm:scene3d>
+    <dgm:sp3d/>
+    <dgm:txPr/>
+    <dgm:style>
+      <a:lnRef idx="2">
+        <a:scrgbClr r="0" g="0" b="0"/>
+      </a:lnRef>
+      <a:fillRef idx="0">
+        <a:scrgbClr r="0" g="0" b="0"/>
+      </a:fillRef>
+      <a:effectRef idx="0">
+        <a:scrgbClr r="0" g="0" b="0"/>
+      </a:effectRef>
+      <a:fontRef idx="minor"/>
+    </dgm:style>
+  </dgm:styleLbl>
+  <dgm:styleLbl name="parChTrans1D4">
+    <dgm:scene3d>
+      <a:camera prst="orthographicFront"/>
+      <a:lightRig rig="threePt" dir="t"/>
+    </dgm:scene3d>
+    <dgm:sp3d/>
+    <dgm:txPr/>
+    <dgm:style>
+      <a:lnRef idx="2">
+        <a:scrgbClr r="0" g="0" b="0"/>
+      </a:lnRef>
+      <a:fillRef idx="0">
+        <a:scrgbClr r="0" g="0" b="0"/>
+      </a:fillRef>
+      <a:effectRef idx="0">
+        <a:scrgbClr r="0" g="0" b="0"/>
+      </a:effectRef>
+      <a:fontRef idx="minor"/>
+    </dgm:style>
+  </dgm:styleLbl>
+  <dgm:styleLbl name="fgAcc1">
+    <dgm:scene3d>
+      <a:camera prst="orthographicFront"/>
+      <a:lightRig rig="threePt" dir="t"/>
+    </dgm:scene3d>
+    <dgm:sp3d/>
+    <dgm:txPr/>
+    <dgm:style>
+      <a:lnRef idx="2">
+        <a:scrgbClr r="0" g="0" b="0"/>
+      </a:lnRef>
+      <a:fillRef idx="1">
+        <a:scrgbClr r="0" g="0" b="0"/>
+      </a:fillRef>
+      <a:effectRef idx="0">
+        <a:scrgbClr r="0" g="0" b="0"/>
+      </a:effectRef>
+      <a:fontRef idx="minor"/>
+    </dgm:style>
+  </dgm:styleLbl>
+  <dgm:styleLbl name="conFgAcc1">
+    <dgm:scene3d>
+      <a:camera prst="orthographicFront"/>
+      <a:lightRig rig="threePt" dir="t"/>
+    </dgm:scene3d>
+    <dgm:sp3d/>
+    <dgm:txPr/>
+    <dgm:style>
+      <a:lnRef idx="2">
+        <a:scrgbClr r="0" g="0" b="0"/>
+      </a:lnRef>
+      <a:fillRef idx="1">
+        <a:scrgbClr r="0" g="0" b="0"/>
+      </a:fillRef>
+      <a:effectRef idx="0">
+        <a:scrgbClr r="0" g="0" b="0"/>
+      </a:effectRef>
+      <a:fontRef idx="minor"/>
+    </dgm:style>
+  </dgm:styleLbl>
+  <dgm:styleLbl name="alignAcc1">
+    <dgm:scene3d>
+      <a:camera prst="orthographicFront"/>
+      <a:lightRig rig="threePt" dir="t"/>
+    </dgm:scene3d>
+    <dgm:sp3d/>
+    <dgm:txPr/>
+    <dgm:style>
+      <a:lnRef idx="2">
+        <a:scrgbClr r="0" g="0" b="0"/>
+      </a:lnRef>
+      <a:fillRef idx="1">
+        <a:scrgbClr r="0" g="0" b="0"/>
+      </a:fillRef>
+      <a:effectRef idx="0">
+        <a:scrgbClr r="0" g="0" b="0"/>
+      </a:effectRef>
+      <a:fontRef idx="minor"/>
+    </dgm:style>
+  </dgm:styleLbl>
+  <dgm:styleLbl name="trAlignAcc1">
+    <dgm:scene3d>
+      <a:camera prst="orthographicFront"/>
+      <a:lightRig rig="threePt" dir="t"/>
+    </dgm:scene3d>
+    <dgm:sp3d/>
+    <dgm:txPr/>
+    <dgm:style>
+      <a:lnRef idx="1">
+        <a:scrgbClr r="0" g="0" b="0"/>
+      </a:lnRef>
+      <a:fillRef idx="1">
+        <a:scrgbClr r="0" g="0" b="0"/>
+      </a:fillRef>
+      <a:effectRef idx="0">
+        <a:scrgbClr r="0" g="0" b="0"/>
+      </a:effectRef>
+      <a:fontRef idx="minor"/>
+    </dgm:style>
+  </dgm:styleLbl>
+  <dgm:styleLbl name="bgAcc1">
+    <dgm:scene3d>
+      <a:camera prst="orthographicFront"/>
+      <a:lightRig rig="threePt" dir="t"/>
+    </dgm:scene3d>
+    <dgm:sp3d/>
+    <dgm:txPr/>
+    <dgm:style>
+      <a:lnRef idx="2">
+        <a:scrgbClr r="0" g="0" b="0"/>
+      </a:lnRef>
+      <a:fillRef idx="1">
+        <a:scrgbClr r="0" g="0" b="0"/>
+      </a:fillRef>
+      <a:effectRef idx="0">
+        <a:scrgbClr r="0" g="0" b="0"/>
+      </a:effectRef>
+      <a:fontRef idx="minor"/>
+    </dgm:style>
+  </dgm:styleLbl>
+  <dgm:styleLbl name="solidFgAcc1">
+    <dgm:scene3d>
+      <a:camera prst="orthographicFront"/>
+      <a:lightRig rig="threePt" dir="t"/>
+    </dgm:scene3d>
+    <dgm:sp3d/>
+    <dgm:txPr/>
+    <dgm:style>
+      <a:lnRef idx="2">
+        <a:scrgbClr r="0" g="0" b="0"/>
+      </a:lnRef>
+      <a:fillRef idx="1">
+        <a:scrgbClr r="0" g="0" b="0"/>
+      </a:fillRef>
+      <a:effectRef idx="0">
+        <a:scrgbClr r="0" g="0" b="0"/>
+      </a:effectRef>
+      <a:fontRef idx="minor"/>
+    </dgm:style>
+  </dgm:styleLbl>
+  <dgm:styleLbl name="solidAlignAcc1">
+    <dgm:scene3d>
+      <a:camera prst="orthographicFront"/>
+      <a:lightRig rig="threePt" dir="t"/>
+    </dgm:scene3d>
+    <dgm:sp3d/>
+    <dgm:txPr/>
+    <dgm:style>
+      <a:lnRef idx="2">
+        <a:scrgbClr r="0" g="0" b="0"/>
+      </a:lnRef>
+      <a:fillRef idx="1">
+        <a:scrgbClr r="0" g="0" b="0"/>
+      </a:fillRef>
+      <a:effectRef idx="0">
+        <a:scrgbClr r="0" g="0" b="0"/>
+      </a:effectRef>
+      <a:fontRef idx="minor"/>
+    </dgm:style>
+  </dgm:styleLbl>
+  <dgm:styleLbl name="solidBgAcc1">
+    <dgm:scene3d>
+      <a:camera prst="orthographicFront"/>
+      <a:lightRig rig="threePt" dir="t"/>
+    </dgm:scene3d>
+    <dgm:sp3d/>
+    <dgm:txPr/>
+    <dgm:style>
+      <a:lnRef idx="2">
+        <a:scrgbClr r="0" g="0" b="0"/>
+      </a:lnRef>
+      <a:fillRef idx="1">
+        <a:scrgbClr r="0" g="0" b="0"/>
+      </a:fillRef>
+      <a:effectRef idx="0">
+        <a:scrgbClr r="0" g="0" b="0"/>
+      </a:effectRef>
+      <a:fontRef idx="minor"/>
+    </dgm:style>
+  </dgm:styleLbl>
+  <dgm:styleLbl name="fgAccFollowNode1">
+    <dgm:scene3d>
+      <a:camera prst="orthographicFront"/>
+      <a:lightRig rig="threePt" dir="t"/>
+    </dgm:scene3d>
+    <dgm:sp3d/>
+    <dgm:txPr/>
+    <dgm:style>
+      <a:lnRef idx="2">
+        <a:scrgbClr r="0" g="0" b="0"/>
+      </a:lnRef>
+      <a:fillRef idx="1">
+        <a:scrgbClr r="0" g="0" b="0"/>
+      </a:fillRef>
+      <a:effectRef idx="0">
+        <a:scrgbClr r="0" g="0" b="0"/>
+      </a:effectRef>
+      <a:fontRef idx="minor"/>
+    </dgm:style>
+  </dgm:styleLbl>
+  <dgm:styleLbl name="alignAccFollowNode1">
+    <dgm:scene3d>
+      <a:camera prst="orthographicFront"/>
+      <a:lightRig rig="threePt" dir="t"/>
+    </dgm:scene3d>
+    <dgm:sp3d/>
+    <dgm:txPr/>
+    <dgm:style>
+      <a:lnRef idx="2">
+        <a:scrgbClr r="0" g="0" b="0"/>
+      </a:lnRef>
+      <a:fillRef idx="1">
+        <a:scrgbClr r="0" g="0" b="0"/>
+      </a:fillRef>
+      <a:effectRef idx="0">
+        <a:scrgbClr r="0" g="0" b="0"/>
+      </a:effectRef>
+      <a:fontRef idx="minor"/>
+    </dgm:style>
+  </dgm:styleLbl>
+  <dgm:styleLbl name="bgAccFollowNode1">
+    <dgm:scene3d>
+      <a:camera prst="orthographicFront"/>
+      <a:lightRig rig="threePt" dir="t"/>
+    </dgm:scene3d>
+    <dgm:sp3d/>
+    <dgm:txPr/>
+    <dgm:style>
+      <a:lnRef idx="2">
+        <a:scrgbClr r="0" g="0" b="0"/>
+      </a:lnRef>
+      <a:fillRef idx="1">
+        <a:scrgbClr r="0" g="0" b="0"/>
+      </a:fillRef>
+      <a:effectRef idx="0">
+        <a:scrgbClr r="0" g="0" b="0"/>
+      </a:effectRef>
+      <a:fontRef idx="minor"/>
+    </dgm:style>
+  </dgm:styleLbl>
+  <dgm:styleLbl name="fgAcc0">
+    <dgm:scene3d>
+      <a:camera prst="orthographicFront"/>
+      <a:lightRig rig="threePt" dir="t"/>
+    </dgm:scene3d>
+    <dgm:sp3d/>
+    <dgm:txPr/>
+    <dgm:style>
+      <a:lnRef idx="2">
+        <a:scrgbClr r="0" g="0" b="0"/>
+      </a:lnRef>
+      <a:fillRef idx="1">
+        <a:scrgbClr r="0" g="0" b="0"/>
+      </a:fillRef>
+      <a:effectRef idx="0">
+        <a:scrgbClr r="0" g="0" b="0"/>
+      </a:effectRef>
+      <a:fontRef idx="minor"/>
+    </dgm:style>
+  </dgm:styleLbl>
+  <dgm:styleLbl name="fgAcc2">
+    <dgm:scene3d>
+      <a:camera prst="orthographicFront"/>
+      <a:lightRig rig="threePt" dir="t"/>
+    </dgm:scene3d>
+    <dgm:sp3d/>
+    <dgm:txPr/>
+    <dgm:style>
+      <a:lnRef idx="2">
+        <a:scrgbClr r="0" g="0" b="0"/>
+      </a:lnRef>
+      <a:fillRef idx="1">
+        <a:scrgbClr r="0" g="0" b="0"/>
+      </a:fillRef>
+      <a:effectRef idx="0">
+        <a:scrgbClr r="0" g="0" b="0"/>
+      </a:effectRef>
+      <a:fontRef idx="minor"/>
+    </dgm:style>
+  </dgm:styleLbl>
+  <dgm:styleLbl name="fgAcc3">
+    <dgm:scene3d>
+      <a:camera prst="orthographicFront"/>
+      <a:lightRig rig="threePt" dir="t"/>
+    </dgm:scene3d>
+    <dgm:sp3d/>
+    <dgm:txPr/>
+    <dgm:style>
+      <a:lnRef idx="2">
+        <a:scrgbClr r="0" g="0" b="0"/>
+      </a:lnRef>
+      <a:fillRef idx="1">
+        <a:scrgbClr r="0" g="0" b="0"/>
+      </a:fillRef>
+      <a:effectRef idx="0">
+        <a:scrgbClr r="0" g="0" b="0"/>
+      </a:effectRef>
+      <a:fontRef idx="minor"/>
+    </dgm:style>
+  </dgm:styleLbl>
+  <dgm:styleLbl name="fgAcc4">
+    <dgm:scene3d>
+      <a:camera prst="orthographicFront"/>
+      <a:lightRig rig="threePt" dir="t"/>
+    </dgm:scene3d>
+    <dgm:sp3d/>
+    <dgm:txPr/>
+    <dgm:style>
+      <a:lnRef idx="2">
+        <a:scrgbClr r="0" g="0" b="0"/>
+      </a:lnRef>
+      <a:fillRef idx="1">
+        <a:scrgbClr r="0" g="0" b="0"/>
+      </a:fillRef>
+      <a:effectRef idx="0">
+        <a:scrgbClr r="0" g="0" b="0"/>
+      </a:effectRef>
+      <a:fontRef idx="minor"/>
+    </dgm:style>
+  </dgm:styleLbl>
+  <dgm:styleLbl name="bgShp">
+    <dgm:scene3d>
+      <a:camera prst="orthographicFront"/>
+      <a:lightRig rig="threePt" dir="t"/>
+    </dgm:scene3d>
+    <dgm:sp3d/>
+    <dgm:txPr/>
+    <dgm:style>
+      <a:lnRef idx="0">
+        <a:scrgbClr r="0" g="0" b="0"/>
+      </a:lnRef>
+      <a:fillRef idx="1">
+        <a:scrgbClr r="0" g="0" b="0"/>
+      </a:fillRef>
+      <a:effectRef idx="0">
+        <a:scrgbClr r="0" g="0" b="0"/>
+      </a:effectRef>
+      <a:fontRef idx="minor"/>
+    </dgm:style>
+  </dgm:styleLbl>
+  <dgm:styleLbl name="dkBgShp">
+    <dgm:scene3d>
+      <a:camera prst="orthographicFront"/>
+      <a:lightRig rig="threePt" dir="t"/>
+    </dgm:scene3d>
+    <dgm:sp3d/>
+    <dgm:txPr/>
+    <dgm:style>
+      <a:lnRef idx="0">
+        <a:scrgbClr r="0" g="0" b="0"/>
+      </a:lnRef>
+      <a:fillRef idx="1">
+        <a:scrgbClr r="0" g="0" b="0"/>
+      </a:fillRef>
+      <a:effectRef idx="0">
+        <a:scrgbClr r="0" g="0" b="0"/>
+      </a:effectRef>
+      <a:fontRef idx="minor"/>
+    </dgm:style>
+  </dgm:styleLbl>
+  <dgm:styleLbl name="trBgShp">
+    <dgm:scene3d>
+      <a:camera prst="orthographicFront"/>
+      <a:lightRig rig="threePt" dir="t"/>
+    </dgm:scene3d>
+    <dgm:sp3d/>
+    <dgm:txPr/>
+    <dgm:style>
+      <a:lnRef idx="0">
+        <a:scrgbClr r="0" g="0" b="0"/>
+      </a:lnRef>
+      <a:fillRef idx="1">
+        <a:scrgbClr r="0" g="0" b="0"/>
+      </a:fillRef>
+      <a:effectRef idx="0">
+        <a:scrgbClr r="0" g="0" b="0"/>
+      </a:effectRef>
+      <a:fontRef idx="minor"/>
+    </dgm:style>
+  </dgm:styleLbl>
+  <dgm:styleLbl name="fgShp">
+    <dgm:scene3d>
+      <a:camera prst="orthographicFront"/>
+      <a:lightRig rig="threePt" dir="t"/>
+    </dgm:scene3d>
+    <dgm:sp3d/>
+    <dgm:txPr/>
+    <dgm:style>
+      <a:lnRef idx="2">
+        <a:scrgbClr r="0" g="0" b="0"/>
+      </a:lnRef>
+      <a:fillRef idx="1">
+        <a:scrgbClr r="0" g="0" b="0"/>
+      </a:fillRef>
+      <a:effectRef idx="0">
+        <a:scrgbClr r="0" g="0" b="0"/>
+      </a:effectRef>
+      <a:fontRef idx="minor"/>
+    </dgm:style>
+  </dgm:styleLbl>
+  <dgm:styleLbl name="revTx">
+    <dgm:scene3d>
+      <a:camera prst="orthographicFront"/>
+      <a:lightRig rig="threePt" dir="t"/>
+    </dgm:scene3d>
+    <dgm:sp3d/>
+    <dgm:txPr/>
+    <dgm:style>
+      <a:lnRef idx="0">
+        <a:scrgbClr r="0" g="0" b="0"/>
+      </a:lnRef>
+      <a:fillRef idx="0">
+        <a:scrgbClr r="0" g="0" b="0"/>
+      </a:fillRef>
+      <a:effectRef idx="0">
+        <a:scrgbClr r="0" g="0" b="0"/>
+      </a:effectRef>
+      <a:fontRef idx="minor"/>
+    </dgm:style>
+  </dgm:styleLbl>
+</dgm:styleDef>
+</file>
+
+<file path=ppt/handoutMasters/handoutMaster1.xml><?xml version="1.0" encoding="utf-8"?>
+<p:handoutMaster xmlns:a="http://schemas.openxmlformats.org/drawingml/2006/main" xmlns:r="http://schemas.openxmlformats.org/officeDocument/2006/relationships" xmlns:p="http://schemas.openxmlformats.org/presentationml/2006/main">
+  <p:cSld>
+    <p:bg>
+      <p:bgRef idx="1001">
+        <a:schemeClr val="bg1"/>
+      </p:bgRef>
+    </p:bg>
+    <p:spTree>
+      <p:nvGrpSpPr>
+        <p:cNvPr id="1" name=""/>
+        <p:cNvGrpSpPr/>
+        <p:nvPr/>
+      </p:nvGrpSpPr>
+      <p:grpSpPr>
+        <a:xfrm>
+          <a:off x="0" y="0"/>
+          <a:ext cx="0" cy="0"/>
+          <a:chOff x="0" y="0"/>
+          <a:chExt cx="0" cy="0"/>
+        </a:xfrm>
+      </p:grpSpPr>
+      <p:sp>
+        <p:nvSpPr>
+          <p:cNvPr id="2" name="Header Placeholder 1"/>
+          <p:cNvSpPr>
+            <a:spLocks noGrp="1"/>
+          </p:cNvSpPr>
+          <p:nvPr>
+            <p:ph type="hdr" sz="quarter"/>
+          </p:nvPr>
+        </p:nvSpPr>
+        <p:spPr>
+          <a:xfrm>
+            <a:off x="0" y="0"/>
+            <a:ext cx="2971800" cy="458788"/>
+          </a:xfrm>
+          <a:prstGeom prst="rect">
+            <a:avLst/>
+          </a:prstGeom>
+        </p:spPr>
+        <p:txBody>
+          <a:bodyPr vert="horz" lIns="91440" tIns="45720" rIns="91440" bIns="45720" rtlCol="0"/>
+          <a:lstStyle>
+            <a:lvl1pPr algn="l">
+              <a:defRPr sz="1200"/>
+            </a:lvl1pPr>
+          </a:lstStyle>
+          <a:p>
+            <a:endParaRPr lang="en-GB"/>
+          </a:p>
+        </p:txBody>
+      </p:sp>
+      <p:sp>
+        <p:nvSpPr>
+          <p:cNvPr id="3" name="Date Placeholder 2"/>
+          <p:cNvSpPr>
+            <a:spLocks noGrp="1"/>
+          </p:cNvSpPr>
+          <p:nvPr>
+            <p:ph type="dt" sz="quarter" idx="1"/>
+          </p:nvPr>
+        </p:nvSpPr>
+        <p:spPr>
+          <a:xfrm>
+            <a:off x="3884613" y="0"/>
+            <a:ext cx="2971800" cy="458788"/>
+          </a:xfrm>
+          <a:prstGeom prst="rect">
+            <a:avLst/>
+          </a:prstGeom>
+        </p:spPr>
+        <p:txBody>
+          <a:bodyPr vert="horz" lIns="91440" tIns="45720" rIns="91440" bIns="45720" rtlCol="0"/>
+          <a:lstStyle>
+            <a:lvl1pPr algn="r">
+              <a:defRPr sz="1200"/>
+            </a:lvl1pPr>
+          </a:lstStyle>
+          <a:p>
+            <a:fld id="{2FAD5635-C47A-46D6-985D-CCEF93C1FFD7}" type="datetimeFigureOut">
+              <a:rPr lang="en-GB" smtClean="0"/>
+              <a:t>30/07/2015</a:t>
+            </a:fld>
+            <a:endParaRPr lang="en-GB"/>
+          </a:p>
+        </p:txBody>
+      </p:sp>
+      <p:sp>
+        <p:nvSpPr>
+          <p:cNvPr id="4" name="Footer Placeholder 3"/>
+          <p:cNvSpPr>
+            <a:spLocks noGrp="1"/>
+          </p:cNvSpPr>
+          <p:nvPr>
+            <p:ph type="ftr" sz="quarter" idx="2"/>
+          </p:nvPr>
+        </p:nvSpPr>
+        <p:spPr>
+          <a:xfrm>
+            <a:off x="0" y="8685213"/>
+            <a:ext cx="2971800" cy="458787"/>
+          </a:xfrm>
+          <a:prstGeom prst="rect">
+            <a:avLst/>
+          </a:prstGeom>
+        </p:spPr>
+        <p:txBody>
+          <a:bodyPr vert="horz" lIns="91440" tIns="45720" rIns="91440" bIns="45720" rtlCol="0" anchor="b"/>
+          <a:lstStyle>
+            <a:lvl1pPr algn="l">
+              <a:defRPr sz="1200"/>
+            </a:lvl1pPr>
+          </a:lstStyle>
+          <a:p>
+            <a:endParaRPr lang="en-GB"/>
+          </a:p>
+        </p:txBody>
+      </p:sp>
+      <p:sp>
+        <p:nvSpPr>
+          <p:cNvPr id="5" name="Slide Number Placeholder 4"/>
+          <p:cNvSpPr>
+            <a:spLocks noGrp="1"/>
+          </p:cNvSpPr>
+          <p:nvPr>
+            <p:ph type="sldNum" sz="quarter" idx="3"/>
+          </p:nvPr>
+        </p:nvSpPr>
+        <p:spPr>
+          <a:xfrm>
+            <a:off x="3884613" y="8685213"/>
+            <a:ext cx="2971800" cy="458787"/>
+          </a:xfrm>
+          <a:prstGeom prst="rect">
+            <a:avLst/>
+          </a:prstGeom>
+        </p:spPr>
+        <p:txBody>
+          <a:bodyPr vert="horz" lIns="91440" tIns="45720" rIns="91440" bIns="45720" rtlCol="0" anchor="b"/>
+          <a:lstStyle>
+            <a:lvl1pPr algn="r">
+              <a:defRPr sz="1200"/>
+            </a:lvl1pPr>
+          </a:lstStyle>
+          <a:p>
+            <a:fld id="{5DF1F72C-F5F7-4461-BC03-4AA0BFA07E63}" type="slidenum">
+              <a:rPr lang="en-GB" smtClean="0"/>
+              <a:t>‹#›</a:t>
+            </a:fld>
+            <a:endParaRPr lang="en-GB"/>
+          </a:p>
+        </p:txBody>
+      </p:sp>
+    </p:spTree>
+    <p:extLst>
+      <p:ext uri="{BB962C8B-B14F-4D97-AF65-F5344CB8AC3E}">
+        <p14:creationId xmlns:p14="http://schemas.microsoft.com/office/powerpoint/2010/main" val="2224568938"/>
+      </p:ext>
+    </p:extLst>
+  </p:cSld>
+  <p:clrMap bg1="lt1" tx1="dk1" bg2="lt2" tx2="dk2" accent1="accent1" accent2="accent2" accent3="accent3" accent4="accent4" accent5="accent5" accent6="accent6" hlink="hlink" folHlink="folHlink"/>
+</p:handoutMaster>
+</file>
+
+<file path=ppt/notesMasters/notesMaster1.xml><?xml version="1.0" encoding="utf-8"?>
+<p:notesMaster xmlns:a="http://schemas.openxmlformats.org/drawingml/2006/main" xmlns:r="http://schemas.openxmlformats.org/officeDocument/2006/relationships" xmlns:p="http://schemas.openxmlformats.org/presentationml/2006/main">
+  <p:cSld>
+    <p:bg>
+      <p:bgRef idx="1001">
+        <a:schemeClr val="bg1"/>
+      </p:bgRef>
+    </p:bg>
+    <p:spTree>
+      <p:nvGrpSpPr>
+        <p:cNvPr id="1" name=""/>
+        <p:cNvGrpSpPr/>
+        <p:nvPr/>
+      </p:nvGrpSpPr>
+      <p:grpSpPr>
+        <a:xfrm>
+          <a:off x="0" y="0"/>
+          <a:ext cx="0" cy="0"/>
+          <a:chOff x="0" y="0"/>
+          <a:chExt cx="0" cy="0"/>
+        </a:xfrm>
+      </p:grpSpPr>
+      <p:sp>
+        <p:nvSpPr>
+          <p:cNvPr id="2" name="Header Placeholder 1"/>
+          <p:cNvSpPr>
+            <a:spLocks noGrp="1"/>
+          </p:cNvSpPr>
+          <p:nvPr>
+            <p:ph type="hdr" sz="quarter"/>
+          </p:nvPr>
+        </p:nvSpPr>
+        <p:spPr>
+          <a:xfrm>
+            <a:off x="0" y="0"/>
+            <a:ext cx="2971800" cy="458788"/>
+          </a:xfrm>
+          <a:prstGeom prst="rect">
+            <a:avLst/>
+          </a:prstGeom>
+        </p:spPr>
+        <p:txBody>
+          <a:bodyPr vert="horz" lIns="91440" tIns="45720" rIns="91440" bIns="45720" rtlCol="0"/>
+          <a:lstStyle>
+            <a:lvl1pPr algn="l">
+              <a:defRPr sz="1200"/>
+            </a:lvl1pPr>
+          </a:lstStyle>
+          <a:p>
+            <a:endParaRPr lang="en-GB"/>
+          </a:p>
+        </p:txBody>
+      </p:sp>
+      <p:sp>
+        <p:nvSpPr>
+          <p:cNvPr id="3" name="Date Placeholder 2"/>
+          <p:cNvSpPr>
+            <a:spLocks noGrp="1"/>
+          </p:cNvSpPr>
+          <p:nvPr>
+            <p:ph type="dt" idx="1"/>
+          </p:nvPr>
+        </p:nvSpPr>
+        <p:spPr>
+          <a:xfrm>
+            <a:off x="3884613" y="0"/>
+            <a:ext cx="2971800" cy="458788"/>
+          </a:xfrm>
+          <a:prstGeom prst="rect">
+            <a:avLst/>
+          </a:prstGeom>
+        </p:spPr>
+        <p:txBody>
+          <a:bodyPr vert="horz" lIns="91440" tIns="45720" rIns="91440" bIns="45720" rtlCol="0"/>
+          <a:lstStyle>
+            <a:lvl1pPr algn="r">
+              <a:defRPr sz="1200"/>
+            </a:lvl1pPr>
+          </a:lstStyle>
+          <a:p>
+            <a:fld id="{F0DC2A51-1D8A-47E4-9DD7-F2A3BBE7CF86}" type="datetimeFigureOut">
+              <a:rPr lang="en-GB" smtClean="0"/>
+              <a:t>30/07/2015</a:t>
+            </a:fld>
+            <a:endParaRPr lang="en-GB"/>
+          </a:p>
+        </p:txBody>
+      </p:sp>
+      <p:sp>
+        <p:nvSpPr>
+          <p:cNvPr id="4" name="Slide Image Placeholder 3"/>
+          <p:cNvSpPr>
+            <a:spLocks noGrp="1" noRot="1" noChangeAspect="1"/>
+          </p:cNvSpPr>
+          <p:nvPr>
+            <p:ph type="sldImg" idx="2"/>
+          </p:nvPr>
+        </p:nvSpPr>
+        <p:spPr>
+          <a:xfrm>
+            <a:off x="685800" y="1143000"/>
+            <a:ext cx="5486400" cy="3086100"/>
+          </a:xfrm>
+          <a:prstGeom prst="rect">
+            <a:avLst/>
+          </a:prstGeom>
+          <a:noFill/>
+          <a:ln w="12700">
+            <a:solidFill>
+              <a:prstClr val="black"/>
+            </a:solidFill>
+          </a:ln>
+        </p:spPr>
+        <p:txBody>
+          <a:bodyPr vert="horz" lIns="91440" tIns="45720" rIns="91440" bIns="45720" rtlCol="0" anchor="ctr"/>
+          <a:lstStyle/>
+          <a:p>
+            <a:endParaRPr lang="en-GB"/>
+          </a:p>
+        </p:txBody>
+      </p:sp>
+      <p:sp>
+        <p:nvSpPr>
+          <p:cNvPr id="5" name="Notes Placeholder 4"/>
+          <p:cNvSpPr>
+            <a:spLocks noGrp="1"/>
+          </p:cNvSpPr>
+          <p:nvPr>
+            <p:ph type="body" sz="quarter" idx="3"/>
+          </p:nvPr>
+        </p:nvSpPr>
+        <p:spPr>
+          <a:xfrm>
+            <a:off x="685800" y="4400550"/>
+            <a:ext cx="5486400" cy="3600450"/>
+          </a:xfrm>
+          <a:prstGeom prst="rect">
+            <a:avLst/>
+          </a:prstGeom>
+        </p:spPr>
+        <p:txBody>
+          <a:bodyPr vert="horz" lIns="91440" tIns="45720" rIns="91440" bIns="45720" rtlCol="0"/>
+          <a:lstStyle/>
+          <a:p>
+            <a:pPr lvl="0"/>
+            <a:r>
+              <a:rPr lang="en-US" smtClean="0"/>
+              <a:t>Click to edit Master text styles</a:t>
+            </a:r>
+          </a:p>
+          <a:p>
+            <a:pPr lvl="1"/>
+            <a:r>
+              <a:rPr lang="en-US" smtClean="0"/>
+              <a:t>Second level</a:t>
+            </a:r>
+          </a:p>
+          <a:p>
+            <a:pPr lvl="2"/>
+            <a:r>
+              <a:rPr lang="en-US" smtClean="0"/>
+              <a:t>Third level</a:t>
+            </a:r>
+          </a:p>
+          <a:p>
+            <a:pPr lvl="3"/>
+            <a:r>
+              <a:rPr lang="en-US" smtClean="0"/>
+              <a:t>Fourth level</a:t>
+            </a:r>
+          </a:p>
+          <a:p>
+            <a:pPr lvl="4"/>
+            <a:r>
+              <a:rPr lang="en-US" smtClean="0"/>
+              <a:t>Fifth level</a:t>
+            </a:r>
+            <a:endParaRPr lang="en-GB"/>
+          </a:p>
+        </p:txBody>
+      </p:sp>
+      <p:sp>
+        <p:nvSpPr>
+          <p:cNvPr id="6" name="Footer Placeholder 5"/>
+          <p:cNvSpPr>
+            <a:spLocks noGrp="1"/>
+          </p:cNvSpPr>
+          <p:nvPr>
+            <p:ph type="ftr" sz="quarter" idx="4"/>
+          </p:nvPr>
+        </p:nvSpPr>
+        <p:spPr>
+          <a:xfrm>
+            <a:off x="0" y="8685213"/>
+            <a:ext cx="2971800" cy="458787"/>
+          </a:xfrm>
+          <a:prstGeom prst="rect">
+            <a:avLst/>
+          </a:prstGeom>
+        </p:spPr>
+        <p:txBody>
+          <a:bodyPr vert="horz" lIns="91440" tIns="45720" rIns="91440" bIns="45720" rtlCol="0" anchor="b"/>
+          <a:lstStyle>
+            <a:lvl1pPr algn="l">
+              <a:defRPr sz="1200"/>
+            </a:lvl1pPr>
+          </a:lstStyle>
+          <a:p>
+            <a:endParaRPr lang="en-GB"/>
+          </a:p>
+        </p:txBody>
+      </p:sp>
+      <p:sp>
+        <p:nvSpPr>
+          <p:cNvPr id="7" name="Slide Number Placeholder 6"/>
+          <p:cNvSpPr>
+            <a:spLocks noGrp="1"/>
+          </p:cNvSpPr>
+          <p:nvPr>
+            <p:ph type="sldNum" sz="quarter" idx="5"/>
+          </p:nvPr>
+        </p:nvSpPr>
+        <p:spPr>
+          <a:xfrm>
+            <a:off x="3884613" y="8685213"/>
+            <a:ext cx="2971800" cy="458787"/>
+          </a:xfrm>
+          <a:prstGeom prst="rect">
+            <a:avLst/>
+          </a:prstGeom>
+        </p:spPr>
+        <p:txBody>
+          <a:bodyPr vert="horz" lIns="91440" tIns="45720" rIns="91440" bIns="45720" rtlCol="0" anchor="b"/>
+          <a:lstStyle>
+            <a:lvl1pPr algn="r">
+              <a:defRPr sz="1200"/>
+            </a:lvl1pPr>
+          </a:lstStyle>
+          <a:p>
+            <a:fld id="{5A64C350-0FF3-425F-813B-47E5E4CAAD97}" type="slidenum">
+              <a:rPr lang="en-GB" smtClean="0"/>
+              <a:t>‹#›</a:t>
+            </a:fld>
+            <a:endParaRPr lang="en-GB"/>
+          </a:p>
+        </p:txBody>
+      </p:sp>
+    </p:spTree>
+    <p:extLst>
+      <p:ext uri="{BB962C8B-B14F-4D97-AF65-F5344CB8AC3E}">
+        <p14:creationId xmlns:p14="http://schemas.microsoft.com/office/powerpoint/2010/main" val="368435060"/>
+      </p:ext>
+    </p:extLst>
+  </p:cSld>
+  <p:clrMap bg1="lt1" tx1="dk1" bg2="lt2" tx2="dk2" accent1="accent1" accent2="accent2" accent3="accent3" accent4="accent4" accent5="accent5" accent6="accent6" hlink="hlink" folHlink="folHlink"/>
+  <p:notesStyle>
+    <a:lvl1pPr marL="0" algn="l" defTabSz="914400" rtl="0" eaLnBrk="1" latinLnBrk="0" hangingPunct="1">
+      <a:defRPr sz="1200" kern="1200">
+        <a:solidFill>
+          <a:schemeClr val="tx1"/>
+        </a:solidFill>
+        <a:latin typeface="+mn-lt"/>
+        <a:ea typeface="+mn-ea"/>
+        <a:cs typeface="+mn-cs"/>
+      </a:defRPr>
+    </a:lvl1pPr>
+    <a:lvl2pPr marL="457200" algn="l" defTabSz="914400" rtl="0" eaLnBrk="1" latinLnBrk="0" hangingPunct="1">
+      <a:defRPr sz="1200" kern="1200">
+        <a:solidFill>
+          <a:schemeClr val="tx1"/>
+        </a:solidFill>
+        <a:latin typeface="+mn-lt"/>
+        <a:ea typeface="+mn-ea"/>
+        <a:cs typeface="+mn-cs"/>
+      </a:defRPr>
+    </a:lvl2pPr>
+    <a:lvl3pPr marL="914400" algn="l" defTabSz="914400" rtl="0" eaLnBrk="1" latinLnBrk="0" hangingPunct="1">
+      <a:defRPr sz="1200" kern="1200">
+        <a:solidFill>
+          <a:schemeClr val="tx1"/>
+        </a:solidFill>
+        <a:latin typeface="+mn-lt"/>
+        <a:ea typeface="+mn-ea"/>
+        <a:cs typeface="+mn-cs"/>
+      </a:defRPr>
+    </a:lvl3pPr>
+    <a:lvl4pPr marL="1371600" algn="l" defTabSz="914400" rtl="0" eaLnBrk="1" latinLnBrk="0" hangingPunct="1">
+      <a:defRPr sz="1200" kern="1200">
+        <a:solidFill>
+          <a:schemeClr val="tx1"/>
+        </a:solidFill>
+        <a:latin typeface="+mn-lt"/>
+        <a:ea typeface="+mn-ea"/>
+        <a:cs typeface="+mn-cs"/>
+      </a:defRPr>
+    </a:lvl4pPr>
+    <a:lvl5pPr marL="1828800" algn="l" defTabSz="914400" rtl="0" eaLnBrk="1" latinLnBrk="0" hangingPunct="1">
+      <a:defRPr sz="1200" kern="1200">
+        <a:solidFill>
+          <a:schemeClr val="tx1"/>
+        </a:solidFill>
+        <a:latin typeface="+mn-lt"/>
+        <a:ea typeface="+mn-ea"/>
+        <a:cs typeface="+mn-cs"/>
+      </a:defRPr>
+    </a:lvl5pPr>
+    <a:lvl6pPr marL="2286000" algn="l" defTabSz="914400" rtl="0" eaLnBrk="1" latinLnBrk="0" hangingPunct="1">
+      <a:defRPr sz="1200" kern="1200">
+        <a:solidFill>
+          <a:schemeClr val="tx1"/>
+        </a:solidFill>
+        <a:latin typeface="+mn-lt"/>
+        <a:ea typeface="+mn-ea"/>
+        <a:cs typeface="+mn-cs"/>
+      </a:defRPr>
+    </a:lvl6pPr>
+    <a:lvl7pPr marL="2743200" algn="l" defTabSz="914400" rtl="0" eaLnBrk="1" latinLnBrk="0" hangingPunct="1">
+      <a:defRPr sz="1200" kern="1200">
+        <a:solidFill>
+          <a:schemeClr val="tx1"/>
+        </a:solidFill>
+        <a:latin typeface="+mn-lt"/>
+        <a:ea typeface="+mn-ea"/>
+        <a:cs typeface="+mn-cs"/>
+      </a:defRPr>
+    </a:lvl7pPr>
+    <a:lvl8pPr marL="3200400" algn="l" defTabSz="914400" rtl="0" eaLnBrk="1" latinLnBrk="0" hangingPunct="1">
+      <a:defRPr sz="1200" kern="1200">
+        <a:solidFill>
+          <a:schemeClr val="tx1"/>
+        </a:solidFill>
+        <a:latin typeface="+mn-lt"/>
+        <a:ea typeface="+mn-ea"/>
+        <a:cs typeface="+mn-cs"/>
+      </a:defRPr>
+    </a:lvl8pPr>
+    <a:lvl9pPr marL="3657600" algn="l" defTabSz="914400" rtl="0" eaLnBrk="1" latinLnBrk="0" hangingPunct="1">
+      <a:defRPr sz="1200" kern="1200">
+        <a:solidFill>
+          <a:schemeClr val="tx1"/>
+        </a:solidFill>
+        <a:latin typeface="+mn-lt"/>
+        <a:ea typeface="+mn-ea"/>
+        <a:cs typeface="+mn-cs"/>
+      </a:defRPr>
+    </a:lvl9pPr>
+  </p:notesStyle>
+</p:notesMaster>
+</file>
+
+<file path=ppt/notesSlides/notesSlide1.xml><?xml version="1.0" encoding="utf-8"?>
+<p:notes xmlns:a="http://schemas.openxmlformats.org/drawingml/2006/main" xmlns:r="http://schemas.openxmlformats.org/officeDocument/2006/relationships" xmlns:p="http://schemas.openxmlformats.org/presentationml/2006/main">
+  <p:cSld>
+    <p:spTree>
+      <p:nvGrpSpPr>
+        <p:cNvPr id="1" name=""/>
+        <p:cNvGrpSpPr/>
+        <p:nvPr/>
+      </p:nvGrpSpPr>
+      <p:grpSpPr>
+        <a:xfrm>
+          <a:off x="0" y="0"/>
+          <a:ext cx="0" cy="0"/>
+          <a:chOff x="0" y="0"/>
+          <a:chExt cx="0" cy="0"/>
+        </a:xfrm>
+      </p:grpSpPr>
+      <p:sp>
+        <p:nvSpPr>
+          <p:cNvPr id="2" name="Slide Image Placeholder 1"/>
+          <p:cNvSpPr>
+            <a:spLocks noGrp="1" noRot="1" noChangeAspect="1"/>
+          </p:cNvSpPr>
+          <p:nvPr>
+            <p:ph type="sldImg"/>
+          </p:nvPr>
+        </p:nvSpPr>
+        <p:spPr/>
+      </p:sp>
+      <p:sp>
+        <p:nvSpPr>
+          <p:cNvPr id="3" name="Notes Placeholder 2"/>
+          <p:cNvSpPr>
+            <a:spLocks noGrp="1"/>
+          </p:cNvSpPr>
+          <p:nvPr>
+            <p:ph type="body" idx="1"/>
+          </p:nvPr>
+        </p:nvSpPr>
+        <p:spPr/>
+        <p:txBody>
+          <a:bodyPr/>
+          <a:lstStyle/>
+          <a:p>
+            <a:pPr marL="0" indent="0">
+              <a:buFont typeface="Arial" panose="020B0604020202020204" pitchFamily="34" charset="0"/>
+              <a:buNone/>
+            </a:pPr>
+            <a:r>
+              <a:rPr lang="en-GB" dirty="0" smtClean="0"/>
+              <a:t>Finn:-</a:t>
+            </a:r>
+            <a:r>
+              <a:rPr lang="en-GB" baseline="0" dirty="0" smtClean="0"/>
+              <a:t> </a:t>
+            </a:r>
+          </a:p>
+          <a:p>
+            <a:pPr marL="171450" indent="-171450">
+              <a:buFont typeface="Arial" panose="020B0604020202020204" pitchFamily="34" charset="0"/>
+              <a:buChar char="•"/>
+            </a:pPr>
+            <a:r>
+              <a:rPr lang="en-GB" baseline="0" dirty="0" smtClean="0"/>
+              <a:t>Introduce the team</a:t>
+            </a:r>
+          </a:p>
+        </p:txBody>
+      </p:sp>
+      <p:sp>
+        <p:nvSpPr>
+          <p:cNvPr id="4" name="Slide Number Placeholder 3"/>
+          <p:cNvSpPr>
+            <a:spLocks noGrp="1"/>
+          </p:cNvSpPr>
+          <p:nvPr>
+            <p:ph type="sldNum" sz="quarter" idx="10"/>
+          </p:nvPr>
+        </p:nvSpPr>
+        <p:spPr/>
+        <p:txBody>
+          <a:bodyPr/>
+          <a:lstStyle/>
+          <a:p>
+            <a:fld id="{5A64C350-0FF3-425F-813B-47E5E4CAAD97}" type="slidenum">
+              <a:rPr lang="en-GB" smtClean="0"/>
+              <a:t>1</a:t>
+            </a:fld>
+            <a:endParaRPr lang="en-GB"/>
+          </a:p>
+        </p:txBody>
+      </p:sp>
+    </p:spTree>
+    <p:extLst>
+      <p:ext uri="{BB962C8B-B14F-4D97-AF65-F5344CB8AC3E}">
+        <p14:creationId xmlns:p14="http://schemas.microsoft.com/office/powerpoint/2010/main" val="2686499303"/>
+      </p:ext>
+    </p:extLst>
+  </p:cSld>
+  <p:clrMapOvr>
+    <a:masterClrMapping/>
+  </p:clrMapOvr>
+</p:notes>
+</file>
+
+<file path=ppt/notesSlides/notesSlide2.xml><?xml version="1.0" encoding="utf-8"?>
+<p:notes xmlns:a="http://schemas.openxmlformats.org/drawingml/2006/main" xmlns:r="http://schemas.openxmlformats.org/officeDocument/2006/relationships" xmlns:p="http://schemas.openxmlformats.org/presentationml/2006/main">
+  <p:cSld>
+    <p:spTree>
+      <p:nvGrpSpPr>
+        <p:cNvPr id="1" name=""/>
+        <p:cNvGrpSpPr/>
+        <p:nvPr/>
+      </p:nvGrpSpPr>
+      <p:grpSpPr>
+        <a:xfrm>
+          <a:off x="0" y="0"/>
+          <a:ext cx="0" cy="0"/>
+          <a:chOff x="0" y="0"/>
+          <a:chExt cx="0" cy="0"/>
+        </a:xfrm>
+      </p:grpSpPr>
+      <p:sp>
+        <p:nvSpPr>
+          <p:cNvPr id="2" name="Slide Image Placeholder 1"/>
+          <p:cNvSpPr>
+            <a:spLocks noGrp="1" noRot="1" noChangeAspect="1"/>
+          </p:cNvSpPr>
+          <p:nvPr>
+            <p:ph type="sldImg"/>
+          </p:nvPr>
+        </p:nvSpPr>
+        <p:spPr/>
+      </p:sp>
+      <p:sp>
+        <p:nvSpPr>
+          <p:cNvPr id="3" name="Notes Placeholder 2"/>
+          <p:cNvSpPr>
+            <a:spLocks noGrp="1"/>
+          </p:cNvSpPr>
+          <p:nvPr>
+            <p:ph type="body" idx="1"/>
+          </p:nvPr>
+        </p:nvSpPr>
+        <p:spPr/>
+        <p:txBody>
+          <a:bodyPr/>
+          <a:lstStyle/>
+          <a:p>
+            <a:r>
+              <a:rPr lang="en-GB" dirty="0" smtClean="0"/>
+              <a:t>Finn: </a:t>
+            </a:r>
+            <a:r>
+              <a:rPr lang="en-GB" baseline="0" dirty="0" smtClean="0"/>
+              <a:t> introduce yourself</a:t>
+            </a:r>
+          </a:p>
+          <a:p>
+            <a:r>
+              <a:rPr lang="en-GB" baseline="0" dirty="0" smtClean="0"/>
+              <a:t>Rhys: introduce yourself and apologise for sam</a:t>
+            </a:r>
+            <a:endParaRPr lang="en-GB" dirty="0"/>
+          </a:p>
+        </p:txBody>
+      </p:sp>
+      <p:sp>
+        <p:nvSpPr>
+          <p:cNvPr id="4" name="Slide Number Placeholder 3"/>
+          <p:cNvSpPr>
+            <a:spLocks noGrp="1"/>
+          </p:cNvSpPr>
+          <p:nvPr>
+            <p:ph type="sldNum" sz="quarter" idx="10"/>
+          </p:nvPr>
+        </p:nvSpPr>
+        <p:spPr/>
+        <p:txBody>
+          <a:bodyPr/>
+          <a:lstStyle/>
+          <a:p>
+            <a:fld id="{5A64C350-0FF3-425F-813B-47E5E4CAAD97}" type="slidenum">
+              <a:rPr lang="en-GB" smtClean="0"/>
+              <a:t>2</a:t>
+            </a:fld>
+            <a:endParaRPr lang="en-GB"/>
+          </a:p>
+        </p:txBody>
+      </p:sp>
+    </p:spTree>
+    <p:extLst>
+      <p:ext uri="{BB962C8B-B14F-4D97-AF65-F5344CB8AC3E}">
+        <p14:creationId xmlns:p14="http://schemas.microsoft.com/office/powerpoint/2010/main" val="4135501606"/>
+      </p:ext>
+    </p:extLst>
+  </p:cSld>
+  <p:clrMapOvr>
+    <a:masterClrMapping/>
+  </p:clrMapOvr>
+</p:notes>
+</file>
+
+<file path=ppt/notesSlides/notesSlide3.xml><?xml version="1.0" encoding="utf-8"?>
+<p:notes xmlns:a="http://schemas.openxmlformats.org/drawingml/2006/main" xmlns:r="http://schemas.openxmlformats.org/officeDocument/2006/relationships" xmlns:p="http://schemas.openxmlformats.org/presentationml/2006/main">
+  <p:cSld>
+    <p:spTree>
+      <p:nvGrpSpPr>
+        <p:cNvPr id="1" name=""/>
+        <p:cNvGrpSpPr/>
+        <p:nvPr/>
+      </p:nvGrpSpPr>
+      <p:grpSpPr>
+        <a:xfrm>
+          <a:off x="0" y="0"/>
+          <a:ext cx="0" cy="0"/>
+          <a:chOff x="0" y="0"/>
+          <a:chExt cx="0" cy="0"/>
+        </a:xfrm>
+      </p:grpSpPr>
+      <p:sp>
+        <p:nvSpPr>
+          <p:cNvPr id="2" name="Slide Image Placeholder 1"/>
+          <p:cNvSpPr>
+            <a:spLocks noGrp="1" noRot="1" noChangeAspect="1"/>
+          </p:cNvSpPr>
+          <p:nvPr>
+            <p:ph type="sldImg"/>
+          </p:nvPr>
+        </p:nvSpPr>
+        <p:spPr/>
+      </p:sp>
+      <p:sp>
+        <p:nvSpPr>
+          <p:cNvPr id="3" name="Notes Placeholder 2"/>
+          <p:cNvSpPr>
+            <a:spLocks noGrp="1"/>
+          </p:cNvSpPr>
+          <p:nvPr>
+            <p:ph type="body" idx="1"/>
+          </p:nvPr>
+        </p:nvSpPr>
+        <p:spPr/>
+        <p:txBody>
+          <a:bodyPr/>
+          <a:lstStyle/>
+          <a:p>
+            <a:r>
+              <a:rPr lang="en-GB" dirty="0" smtClean="0"/>
+              <a:t>Finn: read title</a:t>
+            </a:r>
+            <a:endParaRPr lang="en-GB" dirty="0"/>
+          </a:p>
+        </p:txBody>
+      </p:sp>
+      <p:sp>
+        <p:nvSpPr>
+          <p:cNvPr id="4" name="Slide Number Placeholder 3"/>
+          <p:cNvSpPr>
+            <a:spLocks noGrp="1"/>
+          </p:cNvSpPr>
+          <p:nvPr>
+            <p:ph type="sldNum" sz="quarter" idx="10"/>
+          </p:nvPr>
+        </p:nvSpPr>
+        <p:spPr/>
+        <p:txBody>
+          <a:bodyPr/>
+          <a:lstStyle/>
+          <a:p>
+            <a:fld id="{5A64C350-0FF3-425F-813B-47E5E4CAAD97}" type="slidenum">
+              <a:rPr lang="en-GB" smtClean="0"/>
+              <a:t>3</a:t>
+            </a:fld>
+            <a:endParaRPr lang="en-GB"/>
+          </a:p>
+        </p:txBody>
+      </p:sp>
+    </p:spTree>
+    <p:extLst>
+      <p:ext uri="{BB962C8B-B14F-4D97-AF65-F5344CB8AC3E}">
+        <p14:creationId xmlns:p14="http://schemas.microsoft.com/office/powerpoint/2010/main" val="1864106002"/>
+      </p:ext>
+    </p:extLst>
+  </p:cSld>
+  <p:clrMapOvr>
+    <a:masterClrMapping/>
+  </p:clrMapOvr>
+</p:notes>
+</file>
+
+<file path=ppt/notesSlides/notesSlide4.xml><?xml version="1.0" encoding="utf-8"?>
+<p:notes xmlns:a="http://schemas.openxmlformats.org/drawingml/2006/main" xmlns:r="http://schemas.openxmlformats.org/officeDocument/2006/relationships" xmlns:p="http://schemas.openxmlformats.org/presentationml/2006/main">
+  <p:cSld>
+    <p:spTree>
+      <p:nvGrpSpPr>
+        <p:cNvPr id="1" name=""/>
+        <p:cNvGrpSpPr/>
+        <p:nvPr/>
+      </p:nvGrpSpPr>
+      <p:grpSpPr>
+        <a:xfrm>
+          <a:off x="0" y="0"/>
+          <a:ext cx="0" cy="0"/>
+          <a:chOff x="0" y="0"/>
+          <a:chExt cx="0" cy="0"/>
+        </a:xfrm>
+      </p:grpSpPr>
+      <p:sp>
+        <p:nvSpPr>
+          <p:cNvPr id="2" name="Slide Image Placeholder 1"/>
+          <p:cNvSpPr>
+            <a:spLocks noGrp="1" noRot="1" noChangeAspect="1"/>
+          </p:cNvSpPr>
+          <p:nvPr>
+            <p:ph type="sldImg"/>
+          </p:nvPr>
+        </p:nvSpPr>
+        <p:spPr/>
+      </p:sp>
+      <p:sp>
+        <p:nvSpPr>
+          <p:cNvPr id="3" name="Notes Placeholder 2"/>
+          <p:cNvSpPr>
+            <a:spLocks noGrp="1"/>
+          </p:cNvSpPr>
+          <p:nvPr>
+            <p:ph type="body" idx="1"/>
+          </p:nvPr>
+        </p:nvSpPr>
+        <p:spPr/>
+        <p:txBody>
+          <a:bodyPr/>
+          <a:lstStyle/>
+          <a:p>
+            <a:r>
+              <a:rPr lang="en-GB" dirty="0" smtClean="0"/>
+              <a:t>Rhys</a:t>
+            </a:r>
+            <a:r>
+              <a:rPr lang="en-GB" baseline="0" dirty="0" smtClean="0"/>
+              <a:t> explain</a:t>
+            </a:r>
+            <a:endParaRPr lang="en-GB" dirty="0"/>
+          </a:p>
+        </p:txBody>
+      </p:sp>
+      <p:sp>
+        <p:nvSpPr>
+          <p:cNvPr id="4" name="Slide Number Placeholder 3"/>
+          <p:cNvSpPr>
+            <a:spLocks noGrp="1"/>
+          </p:cNvSpPr>
+          <p:nvPr>
+            <p:ph type="sldNum" sz="quarter" idx="10"/>
+          </p:nvPr>
+        </p:nvSpPr>
+        <p:spPr/>
+        <p:txBody>
+          <a:bodyPr/>
+          <a:lstStyle/>
+          <a:p>
+            <a:fld id="{5A64C350-0FF3-425F-813B-47E5E4CAAD97}" type="slidenum">
+              <a:rPr lang="en-GB" smtClean="0"/>
+              <a:t>4</a:t>
+            </a:fld>
+            <a:endParaRPr lang="en-GB"/>
+          </a:p>
+        </p:txBody>
+      </p:sp>
+    </p:spTree>
+    <p:extLst>
+      <p:ext uri="{BB962C8B-B14F-4D97-AF65-F5344CB8AC3E}">
+        <p14:creationId xmlns:p14="http://schemas.microsoft.com/office/powerpoint/2010/main" val="694677828"/>
+      </p:ext>
+    </p:extLst>
+  </p:cSld>
+  <p:clrMapOvr>
+    <a:masterClrMapping/>
+  </p:clrMapOvr>
+</p:notes>
+</file>
+
+<file path=ppt/notesSlides/notesSlide5.xml><?xml version="1.0" encoding="utf-8"?>
+<p:notes xmlns:a="http://schemas.openxmlformats.org/drawingml/2006/main" xmlns:r="http://schemas.openxmlformats.org/officeDocument/2006/relationships" xmlns:p="http://schemas.openxmlformats.org/presentationml/2006/main">
+  <p:cSld>
+    <p:spTree>
+      <p:nvGrpSpPr>
+        <p:cNvPr id="1" name=""/>
+        <p:cNvGrpSpPr/>
+        <p:nvPr/>
+      </p:nvGrpSpPr>
+      <p:grpSpPr>
+        <a:xfrm>
+          <a:off x="0" y="0"/>
+          <a:ext cx="0" cy="0"/>
+          <a:chOff x="0" y="0"/>
+          <a:chExt cx="0" cy="0"/>
+        </a:xfrm>
+      </p:grpSpPr>
+      <p:sp>
+        <p:nvSpPr>
+          <p:cNvPr id="2" name="Slide Image Placeholder 1"/>
+          <p:cNvSpPr>
+            <a:spLocks noGrp="1" noRot="1" noChangeAspect="1"/>
+          </p:cNvSpPr>
+          <p:nvPr>
+            <p:ph type="sldImg"/>
+          </p:nvPr>
+        </p:nvSpPr>
+        <p:spPr/>
+      </p:sp>
+      <p:sp>
+        <p:nvSpPr>
+          <p:cNvPr id="3" name="Notes Placeholder 2"/>
+          <p:cNvSpPr>
+            <a:spLocks noGrp="1"/>
+          </p:cNvSpPr>
+          <p:nvPr>
+            <p:ph type="body" idx="1"/>
+          </p:nvPr>
+        </p:nvSpPr>
+        <p:spPr/>
+        <p:txBody>
+          <a:bodyPr/>
+          <a:lstStyle/>
+          <a:p>
+            <a:r>
+              <a:rPr lang="en-GB" dirty="0" smtClean="0"/>
+              <a:t>Finn </a:t>
+            </a:r>
+            <a:endParaRPr lang="en-GB" dirty="0"/>
+          </a:p>
+        </p:txBody>
+      </p:sp>
+      <p:sp>
+        <p:nvSpPr>
+          <p:cNvPr id="4" name="Slide Number Placeholder 3"/>
+          <p:cNvSpPr>
+            <a:spLocks noGrp="1"/>
+          </p:cNvSpPr>
+          <p:nvPr>
+            <p:ph type="sldNum" sz="quarter" idx="10"/>
+          </p:nvPr>
+        </p:nvSpPr>
+        <p:spPr/>
+        <p:txBody>
+          <a:bodyPr/>
+          <a:lstStyle/>
+          <a:p>
+            <a:fld id="{5A64C350-0FF3-425F-813B-47E5E4CAAD97}" type="slidenum">
+              <a:rPr lang="en-GB" smtClean="0"/>
+              <a:t>5</a:t>
+            </a:fld>
+            <a:endParaRPr lang="en-GB"/>
+          </a:p>
+        </p:txBody>
+      </p:sp>
+    </p:spTree>
+    <p:extLst>
+      <p:ext uri="{BB962C8B-B14F-4D97-AF65-F5344CB8AC3E}">
+        <p14:creationId xmlns:p14="http://schemas.microsoft.com/office/powerpoint/2010/main" val="135434075"/>
+      </p:ext>
+    </p:extLst>
+  </p:cSld>
+  <p:clrMapOvr>
+    <a:masterClrMapping/>
+  </p:clrMapOvr>
+</p:notes>
+</file>
+
+<file path=ppt/notesSlides/notesSlide6.xml><?xml version="1.0" encoding="utf-8"?>
+<p:notes xmlns:a="http://schemas.openxmlformats.org/drawingml/2006/main" xmlns:r="http://schemas.openxmlformats.org/officeDocument/2006/relationships" xmlns:p="http://schemas.openxmlformats.org/presentationml/2006/main">
+  <p:cSld>
+    <p:spTree>
+      <p:nvGrpSpPr>
+        <p:cNvPr id="1" name=""/>
+        <p:cNvGrpSpPr/>
+        <p:nvPr/>
+      </p:nvGrpSpPr>
+      <p:grpSpPr>
+        <a:xfrm>
+          <a:off x="0" y="0"/>
+          <a:ext cx="0" cy="0"/>
+          <a:chOff x="0" y="0"/>
+          <a:chExt cx="0" cy="0"/>
+        </a:xfrm>
+      </p:grpSpPr>
+      <p:sp>
+        <p:nvSpPr>
+          <p:cNvPr id="2" name="Slide Image Placeholder 1"/>
+          <p:cNvSpPr>
+            <a:spLocks noGrp="1" noRot="1" noChangeAspect="1"/>
+          </p:cNvSpPr>
+          <p:nvPr>
+            <p:ph type="sldImg"/>
+          </p:nvPr>
+        </p:nvSpPr>
+        <p:spPr/>
+      </p:sp>
+      <p:sp>
+        <p:nvSpPr>
+          <p:cNvPr id="3" name="Notes Placeholder 2"/>
+          <p:cNvSpPr>
+            <a:spLocks noGrp="1"/>
+          </p:cNvSpPr>
+          <p:nvPr>
+            <p:ph type="body" idx="1"/>
+          </p:nvPr>
+        </p:nvSpPr>
+        <p:spPr/>
+        <p:txBody>
+          <a:bodyPr/>
+          <a:lstStyle/>
+          <a:p>
+            <a:r>
+              <a:rPr lang="en-GB" dirty="0" smtClean="0"/>
+              <a:t>Rhys</a:t>
+            </a:r>
+            <a:r>
+              <a:rPr lang="en-GB" baseline="0" dirty="0" smtClean="0"/>
+              <a:t> explain google maps, python and data</a:t>
+            </a:r>
+          </a:p>
+          <a:p>
+            <a:r>
+              <a:rPr lang="en-GB" baseline="0" dirty="0" smtClean="0"/>
+              <a:t>Finn explain frontend</a:t>
+            </a:r>
+            <a:endParaRPr lang="en-GB" dirty="0"/>
+          </a:p>
+        </p:txBody>
+      </p:sp>
+      <p:sp>
+        <p:nvSpPr>
+          <p:cNvPr id="4" name="Slide Number Placeholder 3"/>
+          <p:cNvSpPr>
+            <a:spLocks noGrp="1"/>
+          </p:cNvSpPr>
+          <p:nvPr>
+            <p:ph type="sldNum" sz="quarter" idx="10"/>
+          </p:nvPr>
+        </p:nvSpPr>
+        <p:spPr/>
+        <p:txBody>
+          <a:bodyPr/>
+          <a:lstStyle/>
+          <a:p>
+            <a:fld id="{5A64C350-0FF3-425F-813B-47E5E4CAAD97}" type="slidenum">
+              <a:rPr lang="en-GB" smtClean="0"/>
+              <a:t>6</a:t>
+            </a:fld>
+            <a:endParaRPr lang="en-GB"/>
+          </a:p>
+        </p:txBody>
+      </p:sp>
+    </p:spTree>
+    <p:extLst>
+      <p:ext uri="{BB962C8B-B14F-4D97-AF65-F5344CB8AC3E}">
+        <p14:creationId xmlns:p14="http://schemas.microsoft.com/office/powerpoint/2010/main" val="447722437"/>
+      </p:ext>
+    </p:extLst>
+  </p:cSld>
+  <p:clrMapOvr>
+    <a:masterClrMapping/>
+  </p:clrMapOvr>
+</p:notes>
+</file>
+
+<file path=ppt/notesSlides/notesSlide7.xml><?xml version="1.0" encoding="utf-8"?>
+<p:notes xmlns:a="http://schemas.openxmlformats.org/drawingml/2006/main" xmlns:r="http://schemas.openxmlformats.org/officeDocument/2006/relationships" xmlns:p="http://schemas.openxmlformats.org/presentationml/2006/main">
+  <p:cSld>
+    <p:spTree>
+      <p:nvGrpSpPr>
+        <p:cNvPr id="1" name=""/>
+        <p:cNvGrpSpPr/>
+        <p:nvPr/>
+      </p:nvGrpSpPr>
+      <p:grpSpPr>
+        <a:xfrm>
+          <a:off x="0" y="0"/>
+          <a:ext cx="0" cy="0"/>
+          <a:chOff x="0" y="0"/>
+          <a:chExt cx="0" cy="0"/>
+        </a:xfrm>
+      </p:grpSpPr>
+      <p:sp>
+        <p:nvSpPr>
+          <p:cNvPr id="2" name="Slide Image Placeholder 1"/>
+          <p:cNvSpPr>
+            <a:spLocks noGrp="1" noRot="1" noChangeAspect="1"/>
+          </p:cNvSpPr>
+          <p:nvPr>
+            <p:ph type="sldImg"/>
+          </p:nvPr>
+        </p:nvSpPr>
+        <p:spPr/>
+      </p:sp>
+      <p:sp>
+        <p:nvSpPr>
+          <p:cNvPr id="3" name="Notes Placeholder 2"/>
+          <p:cNvSpPr>
+            <a:spLocks noGrp="1"/>
+          </p:cNvSpPr>
+          <p:nvPr>
+            <p:ph type="body" idx="1"/>
+          </p:nvPr>
+        </p:nvSpPr>
+        <p:spPr/>
+        <p:txBody>
+          <a:bodyPr/>
+          <a:lstStyle/>
+          <a:p>
+            <a:endParaRPr lang="en-GB"/>
+          </a:p>
+        </p:txBody>
+      </p:sp>
+      <p:sp>
+        <p:nvSpPr>
+          <p:cNvPr id="4" name="Slide Number Placeholder 3"/>
+          <p:cNvSpPr>
+            <a:spLocks noGrp="1"/>
+          </p:cNvSpPr>
+          <p:nvPr>
+            <p:ph type="sldNum" sz="quarter" idx="10"/>
+          </p:nvPr>
+        </p:nvSpPr>
+        <p:spPr/>
+        <p:txBody>
+          <a:bodyPr/>
+          <a:lstStyle/>
+          <a:p>
+            <a:fld id="{5A64C350-0FF3-425F-813B-47E5E4CAAD97}" type="slidenum">
+              <a:rPr lang="en-GB" smtClean="0"/>
+              <a:t>7</a:t>
+            </a:fld>
+            <a:endParaRPr lang="en-GB"/>
+          </a:p>
+        </p:txBody>
+      </p:sp>
+    </p:spTree>
+    <p:extLst>
+      <p:ext uri="{BB962C8B-B14F-4D97-AF65-F5344CB8AC3E}">
+        <p14:creationId xmlns:p14="http://schemas.microsoft.com/office/powerpoint/2010/main" val="484789449"/>
+      </p:ext>
+    </p:extLst>
+  </p:cSld>
+  <p:clrMapOvr>
+    <a:masterClrMapping/>
+  </p:clrMapOvr>
+</p:notes>
+</file>
+
+<file path=ppt/notesSlides/notesSlide8.xml><?xml version="1.0" encoding="utf-8"?>
+<p:notes xmlns:a="http://schemas.openxmlformats.org/drawingml/2006/main" xmlns:r="http://schemas.openxmlformats.org/officeDocument/2006/relationships" xmlns:p="http://schemas.openxmlformats.org/presentationml/2006/main">
+  <p:cSld>
+    <p:spTree>
+      <p:nvGrpSpPr>
+        <p:cNvPr id="1" name=""/>
+        <p:cNvGrpSpPr/>
+        <p:nvPr/>
+      </p:nvGrpSpPr>
+      <p:grpSpPr>
+        <a:xfrm>
+          <a:off x="0" y="0"/>
+          <a:ext cx="0" cy="0"/>
+          <a:chOff x="0" y="0"/>
+          <a:chExt cx="0" cy="0"/>
+        </a:xfrm>
+      </p:grpSpPr>
+      <p:sp>
+        <p:nvSpPr>
+          <p:cNvPr id="2" name="Slide Image Placeholder 1"/>
+          <p:cNvSpPr>
+            <a:spLocks noGrp="1" noRot="1" noChangeAspect="1"/>
+          </p:cNvSpPr>
+          <p:nvPr>
+            <p:ph type="sldImg"/>
+          </p:nvPr>
+        </p:nvSpPr>
+        <p:spPr/>
+      </p:sp>
+      <p:sp>
+        <p:nvSpPr>
+          <p:cNvPr id="3" name="Notes Placeholder 2"/>
+          <p:cNvSpPr>
+            <a:spLocks noGrp="1"/>
+          </p:cNvSpPr>
+          <p:nvPr>
+            <p:ph type="body" idx="1"/>
+          </p:nvPr>
+        </p:nvSpPr>
+        <p:spPr/>
+        <p:txBody>
+          <a:bodyPr/>
+          <a:lstStyle/>
+          <a:p>
+            <a:r>
+              <a:rPr lang="en-GB" dirty="0" smtClean="0"/>
+              <a:t>Rhys end it </a:t>
+            </a:r>
+            <a:endParaRPr lang="en-GB" dirty="0"/>
+          </a:p>
+        </p:txBody>
+      </p:sp>
+      <p:sp>
+        <p:nvSpPr>
+          <p:cNvPr id="4" name="Slide Number Placeholder 3"/>
+          <p:cNvSpPr>
+            <a:spLocks noGrp="1"/>
+          </p:cNvSpPr>
+          <p:nvPr>
+            <p:ph type="sldNum" sz="quarter" idx="10"/>
+          </p:nvPr>
+        </p:nvSpPr>
+        <p:spPr/>
+        <p:txBody>
+          <a:bodyPr/>
+          <a:lstStyle/>
+          <a:p>
+            <a:fld id="{5A64C350-0FF3-425F-813B-47E5E4CAAD97}" type="slidenum">
+              <a:rPr lang="en-GB" smtClean="0"/>
+              <a:t>9</a:t>
+            </a:fld>
+            <a:endParaRPr lang="en-GB"/>
+          </a:p>
+        </p:txBody>
+      </p:sp>
+    </p:spTree>
+    <p:extLst>
+      <p:ext uri="{BB962C8B-B14F-4D97-AF65-F5344CB8AC3E}">
+        <p14:creationId xmlns:p14="http://schemas.microsoft.com/office/powerpoint/2010/main" val="1427512068"/>
+      </p:ext>
+    </p:extLst>
+  </p:cSld>
+  <p:clrMapOvr>
+    <a:masterClrMapping/>
+  </p:clrMapOvr>
+</p:notes>
+</file>
+
+<file path=ppt/notesSlides/notesSlide9.xml><?xml version="1.0" encoding="utf-8"?>
+<p:notes xmlns:a="http://schemas.openxmlformats.org/drawingml/2006/main" xmlns:r="http://schemas.openxmlformats.org/officeDocument/2006/relationships" xmlns:p="http://schemas.openxmlformats.org/presentationml/2006/main">
+  <p:cSld>
+    <p:spTree>
+      <p:nvGrpSpPr>
+        <p:cNvPr id="1" name=""/>
+        <p:cNvGrpSpPr/>
+        <p:nvPr/>
+      </p:nvGrpSpPr>
+      <p:grpSpPr>
+        <a:xfrm>
+          <a:off x="0" y="0"/>
+          <a:ext cx="0" cy="0"/>
+          <a:chOff x="0" y="0"/>
+          <a:chExt cx="0" cy="0"/>
+        </a:xfrm>
+      </p:grpSpPr>
+      <p:sp>
+        <p:nvSpPr>
+          <p:cNvPr id="2" name="Slide Image Placeholder 1"/>
+          <p:cNvSpPr>
+            <a:spLocks noGrp="1" noRot="1" noChangeAspect="1"/>
+          </p:cNvSpPr>
+          <p:nvPr>
+            <p:ph type="sldImg"/>
+          </p:nvPr>
+        </p:nvSpPr>
+        <p:spPr/>
+      </p:sp>
+      <p:sp>
+        <p:nvSpPr>
+          <p:cNvPr id="3" name="Notes Placeholder 2"/>
+          <p:cNvSpPr>
+            <a:spLocks noGrp="1"/>
+          </p:cNvSpPr>
+          <p:nvPr>
+            <p:ph type="body" idx="1"/>
+          </p:nvPr>
+        </p:nvSpPr>
+        <p:spPr/>
+        <p:txBody>
+          <a:bodyPr/>
+          <a:lstStyle/>
+          <a:p>
+            <a:endParaRPr lang="en-GB"/>
+          </a:p>
+        </p:txBody>
+      </p:sp>
+      <p:sp>
+        <p:nvSpPr>
+          <p:cNvPr id="4" name="Slide Number Placeholder 3"/>
+          <p:cNvSpPr>
+            <a:spLocks noGrp="1"/>
+          </p:cNvSpPr>
+          <p:nvPr>
+            <p:ph type="sldNum" sz="quarter" idx="10"/>
+          </p:nvPr>
+        </p:nvSpPr>
+        <p:spPr/>
+        <p:txBody>
+          <a:bodyPr/>
+          <a:lstStyle/>
+          <a:p>
+            <a:fld id="{5A64C350-0FF3-425F-813B-47E5E4CAAD97}" type="slidenum">
+              <a:rPr lang="en-GB" smtClean="0"/>
+              <a:t>10</a:t>
+            </a:fld>
+            <a:endParaRPr lang="en-GB"/>
+          </a:p>
+        </p:txBody>
+      </p:sp>
+    </p:spTree>
+    <p:extLst>
+      <p:ext uri="{BB962C8B-B14F-4D97-AF65-F5344CB8AC3E}">
+        <p14:creationId xmlns:p14="http://schemas.microsoft.com/office/powerpoint/2010/main" val="777874136"/>
+      </p:ext>
+    </p:extLst>
+  </p:cSld>
+  <p:clrMapOvr>
+    <a:masterClrMapping/>
+  </p:clrMapOvr>
+</p:notes>
 </file>
 
 <file path=ppt/slideLayouts/slideLayout1.xml><?xml version="1.0" encoding="utf-8"?>
@@ -3095,6 +7138,64 @@
           </a:p>
         </p:txBody>
       </p:sp>
+      <p:pic>
+        <p:nvPicPr>
+          <p:cNvPr id="5" name="Picture 4"/>
+          <p:cNvPicPr>
+            <a:picLocks noChangeAspect="1"/>
+          </p:cNvPicPr>
+          <p:nvPr/>
+        </p:nvPicPr>
+        <p:blipFill rotWithShape="1">
+          <a:blip r:embed="rId3" cstate="print">
+            <a:extLst>
+              <a:ext uri="{28A0092B-C50C-407E-A947-70E740481C1C}">
+                <a14:useLocalDpi xmlns:a14="http://schemas.microsoft.com/office/drawing/2010/main" val="0"/>
+              </a:ext>
+            </a:extLst>
+          </a:blip>
+          <a:srcRect l="16133" r="19591"/>
+          <a:stretch/>
+        </p:blipFill>
+        <p:spPr>
+          <a:xfrm>
+            <a:off x="0" y="0"/>
+            <a:ext cx="2803301" cy="2453237"/>
+          </a:xfrm>
+          <a:prstGeom prst="rect">
+            <a:avLst/>
+          </a:prstGeom>
+        </p:spPr>
+      </p:pic>
+      <p:pic>
+        <p:nvPicPr>
+          <p:cNvPr id="6" name="Picture 5"/>
+          <p:cNvPicPr>
+            <a:picLocks noChangeAspect="1"/>
+          </p:cNvPicPr>
+          <p:nvPr/>
+        </p:nvPicPr>
+        <p:blipFill rotWithShape="1">
+          <a:blip r:embed="rId3" cstate="print">
+            <a:extLst>
+              <a:ext uri="{28A0092B-C50C-407E-A947-70E740481C1C}">
+                <a14:useLocalDpi xmlns:a14="http://schemas.microsoft.com/office/drawing/2010/main" val="0"/>
+              </a:ext>
+            </a:extLst>
+          </a:blip>
+          <a:srcRect l="16133" r="19591"/>
+          <a:stretch/>
+        </p:blipFill>
+        <p:spPr>
+          <a:xfrm>
+            <a:off x="9208395" y="0"/>
+            <a:ext cx="2803301" cy="2453237"/>
+          </a:xfrm>
+          <a:prstGeom prst="rect">
+            <a:avLst/>
+          </a:prstGeom>
+        </p:spPr>
+      </p:pic>
     </p:spTree>
     <p:extLst>
       <p:ext uri="{BB962C8B-B14F-4D97-AF65-F5344CB8AC3E}">
@@ -3126,7 +7227,7 @@
                             </p:stCondLst>
                             <p:childTnLst>
                               <p:par>
-                                <p:cTn id="5" presetID="2" presetClass="entr" presetSubtype="4" fill="hold" grpId="0" nodeType="clickEffect">
+                                <p:cTn id="5" presetID="2" presetClass="entr" presetSubtype="4" fill="hold" nodeType="clickEffect">
                                   <p:stCondLst>
                                     <p:cond delay="0"/>
                                   </p:stCondLst>
@@ -3134,6 +7235,161 @@
                                     <p:set>
                                       <p:cBhvr>
                                         <p:cTn id="6" dur="1" fill="hold">
+                                          <p:stCondLst>
+                                            <p:cond delay="0"/>
+                                          </p:stCondLst>
+                                        </p:cTn>
+                                        <p:tgtEl>
+                                          <p:spTgt spid="5"/>
+                                        </p:tgtEl>
+                                        <p:attrNameLst>
+                                          <p:attrName>style.visibility</p:attrName>
+                                        </p:attrNameLst>
+                                      </p:cBhvr>
+                                      <p:to>
+                                        <p:strVal val="visible"/>
+                                      </p:to>
+                                    </p:set>
+                                    <p:anim calcmode="lin" valueType="num">
+                                      <p:cBhvr additive="base">
+                                        <p:cTn id="7" dur="500" fill="hold"/>
+                                        <p:tgtEl>
+                                          <p:spTgt spid="5"/>
+                                        </p:tgtEl>
+                                        <p:attrNameLst>
+                                          <p:attrName>ppt_x</p:attrName>
+                                        </p:attrNameLst>
+                                      </p:cBhvr>
+                                      <p:tavLst>
+                                        <p:tav tm="0">
+                                          <p:val>
+                                            <p:strVal val="#ppt_x"/>
+                                          </p:val>
+                                        </p:tav>
+                                        <p:tav tm="100000">
+                                          <p:val>
+                                            <p:strVal val="#ppt_x"/>
+                                          </p:val>
+                                        </p:tav>
+                                      </p:tavLst>
+                                    </p:anim>
+                                    <p:anim calcmode="lin" valueType="num">
+                                      <p:cBhvr additive="base">
+                                        <p:cTn id="8" dur="500" fill="hold"/>
+                                        <p:tgtEl>
+                                          <p:spTgt spid="5"/>
+                                        </p:tgtEl>
+                                        <p:attrNameLst>
+                                          <p:attrName>ppt_y</p:attrName>
+                                        </p:attrNameLst>
+                                      </p:cBhvr>
+                                      <p:tavLst>
+                                        <p:tav tm="0">
+                                          <p:val>
+                                            <p:strVal val="1+#ppt_h/2"/>
+                                          </p:val>
+                                        </p:tav>
+                                        <p:tav tm="100000">
+                                          <p:val>
+                                            <p:strVal val="#ppt_y"/>
+                                          </p:val>
+                                        </p:tav>
+                                      </p:tavLst>
+                                    </p:anim>
+                                  </p:childTnLst>
+                                </p:cTn>
+                              </p:par>
+                              <p:par>
+                                <p:cTn id="9" presetID="2" presetClass="entr" presetSubtype="4" fill="hold" nodeType="withEffect">
+                                  <p:stCondLst>
+                                    <p:cond delay="0"/>
+                                  </p:stCondLst>
+                                  <p:childTnLst>
+                                    <p:set>
+                                      <p:cBhvr>
+                                        <p:cTn id="10" dur="1" fill="hold">
+                                          <p:stCondLst>
+                                            <p:cond delay="0"/>
+                                          </p:stCondLst>
+                                        </p:cTn>
+                                        <p:tgtEl>
+                                          <p:spTgt spid="6"/>
+                                        </p:tgtEl>
+                                        <p:attrNameLst>
+                                          <p:attrName>style.visibility</p:attrName>
+                                        </p:attrNameLst>
+                                      </p:cBhvr>
+                                      <p:to>
+                                        <p:strVal val="visible"/>
+                                      </p:to>
+                                    </p:set>
+                                    <p:anim calcmode="lin" valueType="num">
+                                      <p:cBhvr additive="base">
+                                        <p:cTn id="11" dur="500" fill="hold"/>
+                                        <p:tgtEl>
+                                          <p:spTgt spid="6"/>
+                                        </p:tgtEl>
+                                        <p:attrNameLst>
+                                          <p:attrName>ppt_x</p:attrName>
+                                        </p:attrNameLst>
+                                      </p:cBhvr>
+                                      <p:tavLst>
+                                        <p:tav tm="0">
+                                          <p:val>
+                                            <p:strVal val="#ppt_x"/>
+                                          </p:val>
+                                        </p:tav>
+                                        <p:tav tm="100000">
+                                          <p:val>
+                                            <p:strVal val="#ppt_x"/>
+                                          </p:val>
+                                        </p:tav>
+                                      </p:tavLst>
+                                    </p:anim>
+                                    <p:anim calcmode="lin" valueType="num">
+                                      <p:cBhvr additive="base">
+                                        <p:cTn id="12" dur="500" fill="hold"/>
+                                        <p:tgtEl>
+                                          <p:spTgt spid="6"/>
+                                        </p:tgtEl>
+                                        <p:attrNameLst>
+                                          <p:attrName>ppt_y</p:attrName>
+                                        </p:attrNameLst>
+                                      </p:cBhvr>
+                                      <p:tavLst>
+                                        <p:tav tm="0">
+                                          <p:val>
+                                            <p:strVal val="1+#ppt_h/2"/>
+                                          </p:val>
+                                        </p:tav>
+                                        <p:tav tm="100000">
+                                          <p:val>
+                                            <p:strVal val="#ppt_y"/>
+                                          </p:val>
+                                        </p:tav>
+                                      </p:tavLst>
+                                    </p:anim>
+                                  </p:childTnLst>
+                                </p:cTn>
+                              </p:par>
+                            </p:childTnLst>
+                          </p:cTn>
+                        </p:par>
+                        <p:par>
+                          <p:cTn id="13" fill="hold">
+                            <p:stCondLst>
+                              <p:cond delay="500"/>
+                            </p:stCondLst>
+                            <p:childTnLst>
+                              <p:par>
+                                <p:cTn id="14" presetID="2" presetClass="entr" presetSubtype="4" fill="hold" grpId="0" nodeType="afterEffect">
+                                  <p:stCondLst>
+                                    <p:cond delay="0"/>
+                                  </p:stCondLst>
+                                  <p:childTnLst>
+                                    <p:set>
+                                      <p:cBhvr>
+                                        <p:cTn id="15" dur="1" fill="hold">
                                           <p:stCondLst>
                                             <p:cond delay="0"/>
                                           </p:stCondLst>
@@ -3151,7 +7407,7 @@
                                     </p:set>
                                     <p:anim calcmode="lin" valueType="num">
                                       <p:cBhvr additive="base">
-                                        <p:cTn id="7" dur="500" fill="hold"/>
+                                        <p:cTn id="16" dur="500" fill="hold"/>
                                         <p:tgtEl>
                                           <p:spTgt spid="2"/>
                                         </p:tgtEl>
@@ -3174,7 +7430,7 @@
                                     </p:anim>
                                     <p:anim calcmode="lin" valueType="num">
                                       <p:cBhvr additive="base">
-                                        <p:cTn id="8" dur="500" fill="hold"/>
+                                        <p:cTn id="17" dur="500" fill="hold"/>
                                         <p:tgtEl>
                                           <p:spTgt spid="2"/>
                                         </p:tgtEl>
@@ -3201,30 +7457,21 @@
                             </p:childTnLst>
                           </p:cTn>
                         </p:par>
-                      </p:childTnLst>
-                    </p:cTn>
-                  </p:par>
-                  <p:par>
-                    <p:cTn id="9" fill="hold">
-                      <p:stCondLst>
-                        <p:cond delay="indefinite"/>
-                      </p:stCondLst>
-                      <p:childTnLst>
                         <p:par>
-                          <p:cTn id="10" fill="hold">
+                          <p:cTn id="18" fill="hold">
                             <p:stCondLst>
-                              <p:cond delay="0"/>
+                              <p:cond delay="1000"/>
                             </p:stCondLst>
                             <p:childTnLst>
                               <p:par>
-                                <p:cTn id="11" presetID="42" presetClass="entr" presetSubtype="0" fill="hold" grpId="0" nodeType="clickEffect">
+                                <p:cTn id="19" presetID="42" presetClass="entr" presetSubtype="0" fill="hold" grpId="0" nodeType="afterEffect">
                                   <p:stCondLst>
                                     <p:cond delay="0"/>
                                   </p:stCondLst>
                                   <p:childTnLst>
                                     <p:set>
                                       <p:cBhvr>
-                                        <p:cTn id="12" dur="1" fill="hold">
+                                        <p:cTn id="20" dur="1" fill="hold">
                                           <p:stCondLst>
                                             <p:cond delay="0"/>
                                           </p:stCondLst>
@@ -3242,7 +7489,7 @@
                                     </p:set>
                                     <p:animEffect transition="in" filter="fade">
                                       <p:cBhvr>
-                                        <p:cTn id="13" dur="1000"/>
+                                        <p:cTn id="21" dur="700"/>
                                         <p:tgtEl>
                                           <p:spTgt spid="4"/>
                                         </p:tgtEl>
@@ -3250,7 +7497,7 @@
                                     </p:animEffect>
                                     <p:anim calcmode="lin" valueType="num">
                                       <p:cBhvr>
-                                        <p:cTn id="14" dur="1000" fill="hold"/>
+                                        <p:cTn id="22" dur="700" fill="hold"/>
                                         <p:tgtEl>
                                           <p:spTgt spid="4"/>
                                         </p:tgtEl>
@@ -3273,7 +7520,7 @@
                                     </p:anim>
                                     <p:anim calcmode="lin" valueType="num">
                                       <p:cBhvr>
-                                        <p:cTn id="15" dur="1000" fill="hold"/>
+                                        <p:cTn id="23" dur="700" fill="hold"/>
                                         <p:tgtEl>
                                           <p:spTgt spid="4"/>
                                         </p:tgtEl>
@@ -3300,30 +7547,21 @@
                             </p:childTnLst>
                           </p:cTn>
                         </p:par>
-                      </p:childTnLst>
-                    </p:cTn>
-                  </p:par>
-                  <p:par>
-                    <p:cTn id="16" fill="hold">
-                      <p:stCondLst>
-                        <p:cond delay="indefinite"/>
-                      </p:stCondLst>
-                      <p:childTnLst>
                         <p:par>
-                          <p:cTn id="17" fill="hold">
+                          <p:cTn id="24" fill="hold">
                             <p:stCondLst>
-                              <p:cond delay="0"/>
+                              <p:cond delay="1700"/>
                             </p:stCondLst>
                             <p:childTnLst>
                               <p:par>
-                                <p:cTn id="18" presetID="42" presetClass="entr" presetSubtype="0" fill="hold" grpId="0" nodeType="clickEffect">
+                                <p:cTn id="25" presetID="42" presetClass="entr" presetSubtype="0" fill="hold" grpId="0" nodeType="afterEffect">
                                   <p:stCondLst>
                                     <p:cond delay="0"/>
                                   </p:stCondLst>
                                   <p:childTnLst>
                                     <p:set>
                                       <p:cBhvr>
-                                        <p:cTn id="19" dur="1" fill="hold">
+                                        <p:cTn id="26" dur="1" fill="hold">
                                           <p:stCondLst>
                                             <p:cond delay="0"/>
                                           </p:stCondLst>
@@ -3345,7 +7583,7 @@
                                     </p:set>
                                     <p:animEffect transition="in" filter="fade">
                                       <p:cBhvr>
-                                        <p:cTn id="20" dur="1000"/>
+                                        <p:cTn id="27" dur="500"/>
                                         <p:tgtEl>
                                           <p:spTgt spid="3">
                                             <p:txEl>
@@ -3357,7 +7595,7 @@
                                     </p:animEffect>
                                     <p:anim calcmode="lin" valueType="num">
                                       <p:cBhvr>
-                                        <p:cTn id="21" dur="1000" fill="hold"/>
+                                        <p:cTn id="28" dur="500" fill="hold"/>
                                         <p:tgtEl>
                                           <p:spTgt spid="3">
                                             <p:txEl>
@@ -3384,7 +7622,7 @@
                                     </p:anim>
                                     <p:anim calcmode="lin" valueType="num">
                                       <p:cBhvr>
-                                        <p:cTn id="22" dur="1000" fill="hold"/>
+                                        <p:cTn id="29" dur="500" fill="hold"/>
                                         <p:tgtEl>
                                           <p:spTgt spid="3">
                                             <p:txEl>
@@ -3448,6 +7686,85 @@
 </p:sld>
 </file>
 
+<file path=ppt/slides/slide10.xml><?xml version="1.0" encoding="utf-8"?>
+<p:sld xmlns:a="http://schemas.openxmlformats.org/drawingml/2006/main" xmlns:r="http://schemas.openxmlformats.org/officeDocument/2006/relationships" xmlns:p="http://schemas.openxmlformats.org/presentationml/2006/main">
+  <p:cSld>
+    <p:spTree>
+      <p:nvGrpSpPr>
+        <p:cNvPr id="1" name=""/>
+        <p:cNvGrpSpPr/>
+        <p:nvPr/>
+      </p:nvGrpSpPr>
+      <p:grpSpPr>
+        <a:xfrm>
+          <a:off x="0" y="0"/>
+          <a:ext cx="0" cy="0"/>
+          <a:chOff x="0" y="0"/>
+          <a:chExt cx="0" cy="0"/>
+        </a:xfrm>
+      </p:grpSpPr>
+      <p:sp>
+        <p:nvSpPr>
+          <p:cNvPr id="4" name="Title 3"/>
+          <p:cNvSpPr>
+            <a:spLocks noGrp="1"/>
+          </p:cNvSpPr>
+          <p:nvPr>
+            <p:ph type="ctrTitle"/>
+          </p:nvPr>
+        </p:nvSpPr>
+        <p:spPr/>
+        <p:txBody>
+          <a:bodyPr/>
+          <a:lstStyle/>
+          <a:p>
+            <a:r>
+              <a:rPr lang="en-GB" dirty="0" smtClean="0"/>
+              <a:t>Question Time</a:t>
+            </a:r>
+            <a:endParaRPr lang="en-GB" dirty="0"/>
+          </a:p>
+        </p:txBody>
+      </p:sp>
+      <p:sp>
+        <p:nvSpPr>
+          <p:cNvPr id="5" name="Subtitle 4"/>
+          <p:cNvSpPr>
+            <a:spLocks noGrp="1"/>
+          </p:cNvSpPr>
+          <p:nvPr>
+            <p:ph type="subTitle" idx="1"/>
+          </p:nvPr>
+        </p:nvSpPr>
+        <p:spPr/>
+        <p:txBody>
+          <a:bodyPr/>
+          <a:lstStyle/>
+          <a:p>
+            <a:endParaRPr lang="en-GB"/>
+          </a:p>
+        </p:txBody>
+      </p:sp>
+    </p:spTree>
+    <p:extLst>
+      <p:ext uri="{BB962C8B-B14F-4D97-AF65-F5344CB8AC3E}">
+        <p14:creationId xmlns:p14="http://schemas.microsoft.com/office/powerpoint/2010/main" val="665795858"/>
+      </p:ext>
+    </p:extLst>
+  </p:cSld>
+  <p:clrMapOvr>
+    <a:masterClrMapping/>
+  </p:clrMapOvr>
+  <p:timing>
+    <p:tnLst>
+      <p:par>
+        <p:cTn id="1" dur="indefinite" restart="never" nodeType="tmRoot"/>
+      </p:par>
+    </p:tnLst>
+  </p:timing>
+</p:sld>
+</file>
+
 <file path=ppt/slides/slide2.xml><?xml version="1.0" encoding="utf-8"?>
 <p:sld xmlns:a="http://schemas.openxmlformats.org/drawingml/2006/main" xmlns:r="http://schemas.openxmlformats.org/officeDocument/2006/relationships" xmlns:p="http://schemas.openxmlformats.org/presentationml/2006/main">
   <p:cSld>
@@ -3505,38 +7822,181 @@
           <a:p>
             <a:r>
               <a:rPr lang="en-GB" dirty="0" smtClean="0"/>
-              <a:t>Finn- Front-end, </a:t>
-            </a:r>
+              <a:t>Finn- Front-end, back-end, OS builder, compilers </a:t>
+            </a:r>
+          </a:p>
+          <a:p>
             <a:r>
               <a:rPr lang="en-GB" dirty="0" smtClean="0"/>
-              <a:t>back-end, OS</a:t>
+              <a:t>Rhys - Real-time 3d </a:t>
             </a:r>
             <a:r>
               <a:rPr lang="en-GB" dirty="0" smtClean="0"/>
-              <a:t> builder, </a:t>
-            </a:r>
+              <a:t>graphics</a:t>
+            </a:r>
+          </a:p>
+          <a:p>
             <a:r>
               <a:rPr lang="en-GB" dirty="0" smtClean="0"/>
-              <a:t>compilers </a:t>
+              <a:t>Sam </a:t>
+            </a:r>
+            <a:r>
+              <a:rPr lang="en-GB" dirty="0" smtClean="0"/>
+              <a:t>– Hardware</a:t>
+            </a:r>
+            <a:r>
+              <a:rPr lang="en-GB" dirty="0" smtClean="0"/>
+              <a:t>, front-end, back</a:t>
+            </a:r>
+            <a:r>
+              <a:rPr lang="en-GB" dirty="0" smtClean="0"/>
+              <a:t>-end</a:t>
             </a:r>
             <a:endParaRPr lang="en-GB" dirty="0" smtClean="0"/>
           </a:p>
-          <a:p>
-            <a:r>
-              <a:rPr lang="en-GB" dirty="0" smtClean="0"/>
-              <a:t>Rhys </a:t>
-            </a:r>
-            <a:r>
-              <a:rPr lang="en-GB" dirty="0" smtClean="0"/>
-              <a:t>- Real-time 3d graphics,</a:t>
-            </a:r>
-          </a:p>
-          <a:p>
-            <a:r>
-              <a:rPr lang="en-GB" dirty="0" smtClean="0"/>
-              <a:t>Sam – Hardware, </a:t>
-            </a:r>
-            <a:endParaRPr lang="en-GB" dirty="0" smtClean="0"/>
+        </p:txBody>
+      </p:sp>
+      <p:grpSp>
+        <p:nvGrpSpPr>
+          <p:cNvPr id="10" name="Group 9"/>
+          <p:cNvGrpSpPr/>
+          <p:nvPr/>
+        </p:nvGrpSpPr>
+        <p:grpSpPr>
+          <a:xfrm>
+            <a:off x="9280302" y="2230757"/>
+            <a:ext cx="2073498" cy="4501166"/>
+            <a:chOff x="9280302" y="2230757"/>
+            <a:chExt cx="2073498" cy="4501166"/>
+          </a:xfrm>
+        </p:grpSpPr>
+        <p:pic>
+          <p:nvPicPr>
+            <p:cNvPr id="5" name="Picture 4"/>
+            <p:cNvPicPr>
+              <a:picLocks noChangeAspect="1"/>
+            </p:cNvPicPr>
+            <p:nvPr/>
+          </p:nvPicPr>
+          <p:blipFill rotWithShape="1">
+            <a:blip r:embed="rId3">
+              <a:extLst>
+                <a:ext uri="{28A0092B-C50C-407E-A947-70E740481C1C}">
+                  <a14:useLocalDpi xmlns:a14="http://schemas.microsoft.com/office/drawing/2010/main" val="0"/>
+                </a:ext>
+              </a:extLst>
+            </a:blip>
+            <a:srcRect l="46009" t="34366" r="31315"/>
+            <a:stretch/>
+          </p:blipFill>
+          <p:spPr>
+            <a:xfrm>
+              <a:off x="9280302" y="2230757"/>
+              <a:ext cx="2073498" cy="4501166"/>
+            </a:xfrm>
+            <a:prstGeom prst="rect">
+              <a:avLst/>
+            </a:prstGeom>
+          </p:spPr>
+        </p:pic>
+        <p:pic>
+          <p:nvPicPr>
+            <p:cNvPr id="6" name="Picture 5"/>
+            <p:cNvPicPr>
+              <a:picLocks noChangeAspect="1"/>
+            </p:cNvPicPr>
+            <p:nvPr/>
+          </p:nvPicPr>
+          <p:blipFill rotWithShape="1">
+            <a:blip r:embed="rId4">
+              <a:extLst>
+                <a:ext uri="{28A0092B-C50C-407E-A947-70E740481C1C}">
+                  <a14:useLocalDpi xmlns:a14="http://schemas.microsoft.com/office/drawing/2010/main" val="0"/>
+                </a:ext>
+              </a:extLst>
+            </a:blip>
+            <a:srcRect l="52488" t="34178" r="29202" b="41221"/>
+            <a:stretch/>
+          </p:blipFill>
+          <p:spPr>
+            <a:xfrm>
+              <a:off x="9679546" y="3302107"/>
+              <a:ext cx="1674254" cy="1687132"/>
+            </a:xfrm>
+            <a:prstGeom prst="rect">
+              <a:avLst/>
+            </a:prstGeom>
+          </p:spPr>
+        </p:pic>
+      </p:grpSp>
+      <p:pic>
+        <p:nvPicPr>
+          <p:cNvPr id="1026" name="Picture 2" descr="http://cdn.mysitemyway.com/etc-mysitemyway/icons/legacy-previews/icons/glossy-black-icons-arrows/007979-glossy-black-icon-arrows-arrow-thick-right.png"/>
+          <p:cNvPicPr>
+            <a:picLocks noChangeAspect="1" noChangeArrowheads="1"/>
+          </p:cNvPicPr>
+          <p:nvPr/>
+        </p:nvPicPr>
+        <p:blipFill>
+          <a:blip r:embed="rId5">
+            <a:extLst>
+              <a:ext uri="{28A0092B-C50C-407E-A947-70E740481C1C}">
+                <a14:useLocalDpi xmlns:a14="http://schemas.microsoft.com/office/drawing/2010/main" val="0"/>
+              </a:ext>
+            </a:extLst>
+          </a:blip>
+          <a:srcRect/>
+          <a:stretch>
+            <a:fillRect/>
+          </a:stretch>
+        </p:blipFill>
+        <p:spPr bwMode="auto">
+          <a:xfrm rot="1543857">
+            <a:off x="5185384" y="2163768"/>
+            <a:ext cx="5145945" cy="4635143"/>
+          </a:xfrm>
+          <a:prstGeom prst="rect">
+            <a:avLst/>
+          </a:prstGeom>
+          <a:noFill/>
+          <a:extLst>
+            <a:ext uri="{909E8E84-426E-40DD-AFC4-6F175D3DCCD1}">
+              <a14:hiddenFill xmlns:a14="http://schemas.microsoft.com/office/drawing/2010/main">
+                <a:solidFill>
+                  <a:srgbClr val="FFFFFF"/>
+                </a:solidFill>
+              </a14:hiddenFill>
+            </a:ext>
+          </a:extLst>
+        </p:spPr>
+      </p:pic>
+      <p:sp>
+        <p:nvSpPr>
+          <p:cNvPr id="9" name="TextBox 8"/>
+          <p:cNvSpPr txBox="1"/>
+          <p:nvPr/>
+        </p:nvSpPr>
+        <p:spPr>
+          <a:xfrm>
+            <a:off x="704850" y="3302107"/>
+            <a:ext cx="6000750" cy="523220"/>
+          </a:xfrm>
+          <a:prstGeom prst="rect">
+            <a:avLst/>
+          </a:prstGeom>
+          <a:noFill/>
+        </p:spPr>
+        <p:txBody>
+          <a:bodyPr wrap="square" rtlCol="0">
+            <a:spAutoFit/>
+          </a:bodyPr>
+          <a:lstStyle/>
+          <a:p>
+            <a:r>
+              <a:rPr lang="en-GB" sz="2800" dirty="0" smtClean="0"/>
+              <a:t>Who unfortunately could not make it.</a:t>
+            </a:r>
+            <a:endParaRPr lang="en-GB" sz="2800" dirty="0"/>
           </a:p>
         </p:txBody>
       </p:sp>
@@ -3553,9 +8013,1176 @@
   <p:timing>
     <p:tnLst>
       <p:par>
-        <p:cTn id="1" dur="indefinite" restart="never" nodeType="tmRoot"/>
+        <p:cTn id="1" dur="indefinite" restart="never" nodeType="tmRoot">
+          <p:childTnLst>
+            <p:seq concurrent="1" nextAc="seek">
+              <p:cTn id="2" dur="indefinite" nodeType="mainSeq">
+                <p:childTnLst>
+                  <p:par>
+                    <p:cTn id="3" fill="hold">
+                      <p:stCondLst>
+                        <p:cond delay="indefinite"/>
+                      </p:stCondLst>
+                      <p:childTnLst>
+                        <p:par>
+                          <p:cTn id="4" fill="hold">
+                            <p:stCondLst>
+                              <p:cond delay="0"/>
+                            </p:stCondLst>
+                            <p:childTnLst>
+                              <p:par>
+                                <p:cTn id="5" presetID="26" presetClass="entr" presetSubtype="0" fill="hold" grpId="0" nodeType="clickEffect">
+                                  <p:stCondLst>
+                                    <p:cond delay="0"/>
+                                  </p:stCondLst>
+                                  <p:childTnLst>
+                                    <p:set>
+                                      <p:cBhvr>
+                                        <p:cTn id="6" dur="1" fill="hold">
+                                          <p:stCondLst>
+                                            <p:cond delay="0"/>
+                                          </p:stCondLst>
+                                        </p:cTn>
+                                        <p:tgtEl>
+                                          <p:spTgt spid="3">
+                                            <p:txEl>
+                                              <p:pRg st="0" end="0"/>
+                                            </p:txEl>
+                                          </p:spTgt>
+                                        </p:tgtEl>
+                                        <p:attrNameLst>
+                                          <p:attrName>style.visibility</p:attrName>
+                                        </p:attrNameLst>
+                                      </p:cBhvr>
+                                      <p:to>
+                                        <p:strVal val="visible"/>
+                                      </p:to>
+                                    </p:set>
+                                    <p:animEffect transition="in" filter="wipe(down)">
+                                      <p:cBhvr>
+                                        <p:cTn id="7" dur="580">
+                                          <p:stCondLst>
+                                            <p:cond delay="0"/>
+                                          </p:stCondLst>
+                                        </p:cTn>
+                                        <p:tgtEl>
+                                          <p:spTgt spid="3">
+                                            <p:txEl>
+                                              <p:pRg st="0" end="0"/>
+                                            </p:txEl>
+                                          </p:spTgt>
+                                        </p:tgtEl>
+                                      </p:cBhvr>
+                                    </p:animEffect>
+                                    <p:anim calcmode="lin" valueType="num">
+                                      <p:cBhvr>
+                                        <p:cTn id="8" dur="1822" tmFilter="0,0; 0.14,0.36; 0.43,0.73; 0.71,0.91; 1.0,1.0">
+                                          <p:stCondLst>
+                                            <p:cond delay="0"/>
+                                          </p:stCondLst>
+                                        </p:cTn>
+                                        <p:tgtEl>
+                                          <p:spTgt spid="3">
+                                            <p:txEl>
+                                              <p:pRg st="0" end="0"/>
+                                            </p:txEl>
+                                          </p:spTgt>
+                                        </p:tgtEl>
+                                        <p:attrNameLst>
+                                          <p:attrName>ppt_x</p:attrName>
+                                        </p:attrNameLst>
+                                      </p:cBhvr>
+                                      <p:tavLst>
+                                        <p:tav tm="0">
+                                          <p:val>
+                                            <p:strVal val="#ppt_x-0.25"/>
+                                          </p:val>
+                                        </p:tav>
+                                        <p:tav tm="100000">
+                                          <p:val>
+                                            <p:strVal val="#ppt_x"/>
+                                          </p:val>
+                                        </p:tav>
+                                      </p:tavLst>
+                                    </p:anim>
+                                    <p:anim calcmode="lin" valueType="num">
+                                      <p:cBhvr>
+                                        <p:cTn id="9" dur="664" tmFilter="0.0,0.0; 0.25,0.07; 0.50,0.2; 0.75,0.467; 1.0,1.0">
+                                          <p:stCondLst>
+                                            <p:cond delay="0"/>
+                                          </p:stCondLst>
+                                        </p:cTn>
+                                        <p:tgtEl>
+                                          <p:spTgt spid="3">
+                                            <p:txEl>
+                                              <p:pRg st="0" end="0"/>
+                                            </p:txEl>
+                                          </p:spTgt>
+                                        </p:tgtEl>
+                                        <p:attrNameLst>
+                                          <p:attrName>ppt_y</p:attrName>
+                                        </p:attrNameLst>
+                                      </p:cBhvr>
+                                      <p:tavLst>
+                                        <p:tav tm="0" fmla="#ppt_y-sin(pi*$)/3">
+                                          <p:val>
+                                            <p:fltVal val="0.5"/>
+                                          </p:val>
+                                        </p:tav>
+                                        <p:tav tm="100000">
+                                          <p:val>
+                                            <p:fltVal val="1"/>
+                                          </p:val>
+                                        </p:tav>
+                                      </p:tavLst>
+                                    </p:anim>
+                                    <p:anim calcmode="lin" valueType="num">
+                                      <p:cBhvr>
+                                        <p:cTn id="10" dur="664" tmFilter="0, 0; 0.125,0.2665; 0.25,0.4; 0.375,0.465; 0.5,0.5;  0.625,0.535; 0.75,0.6; 0.875,0.7335; 1,1">
+                                          <p:stCondLst>
+                                            <p:cond delay="664"/>
+                                          </p:stCondLst>
+                                        </p:cTn>
+                                        <p:tgtEl>
+                                          <p:spTgt spid="3">
+                                            <p:txEl>
+                                              <p:pRg st="0" end="0"/>
+                                            </p:txEl>
+                                          </p:spTgt>
+                                        </p:tgtEl>
+                                        <p:attrNameLst>
+                                          <p:attrName>ppt_y</p:attrName>
+                                        </p:attrNameLst>
+                                      </p:cBhvr>
+                                      <p:tavLst>
+                                        <p:tav tm="0" fmla="#ppt_y-sin(pi*$)/9">
+                                          <p:val>
+                                            <p:fltVal val="0"/>
+                                          </p:val>
+                                        </p:tav>
+                                        <p:tav tm="100000">
+                                          <p:val>
+                                            <p:fltVal val="1"/>
+                                          </p:val>
+                                        </p:tav>
+                                      </p:tavLst>
+                                    </p:anim>
+                                    <p:anim calcmode="lin" valueType="num">
+                                      <p:cBhvr>
+                                        <p:cTn id="11" dur="332" tmFilter="0, 0; 0.125,0.2665; 0.25,0.4; 0.375,0.465; 0.5,0.5;  0.625,0.535; 0.75,0.6; 0.875,0.7335; 1,1">
+                                          <p:stCondLst>
+                                            <p:cond delay="1324"/>
+                                          </p:stCondLst>
+                                        </p:cTn>
+                                        <p:tgtEl>
+                                          <p:spTgt spid="3">
+                                            <p:txEl>
+                                              <p:pRg st="0" end="0"/>
+                                            </p:txEl>
+                                          </p:spTgt>
+                                        </p:tgtEl>
+                                        <p:attrNameLst>
+                                          <p:attrName>ppt_y</p:attrName>
+                                        </p:attrNameLst>
+                                      </p:cBhvr>
+                                      <p:tavLst>
+                                        <p:tav tm="0" fmla="#ppt_y-sin(pi*$)/27">
+                                          <p:val>
+                                            <p:fltVal val="0"/>
+                                          </p:val>
+                                        </p:tav>
+                                        <p:tav tm="100000">
+                                          <p:val>
+                                            <p:fltVal val="1"/>
+                                          </p:val>
+                                        </p:tav>
+                                      </p:tavLst>
+                                    </p:anim>
+                                    <p:anim calcmode="lin" valueType="num">
+                                      <p:cBhvr>
+                                        <p:cTn id="12" dur="164" tmFilter="0, 0; 0.125,0.2665; 0.25,0.4; 0.375,0.465; 0.5,0.5;  0.625,0.535; 0.75,0.6; 0.875,0.7335; 1,1">
+                                          <p:stCondLst>
+                                            <p:cond delay="1656"/>
+                                          </p:stCondLst>
+                                        </p:cTn>
+                                        <p:tgtEl>
+                                          <p:spTgt spid="3">
+                                            <p:txEl>
+                                              <p:pRg st="0" end="0"/>
+                                            </p:txEl>
+                                          </p:spTgt>
+                                        </p:tgtEl>
+                                        <p:attrNameLst>
+                                          <p:attrName>ppt_y</p:attrName>
+                                        </p:attrNameLst>
+                                      </p:cBhvr>
+                                      <p:tavLst>
+                                        <p:tav tm="0" fmla="#ppt_y-sin(pi*$)/81">
+                                          <p:val>
+                                            <p:fltVal val="0"/>
+                                          </p:val>
+                                        </p:tav>
+                                        <p:tav tm="100000">
+                                          <p:val>
+                                            <p:fltVal val="1"/>
+                                          </p:val>
+                                        </p:tav>
+                                      </p:tavLst>
+                                    </p:anim>
+                                    <p:animScale>
+                                      <p:cBhvr>
+                                        <p:cTn id="13" dur="26">
+                                          <p:stCondLst>
+                                            <p:cond delay="650"/>
+                                          </p:stCondLst>
+                                        </p:cTn>
+                                        <p:tgtEl>
+                                          <p:spTgt spid="3">
+                                            <p:txEl>
+                                              <p:pRg st="0" end="0"/>
+                                            </p:txEl>
+                                          </p:spTgt>
+                                        </p:tgtEl>
+                                      </p:cBhvr>
+                                      <p:to x="100000" y="60000"/>
+                                    </p:animScale>
+                                    <p:animScale>
+                                      <p:cBhvr>
+                                        <p:cTn id="14" dur="166" decel="50000">
+                                          <p:stCondLst>
+                                            <p:cond delay="676"/>
+                                          </p:stCondLst>
+                                        </p:cTn>
+                                        <p:tgtEl>
+                                          <p:spTgt spid="3">
+                                            <p:txEl>
+                                              <p:pRg st="0" end="0"/>
+                                            </p:txEl>
+                                          </p:spTgt>
+                                        </p:tgtEl>
+                                      </p:cBhvr>
+                                      <p:to x="100000" y="100000"/>
+                                    </p:animScale>
+                                    <p:animScale>
+                                      <p:cBhvr>
+                                        <p:cTn id="15" dur="26">
+                                          <p:stCondLst>
+                                            <p:cond delay="1312"/>
+                                          </p:stCondLst>
+                                        </p:cTn>
+                                        <p:tgtEl>
+                                          <p:spTgt spid="3">
+                                            <p:txEl>
+                                              <p:pRg st="0" end="0"/>
+                                            </p:txEl>
+                                          </p:spTgt>
+                                        </p:tgtEl>
+                                      </p:cBhvr>
+                                      <p:to x="100000" y="80000"/>
+                                    </p:animScale>
+                                    <p:animScale>
+                                      <p:cBhvr>
+                                        <p:cTn id="16" dur="166" decel="50000">
+                                          <p:stCondLst>
+                                            <p:cond delay="1338"/>
+                                          </p:stCondLst>
+                                        </p:cTn>
+                                        <p:tgtEl>
+                                          <p:spTgt spid="3">
+                                            <p:txEl>
+                                              <p:pRg st="0" end="0"/>
+                                            </p:txEl>
+                                          </p:spTgt>
+                                        </p:tgtEl>
+                                      </p:cBhvr>
+                                      <p:to x="100000" y="100000"/>
+                                    </p:animScale>
+                                    <p:animScale>
+                                      <p:cBhvr>
+                                        <p:cTn id="17" dur="26">
+                                          <p:stCondLst>
+                                            <p:cond delay="1642"/>
+                                          </p:stCondLst>
+                                        </p:cTn>
+                                        <p:tgtEl>
+                                          <p:spTgt spid="3">
+                                            <p:txEl>
+                                              <p:pRg st="0" end="0"/>
+                                            </p:txEl>
+                                          </p:spTgt>
+                                        </p:tgtEl>
+                                      </p:cBhvr>
+                                      <p:to x="100000" y="90000"/>
+                                    </p:animScale>
+                                    <p:animScale>
+                                      <p:cBhvr>
+                                        <p:cTn id="18" dur="166" decel="50000">
+                                          <p:stCondLst>
+                                            <p:cond delay="1668"/>
+                                          </p:stCondLst>
+                                        </p:cTn>
+                                        <p:tgtEl>
+                                          <p:spTgt spid="3">
+                                            <p:txEl>
+                                              <p:pRg st="0" end="0"/>
+                                            </p:txEl>
+                                          </p:spTgt>
+                                        </p:tgtEl>
+                                      </p:cBhvr>
+                                      <p:to x="100000" y="100000"/>
+                                    </p:animScale>
+                                    <p:animScale>
+                                      <p:cBhvr>
+                                        <p:cTn id="19" dur="26">
+                                          <p:stCondLst>
+                                            <p:cond delay="1808"/>
+                                          </p:stCondLst>
+                                        </p:cTn>
+                                        <p:tgtEl>
+                                          <p:spTgt spid="3">
+                                            <p:txEl>
+                                              <p:pRg st="0" end="0"/>
+                                            </p:txEl>
+                                          </p:spTgt>
+                                        </p:tgtEl>
+                                      </p:cBhvr>
+                                      <p:to x="100000" y="95000"/>
+                                    </p:animScale>
+                                    <p:animScale>
+                                      <p:cBhvr>
+                                        <p:cTn id="20" dur="166" decel="50000">
+                                          <p:stCondLst>
+                                            <p:cond delay="1834"/>
+                                          </p:stCondLst>
+                                        </p:cTn>
+                                        <p:tgtEl>
+                                          <p:spTgt spid="3">
+                                            <p:txEl>
+                                              <p:pRg st="0" end="0"/>
+                                            </p:txEl>
+                                          </p:spTgt>
+                                        </p:tgtEl>
+                                      </p:cBhvr>
+                                      <p:to x="100000" y="100000"/>
+                                    </p:animScale>
+                                  </p:childTnLst>
+                                </p:cTn>
+                              </p:par>
+                            </p:childTnLst>
+                          </p:cTn>
+                        </p:par>
+                      </p:childTnLst>
+                    </p:cTn>
+                  </p:par>
+                  <p:par>
+                    <p:cTn id="21" fill="hold">
+                      <p:stCondLst>
+                        <p:cond delay="indefinite"/>
+                      </p:stCondLst>
+                      <p:childTnLst>
+                        <p:par>
+                          <p:cTn id="22" fill="hold">
+                            <p:stCondLst>
+                              <p:cond delay="0"/>
+                            </p:stCondLst>
+                            <p:childTnLst>
+                              <p:par>
+                                <p:cTn id="23" presetID="26" presetClass="entr" presetSubtype="0" fill="hold" grpId="0" nodeType="clickEffect">
+                                  <p:stCondLst>
+                                    <p:cond delay="0"/>
+                                  </p:stCondLst>
+                                  <p:childTnLst>
+                                    <p:set>
+                                      <p:cBhvr>
+                                        <p:cTn id="24" dur="1" fill="hold">
+                                          <p:stCondLst>
+                                            <p:cond delay="0"/>
+                                          </p:stCondLst>
+                                        </p:cTn>
+                                        <p:tgtEl>
+                                          <p:spTgt spid="3">
+                                            <p:txEl>
+                                              <p:pRg st="1" end="1"/>
+                                            </p:txEl>
+                                          </p:spTgt>
+                                        </p:tgtEl>
+                                        <p:attrNameLst>
+                                          <p:attrName>style.visibility</p:attrName>
+                                        </p:attrNameLst>
+                                      </p:cBhvr>
+                                      <p:to>
+                                        <p:strVal val="visible"/>
+                                      </p:to>
+                                    </p:set>
+                                    <p:animEffect transition="in" filter="wipe(down)">
+                                      <p:cBhvr>
+                                        <p:cTn id="25" dur="580">
+                                          <p:stCondLst>
+                                            <p:cond delay="0"/>
+                                          </p:stCondLst>
+                                        </p:cTn>
+                                        <p:tgtEl>
+                                          <p:spTgt spid="3">
+                                            <p:txEl>
+                                              <p:pRg st="1" end="1"/>
+                                            </p:txEl>
+                                          </p:spTgt>
+                                        </p:tgtEl>
+                                      </p:cBhvr>
+                                    </p:animEffect>
+                                    <p:anim calcmode="lin" valueType="num">
+                                      <p:cBhvr>
+                                        <p:cTn id="26" dur="1822" tmFilter="0,0; 0.14,0.36; 0.43,0.73; 0.71,0.91; 1.0,1.0">
+                                          <p:stCondLst>
+                                            <p:cond delay="0"/>
+                                          </p:stCondLst>
+                                        </p:cTn>
+                                        <p:tgtEl>
+                                          <p:spTgt spid="3">
+                                            <p:txEl>
+                                              <p:pRg st="1" end="1"/>
+                                            </p:txEl>
+                                          </p:spTgt>
+                                        </p:tgtEl>
+                                        <p:attrNameLst>
+                                          <p:attrName>ppt_x</p:attrName>
+                                        </p:attrNameLst>
+                                      </p:cBhvr>
+                                      <p:tavLst>
+                                        <p:tav tm="0">
+                                          <p:val>
+                                            <p:strVal val="#ppt_x-0.25"/>
+                                          </p:val>
+                                        </p:tav>
+                                        <p:tav tm="100000">
+                                          <p:val>
+                                            <p:strVal val="#ppt_x"/>
+                                          </p:val>
+                                        </p:tav>
+                                      </p:tavLst>
+                                    </p:anim>
+                                    <p:anim calcmode="lin" valueType="num">
+                                      <p:cBhvr>
+                                        <p:cTn id="27" dur="664" tmFilter="0.0,0.0; 0.25,0.07; 0.50,0.2; 0.75,0.467; 1.0,1.0">
+                                          <p:stCondLst>
+                                            <p:cond delay="0"/>
+                                          </p:stCondLst>
+                                        </p:cTn>
+                                        <p:tgtEl>
+                                          <p:spTgt spid="3">
+                                            <p:txEl>
+                                              <p:pRg st="1" end="1"/>
+                                            </p:txEl>
+                                          </p:spTgt>
+                                        </p:tgtEl>
+                                        <p:attrNameLst>
+                                          <p:attrName>ppt_y</p:attrName>
+                                        </p:attrNameLst>
+                                      </p:cBhvr>
+                                      <p:tavLst>
+                                        <p:tav tm="0" fmla="#ppt_y-sin(pi*$)/3">
+                                          <p:val>
+                                            <p:fltVal val="0.5"/>
+                                          </p:val>
+                                        </p:tav>
+                                        <p:tav tm="100000">
+                                          <p:val>
+                                            <p:fltVal val="1"/>
+                                          </p:val>
+                                        </p:tav>
+                                      </p:tavLst>
+                                    </p:anim>
+                                    <p:anim calcmode="lin" valueType="num">
+                                      <p:cBhvr>
+                                        <p:cTn id="28" dur="664" tmFilter="0, 0; 0.125,0.2665; 0.25,0.4; 0.375,0.465; 0.5,0.5;  0.625,0.535; 0.75,0.6; 0.875,0.7335; 1,1">
+                                          <p:stCondLst>
+                                            <p:cond delay="664"/>
+                                          </p:stCondLst>
+                                        </p:cTn>
+                                        <p:tgtEl>
+                                          <p:spTgt spid="3">
+                                            <p:txEl>
+                                              <p:pRg st="1" end="1"/>
+                                            </p:txEl>
+                                          </p:spTgt>
+                                        </p:tgtEl>
+                                        <p:attrNameLst>
+                                          <p:attrName>ppt_y</p:attrName>
+                                        </p:attrNameLst>
+                                      </p:cBhvr>
+                                      <p:tavLst>
+                                        <p:tav tm="0" fmla="#ppt_y-sin(pi*$)/9">
+                                          <p:val>
+                                            <p:fltVal val="0"/>
+                                          </p:val>
+                                        </p:tav>
+                                        <p:tav tm="100000">
+                                          <p:val>
+                                            <p:fltVal val="1"/>
+                                          </p:val>
+                                        </p:tav>
+                                      </p:tavLst>
+                                    </p:anim>
+                                    <p:anim calcmode="lin" valueType="num">
+                                      <p:cBhvr>
+                                        <p:cTn id="29" dur="332" tmFilter="0, 0; 0.125,0.2665; 0.25,0.4; 0.375,0.465; 0.5,0.5;  0.625,0.535; 0.75,0.6; 0.875,0.7335; 1,1">
+                                          <p:stCondLst>
+                                            <p:cond delay="1324"/>
+                                          </p:stCondLst>
+                                        </p:cTn>
+                                        <p:tgtEl>
+                                          <p:spTgt spid="3">
+                                            <p:txEl>
+                                              <p:pRg st="1" end="1"/>
+                                            </p:txEl>
+                                          </p:spTgt>
+                                        </p:tgtEl>
+                                        <p:attrNameLst>
+                                          <p:attrName>ppt_y</p:attrName>
+                                        </p:attrNameLst>
+                                      </p:cBhvr>
+                                      <p:tavLst>
+                                        <p:tav tm="0" fmla="#ppt_y-sin(pi*$)/27">
+                                          <p:val>
+                                            <p:fltVal val="0"/>
+                                          </p:val>
+                                        </p:tav>
+                                        <p:tav tm="100000">
+                                          <p:val>
+                                            <p:fltVal val="1"/>
+                                          </p:val>
+                                        </p:tav>
+                                      </p:tavLst>
+                                    </p:anim>
+                                    <p:anim calcmode="lin" valueType="num">
+                                      <p:cBhvr>
+                                        <p:cTn id="30" dur="164" tmFilter="0, 0; 0.125,0.2665; 0.25,0.4; 0.375,0.465; 0.5,0.5;  0.625,0.535; 0.75,0.6; 0.875,0.7335; 1,1">
+                                          <p:stCondLst>
+                                            <p:cond delay="1656"/>
+                                          </p:stCondLst>
+                                        </p:cTn>
+                                        <p:tgtEl>
+                                          <p:spTgt spid="3">
+                                            <p:txEl>
+                                              <p:pRg st="1" end="1"/>
+                                            </p:txEl>
+                                          </p:spTgt>
+                                        </p:tgtEl>
+                                        <p:attrNameLst>
+                                          <p:attrName>ppt_y</p:attrName>
+                                        </p:attrNameLst>
+                                      </p:cBhvr>
+                                      <p:tavLst>
+                                        <p:tav tm="0" fmla="#ppt_y-sin(pi*$)/81">
+                                          <p:val>
+                                            <p:fltVal val="0"/>
+                                          </p:val>
+                                        </p:tav>
+                                        <p:tav tm="100000">
+                                          <p:val>
+                                            <p:fltVal val="1"/>
+                                          </p:val>
+                                        </p:tav>
+                                      </p:tavLst>
+                                    </p:anim>
+                                    <p:animScale>
+                                      <p:cBhvr>
+                                        <p:cTn id="31" dur="26">
+                                          <p:stCondLst>
+                                            <p:cond delay="650"/>
+                                          </p:stCondLst>
+                                        </p:cTn>
+                                        <p:tgtEl>
+                                          <p:spTgt spid="3">
+                                            <p:txEl>
+                                              <p:pRg st="1" end="1"/>
+                                            </p:txEl>
+                                          </p:spTgt>
+                                        </p:tgtEl>
+                                      </p:cBhvr>
+                                      <p:to x="100000" y="60000"/>
+                                    </p:animScale>
+                                    <p:animScale>
+                                      <p:cBhvr>
+                                        <p:cTn id="32" dur="166" decel="50000">
+                                          <p:stCondLst>
+                                            <p:cond delay="676"/>
+                                          </p:stCondLst>
+                                        </p:cTn>
+                                        <p:tgtEl>
+                                          <p:spTgt spid="3">
+                                            <p:txEl>
+                                              <p:pRg st="1" end="1"/>
+                                            </p:txEl>
+                                          </p:spTgt>
+                                        </p:tgtEl>
+                                      </p:cBhvr>
+                                      <p:to x="100000" y="100000"/>
+                                    </p:animScale>
+                                    <p:animScale>
+                                      <p:cBhvr>
+                                        <p:cTn id="33" dur="26">
+                                          <p:stCondLst>
+                                            <p:cond delay="1312"/>
+                                          </p:stCondLst>
+                                        </p:cTn>
+                                        <p:tgtEl>
+                                          <p:spTgt spid="3">
+                                            <p:txEl>
+                                              <p:pRg st="1" end="1"/>
+                                            </p:txEl>
+                                          </p:spTgt>
+                                        </p:tgtEl>
+                                      </p:cBhvr>
+                                      <p:to x="100000" y="80000"/>
+                                    </p:animScale>
+                                    <p:animScale>
+                                      <p:cBhvr>
+                                        <p:cTn id="34" dur="166" decel="50000">
+                                          <p:stCondLst>
+                                            <p:cond delay="1338"/>
+                                          </p:stCondLst>
+                                        </p:cTn>
+                                        <p:tgtEl>
+                                          <p:spTgt spid="3">
+                                            <p:txEl>
+                                              <p:pRg st="1" end="1"/>
+                                            </p:txEl>
+                                          </p:spTgt>
+                                        </p:tgtEl>
+                                      </p:cBhvr>
+                                      <p:to x="100000" y="100000"/>
+                                    </p:animScale>
+                                    <p:animScale>
+                                      <p:cBhvr>
+                                        <p:cTn id="35" dur="26">
+                                          <p:stCondLst>
+                                            <p:cond delay="1642"/>
+                                          </p:stCondLst>
+                                        </p:cTn>
+                                        <p:tgtEl>
+                                          <p:spTgt spid="3">
+                                            <p:txEl>
+                                              <p:pRg st="1" end="1"/>
+                                            </p:txEl>
+                                          </p:spTgt>
+                                        </p:tgtEl>
+                                      </p:cBhvr>
+                                      <p:to x="100000" y="90000"/>
+                                    </p:animScale>
+                                    <p:animScale>
+                                      <p:cBhvr>
+                                        <p:cTn id="36" dur="166" decel="50000">
+                                          <p:stCondLst>
+                                            <p:cond delay="1668"/>
+                                          </p:stCondLst>
+                                        </p:cTn>
+                                        <p:tgtEl>
+                                          <p:spTgt spid="3">
+                                            <p:txEl>
+                                              <p:pRg st="1" end="1"/>
+                                            </p:txEl>
+                                          </p:spTgt>
+                                        </p:tgtEl>
+                                      </p:cBhvr>
+                                      <p:to x="100000" y="100000"/>
+                                    </p:animScale>
+                                    <p:animScale>
+                                      <p:cBhvr>
+                                        <p:cTn id="37" dur="26">
+                                          <p:stCondLst>
+                                            <p:cond delay="1808"/>
+                                          </p:stCondLst>
+                                        </p:cTn>
+                                        <p:tgtEl>
+                                          <p:spTgt spid="3">
+                                            <p:txEl>
+                                              <p:pRg st="1" end="1"/>
+                                            </p:txEl>
+                                          </p:spTgt>
+                                        </p:tgtEl>
+                                      </p:cBhvr>
+                                      <p:to x="100000" y="95000"/>
+                                    </p:animScale>
+                                    <p:animScale>
+                                      <p:cBhvr>
+                                        <p:cTn id="38" dur="166" decel="50000">
+                                          <p:stCondLst>
+                                            <p:cond delay="1834"/>
+                                          </p:stCondLst>
+                                        </p:cTn>
+                                        <p:tgtEl>
+                                          <p:spTgt spid="3">
+                                            <p:txEl>
+                                              <p:pRg st="1" end="1"/>
+                                            </p:txEl>
+                                          </p:spTgt>
+                                        </p:tgtEl>
+                                      </p:cBhvr>
+                                      <p:to x="100000" y="100000"/>
+                                    </p:animScale>
+                                  </p:childTnLst>
+                                </p:cTn>
+                              </p:par>
+                            </p:childTnLst>
+                          </p:cTn>
+                        </p:par>
+                      </p:childTnLst>
+                    </p:cTn>
+                  </p:par>
+                  <p:par>
+                    <p:cTn id="39" fill="hold">
+                      <p:stCondLst>
+                        <p:cond delay="indefinite"/>
+                      </p:stCondLst>
+                      <p:childTnLst>
+                        <p:par>
+                          <p:cTn id="40" fill="hold">
+                            <p:stCondLst>
+                              <p:cond delay="0"/>
+                            </p:stCondLst>
+                            <p:childTnLst>
+                              <p:par>
+                                <p:cTn id="41" presetID="26" presetClass="entr" presetSubtype="0" fill="hold" grpId="0" nodeType="clickEffect">
+                                  <p:stCondLst>
+                                    <p:cond delay="0"/>
+                                  </p:stCondLst>
+                                  <p:childTnLst>
+                                    <p:set>
+                                      <p:cBhvr>
+                                        <p:cTn id="42" dur="1" fill="hold">
+                                          <p:stCondLst>
+                                            <p:cond delay="0"/>
+                                          </p:stCondLst>
+                                        </p:cTn>
+                                        <p:tgtEl>
+                                          <p:spTgt spid="3">
+                                            <p:txEl>
+                                              <p:pRg st="2" end="2"/>
+                                            </p:txEl>
+                                          </p:spTgt>
+                                        </p:tgtEl>
+                                        <p:attrNameLst>
+                                          <p:attrName>style.visibility</p:attrName>
+                                        </p:attrNameLst>
+                                      </p:cBhvr>
+                                      <p:to>
+                                        <p:strVal val="visible"/>
+                                      </p:to>
+                                    </p:set>
+                                    <p:animEffect transition="in" filter="wipe(down)">
+                                      <p:cBhvr>
+                                        <p:cTn id="43" dur="580">
+                                          <p:stCondLst>
+                                            <p:cond delay="0"/>
+                                          </p:stCondLst>
+                                        </p:cTn>
+                                        <p:tgtEl>
+                                          <p:spTgt spid="3">
+                                            <p:txEl>
+                                              <p:pRg st="2" end="2"/>
+                                            </p:txEl>
+                                          </p:spTgt>
+                                        </p:tgtEl>
+                                      </p:cBhvr>
+                                    </p:animEffect>
+                                    <p:anim calcmode="lin" valueType="num">
+                                      <p:cBhvr>
+                                        <p:cTn id="44" dur="1822" tmFilter="0,0; 0.14,0.36; 0.43,0.73; 0.71,0.91; 1.0,1.0">
+                                          <p:stCondLst>
+                                            <p:cond delay="0"/>
+                                          </p:stCondLst>
+                                        </p:cTn>
+                                        <p:tgtEl>
+                                          <p:spTgt spid="3">
+                                            <p:txEl>
+                                              <p:pRg st="2" end="2"/>
+                                            </p:txEl>
+                                          </p:spTgt>
+                                        </p:tgtEl>
+                                        <p:attrNameLst>
+                                          <p:attrName>ppt_x</p:attrName>
+                                        </p:attrNameLst>
+                                      </p:cBhvr>
+                                      <p:tavLst>
+                                        <p:tav tm="0">
+                                          <p:val>
+                                            <p:strVal val="#ppt_x-0.25"/>
+                                          </p:val>
+                                        </p:tav>
+                                        <p:tav tm="100000">
+                                          <p:val>
+                                            <p:strVal val="#ppt_x"/>
+                                          </p:val>
+                                        </p:tav>
+                                      </p:tavLst>
+                                    </p:anim>
+                                    <p:anim calcmode="lin" valueType="num">
+                                      <p:cBhvr>
+                                        <p:cTn id="45" dur="664" tmFilter="0.0,0.0; 0.25,0.07; 0.50,0.2; 0.75,0.467; 1.0,1.0">
+                                          <p:stCondLst>
+                                            <p:cond delay="0"/>
+                                          </p:stCondLst>
+                                        </p:cTn>
+                                        <p:tgtEl>
+                                          <p:spTgt spid="3">
+                                            <p:txEl>
+                                              <p:pRg st="2" end="2"/>
+                                            </p:txEl>
+                                          </p:spTgt>
+                                        </p:tgtEl>
+                                        <p:attrNameLst>
+                                          <p:attrName>ppt_y</p:attrName>
+                                        </p:attrNameLst>
+                                      </p:cBhvr>
+                                      <p:tavLst>
+                                        <p:tav tm="0" fmla="#ppt_y-sin(pi*$)/3">
+                                          <p:val>
+                                            <p:fltVal val="0.5"/>
+                                          </p:val>
+                                        </p:tav>
+                                        <p:tav tm="100000">
+                                          <p:val>
+                                            <p:fltVal val="1"/>
+                                          </p:val>
+                                        </p:tav>
+                                      </p:tavLst>
+                                    </p:anim>
+                                    <p:anim calcmode="lin" valueType="num">
+                                      <p:cBhvr>
+                                        <p:cTn id="46" dur="664" tmFilter="0, 0; 0.125,0.2665; 0.25,0.4; 0.375,0.465; 0.5,0.5;  0.625,0.535; 0.75,0.6; 0.875,0.7335; 1,1">
+                                          <p:stCondLst>
+                                            <p:cond delay="664"/>
+                                          </p:stCondLst>
+                                        </p:cTn>
+                                        <p:tgtEl>
+                                          <p:spTgt spid="3">
+                                            <p:txEl>
+                                              <p:pRg st="2" end="2"/>
+                                            </p:txEl>
+                                          </p:spTgt>
+                                        </p:tgtEl>
+                                        <p:attrNameLst>
+                                          <p:attrName>ppt_y</p:attrName>
+                                        </p:attrNameLst>
+                                      </p:cBhvr>
+                                      <p:tavLst>
+                                        <p:tav tm="0" fmla="#ppt_y-sin(pi*$)/9">
+                                          <p:val>
+                                            <p:fltVal val="0"/>
+                                          </p:val>
+                                        </p:tav>
+                                        <p:tav tm="100000">
+                                          <p:val>
+                                            <p:fltVal val="1"/>
+                                          </p:val>
+                                        </p:tav>
+                                      </p:tavLst>
+                                    </p:anim>
+                                    <p:anim calcmode="lin" valueType="num">
+                                      <p:cBhvr>
+                                        <p:cTn id="47" dur="332" tmFilter="0, 0; 0.125,0.2665; 0.25,0.4; 0.375,0.465; 0.5,0.5;  0.625,0.535; 0.75,0.6; 0.875,0.7335; 1,1">
+                                          <p:stCondLst>
+                                            <p:cond delay="1324"/>
+                                          </p:stCondLst>
+                                        </p:cTn>
+                                        <p:tgtEl>
+                                          <p:spTgt spid="3">
+                                            <p:txEl>
+                                              <p:pRg st="2" end="2"/>
+                                            </p:txEl>
+                                          </p:spTgt>
+                                        </p:tgtEl>
+                                        <p:attrNameLst>
+                                          <p:attrName>ppt_y</p:attrName>
+                                        </p:attrNameLst>
+                                      </p:cBhvr>
+                                      <p:tavLst>
+                                        <p:tav tm="0" fmla="#ppt_y-sin(pi*$)/27">
+                                          <p:val>
+                                            <p:fltVal val="0"/>
+                                          </p:val>
+                                        </p:tav>
+                                        <p:tav tm="100000">
+                                          <p:val>
+                                            <p:fltVal val="1"/>
+                                          </p:val>
+                                        </p:tav>
+                                      </p:tavLst>
+                                    </p:anim>
+                                    <p:anim calcmode="lin" valueType="num">
+                                      <p:cBhvr>
+                                        <p:cTn id="48" dur="164" tmFilter="0, 0; 0.125,0.2665; 0.25,0.4; 0.375,0.465; 0.5,0.5;  0.625,0.535; 0.75,0.6; 0.875,0.7335; 1,1">
+                                          <p:stCondLst>
+                                            <p:cond delay="1656"/>
+                                          </p:stCondLst>
+                                        </p:cTn>
+                                        <p:tgtEl>
+                                          <p:spTgt spid="3">
+                                            <p:txEl>
+                                              <p:pRg st="2" end="2"/>
+                                            </p:txEl>
+                                          </p:spTgt>
+                                        </p:tgtEl>
+                                        <p:attrNameLst>
+                                          <p:attrName>ppt_y</p:attrName>
+                                        </p:attrNameLst>
+                                      </p:cBhvr>
+                                      <p:tavLst>
+                                        <p:tav tm="0" fmla="#ppt_y-sin(pi*$)/81">
+                                          <p:val>
+                                            <p:fltVal val="0"/>
+                                          </p:val>
+                                        </p:tav>
+                                        <p:tav tm="100000">
+                                          <p:val>
+                                            <p:fltVal val="1"/>
+                                          </p:val>
+                                        </p:tav>
+                                      </p:tavLst>
+                                    </p:anim>
+                                    <p:animScale>
+                                      <p:cBhvr>
+                                        <p:cTn id="49" dur="26">
+                                          <p:stCondLst>
+                                            <p:cond delay="650"/>
+                                          </p:stCondLst>
+                                        </p:cTn>
+                                        <p:tgtEl>
+                                          <p:spTgt spid="3">
+                                            <p:txEl>
+                                              <p:pRg st="2" end="2"/>
+                                            </p:txEl>
+                                          </p:spTgt>
+                                        </p:tgtEl>
+                                      </p:cBhvr>
+                                      <p:to x="100000" y="60000"/>
+                                    </p:animScale>
+                                    <p:animScale>
+                                      <p:cBhvr>
+                                        <p:cTn id="50" dur="166" decel="50000">
+                                          <p:stCondLst>
+                                            <p:cond delay="676"/>
+                                          </p:stCondLst>
+                                        </p:cTn>
+                                        <p:tgtEl>
+                                          <p:spTgt spid="3">
+                                            <p:txEl>
+                                              <p:pRg st="2" end="2"/>
+                                            </p:txEl>
+                                          </p:spTgt>
+                                        </p:tgtEl>
+                                      </p:cBhvr>
+                                      <p:to x="100000" y="100000"/>
+                                    </p:animScale>
+                                    <p:animScale>
+                                      <p:cBhvr>
+                                        <p:cTn id="51" dur="26">
+                                          <p:stCondLst>
+                                            <p:cond delay="1312"/>
+                                          </p:stCondLst>
+                                        </p:cTn>
+                                        <p:tgtEl>
+                                          <p:spTgt spid="3">
+                                            <p:txEl>
+                                              <p:pRg st="2" end="2"/>
+                                            </p:txEl>
+                                          </p:spTgt>
+                                        </p:tgtEl>
+                                      </p:cBhvr>
+                                      <p:to x="100000" y="80000"/>
+                                    </p:animScale>
+                                    <p:animScale>
+                                      <p:cBhvr>
+                                        <p:cTn id="52" dur="166" decel="50000">
+                                          <p:stCondLst>
+                                            <p:cond delay="1338"/>
+                                          </p:stCondLst>
+                                        </p:cTn>
+                                        <p:tgtEl>
+                                          <p:spTgt spid="3">
+                                            <p:txEl>
+                                              <p:pRg st="2" end="2"/>
+                                            </p:txEl>
+                                          </p:spTgt>
+                                        </p:tgtEl>
+                                      </p:cBhvr>
+                                      <p:to x="100000" y="100000"/>
+                                    </p:animScale>
+                                    <p:animScale>
+                                      <p:cBhvr>
+                                        <p:cTn id="53" dur="26">
+                                          <p:stCondLst>
+                                            <p:cond delay="1642"/>
+                                          </p:stCondLst>
+                                        </p:cTn>
+                                        <p:tgtEl>
+                                          <p:spTgt spid="3">
+                                            <p:txEl>
+                                              <p:pRg st="2" end="2"/>
+                                            </p:txEl>
+                                          </p:spTgt>
+                                        </p:tgtEl>
+                                      </p:cBhvr>
+                                      <p:to x="100000" y="90000"/>
+                                    </p:animScale>
+                                    <p:animScale>
+                                      <p:cBhvr>
+                                        <p:cTn id="54" dur="166" decel="50000">
+                                          <p:stCondLst>
+                                            <p:cond delay="1668"/>
+                                          </p:stCondLst>
+                                        </p:cTn>
+                                        <p:tgtEl>
+                                          <p:spTgt spid="3">
+                                            <p:txEl>
+                                              <p:pRg st="2" end="2"/>
+                                            </p:txEl>
+                                          </p:spTgt>
+                                        </p:tgtEl>
+                                      </p:cBhvr>
+                                      <p:to x="100000" y="100000"/>
+                                    </p:animScale>
+                                    <p:animScale>
+                                      <p:cBhvr>
+                                        <p:cTn id="55" dur="26">
+                                          <p:stCondLst>
+                                            <p:cond delay="1808"/>
+                                          </p:stCondLst>
+                                        </p:cTn>
+                                        <p:tgtEl>
+                                          <p:spTgt spid="3">
+                                            <p:txEl>
+                                              <p:pRg st="2" end="2"/>
+                                            </p:txEl>
+                                          </p:spTgt>
+                                        </p:tgtEl>
+                                      </p:cBhvr>
+                                      <p:to x="100000" y="95000"/>
+                                    </p:animScale>
+                                    <p:animScale>
+                                      <p:cBhvr>
+                                        <p:cTn id="56" dur="166" decel="50000">
+                                          <p:stCondLst>
+                                            <p:cond delay="1834"/>
+                                          </p:stCondLst>
+                                        </p:cTn>
+                                        <p:tgtEl>
+                                          <p:spTgt spid="3">
+                                            <p:txEl>
+                                              <p:pRg st="2" end="2"/>
+                                            </p:txEl>
+                                          </p:spTgt>
+                                        </p:tgtEl>
+                                      </p:cBhvr>
+                                      <p:to x="100000" y="100000"/>
+                                    </p:animScale>
+                                  </p:childTnLst>
+                                </p:cTn>
+                              </p:par>
+                            </p:childTnLst>
+                          </p:cTn>
+                        </p:par>
+                      </p:childTnLst>
+                    </p:cTn>
+                  </p:par>
+                  <p:par>
+                    <p:cTn id="57" fill="hold">
+                      <p:stCondLst>
+                        <p:cond delay="indefinite"/>
+                      </p:stCondLst>
+                      <p:childTnLst>
+                        <p:par>
+                          <p:cTn id="58" fill="hold">
+                            <p:stCondLst>
+                              <p:cond delay="0"/>
+                            </p:stCondLst>
+                            <p:childTnLst>
+                              <p:par>
+                                <p:cTn id="59" presetID="1" presetClass="entr" presetSubtype="0" fill="hold" grpId="0" nodeType="clickEffect">
+                                  <p:stCondLst>
+                                    <p:cond delay="0"/>
+                                  </p:stCondLst>
+                                  <p:childTnLst>
+                                    <p:set>
+                                      <p:cBhvr>
+                                        <p:cTn id="60" dur="1" fill="hold">
+                                          <p:stCondLst>
+                                            <p:cond delay="0"/>
+                                          </p:stCondLst>
+                                        </p:cTn>
+                                        <p:tgtEl>
+                                          <p:spTgt spid="9"/>
+                                        </p:tgtEl>
+                                        <p:attrNameLst>
+                                          <p:attrName>style.visibility</p:attrName>
+                                        </p:attrNameLst>
+                                      </p:cBhvr>
+                                      <p:to>
+                                        <p:strVal val="visible"/>
+                                      </p:to>
+                                    </p:set>
+                                  </p:childTnLst>
+                                </p:cTn>
+                              </p:par>
+                              <p:par>
+                                <p:cTn id="61" presetID="1" presetClass="entr" presetSubtype="0" fill="hold" nodeType="withEffect">
+                                  <p:stCondLst>
+                                    <p:cond delay="0"/>
+                                  </p:stCondLst>
+                                  <p:childTnLst>
+                                    <p:set>
+                                      <p:cBhvr>
+                                        <p:cTn id="62" dur="1" fill="hold">
+                                          <p:stCondLst>
+                                            <p:cond delay="0"/>
+                                          </p:stCondLst>
+                                        </p:cTn>
+                                        <p:tgtEl>
+                                          <p:spTgt spid="1026"/>
+                                        </p:tgtEl>
+                                        <p:attrNameLst>
+                                          <p:attrName>style.visibility</p:attrName>
+                                        </p:attrNameLst>
+                                      </p:cBhvr>
+                                      <p:to>
+                                        <p:strVal val="visible"/>
+                                      </p:to>
+                                    </p:set>
+                                  </p:childTnLst>
+                                </p:cTn>
+                              </p:par>
+                            </p:childTnLst>
+                          </p:cTn>
+                        </p:par>
+                      </p:childTnLst>
+                    </p:cTn>
+                  </p:par>
+                </p:childTnLst>
+              </p:cTn>
+              <p:prevCondLst>
+                <p:cond evt="onPrev" delay="0">
+                  <p:tgtEl>
+                    <p:sldTgt/>
+                  </p:tgtEl>
+                </p:cond>
+              </p:prevCondLst>
+              <p:nextCondLst>
+                <p:cond evt="onNext" delay="0">
+                  <p:tgtEl>
+                    <p:sldTgt/>
+                  </p:tgtEl>
+                </p:cond>
+              </p:nextCondLst>
+            </p:seq>
+          </p:childTnLst>
+        </p:cTn>
       </p:par>
     </p:tnLst>
+    <p:bldLst>
+      <p:bldP spid="3" grpId="0" uiExpand="1" build="p"/>
+      <p:bldP spid="9" grpId="0"/>
+    </p:bldLst>
   </p:timing>
 </p:sld>
 </file>
@@ -3579,12 +9206,40 @@
       </p:grpSpPr>
       <p:sp>
         <p:nvSpPr>
-          <p:cNvPr id="2" name="Title 1"/>
+          <p:cNvPr id="4" name="Title 3"/>
           <p:cNvSpPr>
             <a:spLocks noGrp="1"/>
           </p:cNvSpPr>
           <p:nvPr>
-            <p:ph type="title"/>
+            <p:ph type="ctrTitle"/>
+          </p:nvPr>
+        </p:nvSpPr>
+        <p:spPr>
+          <a:xfrm>
+            <a:off x="1524000" y="-1193800"/>
+            <a:ext cx="9144000" cy="2387600"/>
+          </a:xfrm>
+        </p:spPr>
+        <p:txBody>
+          <a:bodyPr/>
+          <a:lstStyle/>
+          <a:p>
+            <a:r>
+              <a:rPr lang="en-GB" dirty="0" smtClean="0"/>
+              <a:t>Are you a daredevil?</a:t>
+            </a:r>
+            <a:endParaRPr lang="en-GB" dirty="0"/>
+          </a:p>
+        </p:txBody>
+      </p:sp>
+      <p:sp>
+        <p:nvSpPr>
+          <p:cNvPr id="5" name="Subtitle 4"/>
+          <p:cNvSpPr>
+            <a:spLocks noGrp="1"/>
+          </p:cNvSpPr>
+          <p:nvPr>
+            <p:ph type="subTitle" idx="1"/>
           </p:nvPr>
         </p:nvSpPr>
         <p:spPr/>
@@ -3592,22 +9247,91 @@
           <a:bodyPr/>
           <a:lstStyle/>
           <a:p>
-            <a:r>
-              <a:rPr lang="en-GB" dirty="0" smtClean="0"/>
-              <a:t>The Idea</a:t>
-            </a:r>
             <a:endParaRPr lang="en-GB" dirty="0"/>
           </a:p>
         </p:txBody>
       </p:sp>
-      <p:sp>
-        <p:nvSpPr>
-          <p:cNvPr id="3" name="Content Placeholder 2"/>
+      <p:pic>
+        <p:nvPicPr>
+          <p:cNvPr id="6" name="Picture 5"/>
+          <p:cNvPicPr>
+            <a:picLocks noChangeAspect="1"/>
+          </p:cNvPicPr>
+          <p:nvPr/>
+        </p:nvPicPr>
+        <p:blipFill>
+          <a:blip r:embed="rId3"/>
+          <a:stretch>
+            <a:fillRect/>
+          </a:stretch>
+        </p:blipFill>
+        <p:spPr>
+          <a:xfrm>
+            <a:off x="2105025" y="1212850"/>
+            <a:ext cx="7981950" cy="5327952"/>
+          </a:xfrm>
+          <a:prstGeom prst="rect">
+            <a:avLst/>
+          </a:prstGeom>
+        </p:spPr>
+      </p:pic>
+    </p:spTree>
+    <p:extLst>
+      <p:ext uri="{BB962C8B-B14F-4D97-AF65-F5344CB8AC3E}">
+        <p14:creationId xmlns:p14="http://schemas.microsoft.com/office/powerpoint/2010/main" val="4119720667"/>
+      </p:ext>
+    </p:extLst>
+  </p:cSld>
+  <p:clrMapOvr>
+    <a:masterClrMapping/>
+  </p:clrMapOvr>
+  <mc:AlternateContent xmlns:mc="http://schemas.openxmlformats.org/markup-compatibility/2006">
+    <mc:Choice xmlns:p14="http://schemas.microsoft.com/office/powerpoint/2010/main" Requires="p14">
+      <p:transition spd="slow" p14:dur="3400">
+        <p14:reveal/>
+      </p:transition>
+    </mc:Choice>
+    <mc:Fallback>
+      <p:transition spd="slow">
+        <p:fade/>
+      </p:transition>
+    </mc:Fallback>
+  </mc:AlternateContent>
+  <p:timing>
+    <p:tnLst>
+      <p:par>
+        <p:cTn id="1" dur="indefinite" restart="never" nodeType="tmRoot"/>
+      </p:par>
+    </p:tnLst>
+  </p:timing>
+</p:sld>
+</file>
+
+<file path=ppt/slides/slide4.xml><?xml version="1.0" encoding="utf-8"?>
+<p:sld xmlns:a="http://schemas.openxmlformats.org/drawingml/2006/main" xmlns:r="http://schemas.openxmlformats.org/officeDocument/2006/relationships" xmlns:p="http://schemas.openxmlformats.org/presentationml/2006/main">
+  <p:cSld>
+    <p:spTree>
+      <p:nvGrpSpPr>
+        <p:cNvPr id="1" name=""/>
+        <p:cNvGrpSpPr/>
+        <p:nvPr/>
+      </p:nvGrpSpPr>
+      <p:grpSpPr>
+        <a:xfrm>
+          <a:off x="0" y="0"/>
+          <a:ext cx="0" cy="0"/>
+          <a:chOff x="0" y="0"/>
+          <a:chExt cx="0" cy="0"/>
+        </a:xfrm>
+      </p:grpSpPr>
+      <p:sp>
+        <p:nvSpPr>
+          <p:cNvPr id="2" name="Title 1"/>
           <p:cNvSpPr>
             <a:spLocks noGrp="1"/>
           </p:cNvSpPr>
           <p:nvPr>
-            <p:ph idx="1"/>
+            <p:ph type="title"/>
           </p:nvPr>
         </p:nvSpPr>
         <p:spPr/>
@@ -3615,17 +9339,668 @@
           <a:bodyPr/>
           <a:lstStyle/>
           <a:p>
+            <a:r>
+              <a:rPr lang="en-GB" dirty="0" smtClean="0"/>
+              <a:t>Introducing Dangercaching:</a:t>
+            </a:r>
+            <a:endParaRPr lang="en-GB" dirty="0"/>
+          </a:p>
+        </p:txBody>
+      </p:sp>
+      <p:sp>
+        <p:nvSpPr>
+          <p:cNvPr id="3" name="Content Placeholder 2"/>
+          <p:cNvSpPr>
+            <a:spLocks noGrp="1"/>
+          </p:cNvSpPr>
+          <p:nvPr>
+            <p:ph idx="1"/>
+          </p:nvPr>
+        </p:nvSpPr>
+        <p:spPr/>
+        <p:txBody>
+          <a:bodyPr/>
+          <a:lstStyle/>
+          <a:p>
             <a:pPr marL="0" indent="0">
               <a:buNone/>
             </a:pPr>
+            <a:r>
+              <a:rPr lang="en-GB" dirty="0" smtClean="0"/>
+              <a:t>A unique twist of geocaching involving visiting highly active areas of crime within the United Kingdom. Raising yourself up the leader-board.</a:t>
+            </a:r>
             <a:endParaRPr lang="en-GB" dirty="0"/>
           </a:p>
         </p:txBody>
       </p:sp>
+      <p:pic>
+        <p:nvPicPr>
+          <p:cNvPr id="4" name="Picture 3"/>
+          <p:cNvPicPr>
+            <a:picLocks noChangeAspect="1"/>
+          </p:cNvPicPr>
+          <p:nvPr/>
+        </p:nvPicPr>
+        <p:blipFill rotWithShape="1">
+          <a:blip r:embed="rId3">
+            <a:extLst>
+              <a:ext uri="{28A0092B-C50C-407E-A947-70E740481C1C}">
+                <a14:useLocalDpi xmlns:a14="http://schemas.microsoft.com/office/drawing/2010/main" val="0"/>
+              </a:ext>
+            </a:extLst>
+          </a:blip>
+          <a:srcRect l="16133" r="19591"/>
+          <a:stretch/>
+        </p:blipFill>
+        <p:spPr>
+          <a:xfrm>
+            <a:off x="4060660" y="2919413"/>
+            <a:ext cx="4070679" cy="3562350"/>
+          </a:xfrm>
+          <a:prstGeom prst="rect">
+            <a:avLst/>
+          </a:prstGeom>
+        </p:spPr>
+      </p:pic>
     </p:spTree>
     <p:extLst>
       <p:ext uri="{BB962C8B-B14F-4D97-AF65-F5344CB8AC3E}">
         <p14:creationId xmlns:p14="http://schemas.microsoft.com/office/powerpoint/2010/main" val="739388476"/>
+      </p:ext>
+    </p:extLst>
+  </p:cSld>
+  <p:clrMapOvr>
+    <a:masterClrMapping/>
+  </p:clrMapOvr>
+  <p:timing>
+    <p:tnLst>
+      <p:par>
+        <p:cTn id="1" dur="indefinite" restart="never" nodeType="tmRoot"/>
+      </p:par>
+    </p:tnLst>
+  </p:timing>
+</p:sld>
+</file>
+
+<file path=ppt/slides/slide5.xml><?xml version="1.0" encoding="utf-8"?>
+<p:sld xmlns:a="http://schemas.openxmlformats.org/drawingml/2006/main" xmlns:r="http://schemas.openxmlformats.org/officeDocument/2006/relationships" xmlns:p="http://schemas.openxmlformats.org/presentationml/2006/main">
+  <p:cSld>
+    <p:spTree>
+      <p:nvGrpSpPr>
+        <p:cNvPr id="1" name=""/>
+        <p:cNvGrpSpPr/>
+        <p:nvPr/>
+      </p:nvGrpSpPr>
+      <p:grpSpPr>
+        <a:xfrm>
+          <a:off x="0" y="0"/>
+          <a:ext cx="0" cy="0"/>
+          <a:chOff x="0" y="0"/>
+          <a:chExt cx="0" cy="0"/>
+        </a:xfrm>
+      </p:grpSpPr>
+      <p:sp>
+        <p:nvSpPr>
+          <p:cNvPr id="2" name="Title 1"/>
+          <p:cNvSpPr>
+            <a:spLocks noGrp="1"/>
+          </p:cNvSpPr>
+          <p:nvPr>
+            <p:ph type="title"/>
+          </p:nvPr>
+        </p:nvSpPr>
+        <p:spPr/>
+        <p:txBody>
+          <a:bodyPr/>
+          <a:lstStyle/>
+          <a:p>
+            <a:r>
+              <a:rPr lang="en-GB" dirty="0" smtClean="0"/>
+              <a:t>Why we have made this?</a:t>
+            </a:r>
+            <a:endParaRPr lang="en-GB" dirty="0"/>
+          </a:p>
+        </p:txBody>
+      </p:sp>
+      <p:sp>
+        <p:nvSpPr>
+          <p:cNvPr id="3" name="Content Placeholder 2"/>
+          <p:cNvSpPr>
+            <a:spLocks noGrp="1"/>
+          </p:cNvSpPr>
+          <p:nvPr>
+            <p:ph idx="1"/>
+          </p:nvPr>
+        </p:nvSpPr>
+        <p:spPr/>
+        <p:txBody>
+          <a:bodyPr>
+            <a:normAutofit fontScale="92500" lnSpcReduction="20000"/>
+          </a:bodyPr>
+          <a:lstStyle/>
+          <a:p>
+            <a:pPr marL="0" indent="0" algn="ctr">
+              <a:buNone/>
+            </a:pPr>
+            <a:r>
+              <a:rPr lang="en-GB" sz="7200" b="1" dirty="0" smtClean="0"/>
+              <a:t>For our own fun </a:t>
+            </a:r>
+          </a:p>
+          <a:p>
+            <a:pPr marL="0" indent="0" algn="ctr">
+              <a:buNone/>
+            </a:pPr>
+            <a:r>
+              <a:rPr lang="en-GB" sz="5400" b="1" dirty="0" smtClean="0"/>
+              <a:t>Always read the small print</a:t>
+            </a:r>
+            <a:endParaRPr lang="en-GB" sz="5800" b="1" dirty="0" smtClean="0"/>
+          </a:p>
+          <a:p>
+            <a:pPr marL="0" indent="0">
+              <a:buNone/>
+            </a:pPr>
+            <a:endParaRPr lang="en-GB" sz="2000" dirty="0" smtClean="0"/>
+          </a:p>
+          <a:p>
+            <a:pPr marL="0" indent="0">
+              <a:buNone/>
+            </a:pPr>
+            <a:endParaRPr lang="en-GB" sz="2000" dirty="0"/>
+          </a:p>
+          <a:p>
+            <a:pPr marL="0" indent="0">
+              <a:buNone/>
+            </a:pPr>
+            <a:endParaRPr lang="en-GB" sz="2000" dirty="0" smtClean="0"/>
+          </a:p>
+          <a:p>
+            <a:pPr marL="0" indent="0">
+              <a:buNone/>
+            </a:pPr>
+            <a:endParaRPr lang="en-GB" sz="2000" dirty="0"/>
+          </a:p>
+          <a:p>
+            <a:pPr marL="0" indent="0">
+              <a:buNone/>
+            </a:pPr>
+            <a:endParaRPr lang="en-GB" sz="2000" dirty="0" smtClean="0"/>
+          </a:p>
+          <a:p>
+            <a:pPr marL="0" indent="0">
+              <a:buNone/>
+            </a:pPr>
+            <a:endParaRPr lang="en-GB" sz="2000" dirty="0"/>
+          </a:p>
+          <a:p>
+            <a:pPr marL="0" indent="0">
+              <a:buNone/>
+            </a:pPr>
+            <a:endParaRPr lang="en-GB" sz="2000" dirty="0" smtClean="0"/>
+          </a:p>
+          <a:p>
+            <a:pPr marL="0" indent="0">
+              <a:buNone/>
+            </a:pPr>
+            <a:r>
+              <a:rPr lang="en-GB" sz="2000" dirty="0" smtClean="0"/>
+              <a:t>We are not responsible for any injuries/deaths from using our idea.(Use at your own risk)</a:t>
+            </a:r>
+          </a:p>
+        </p:txBody>
+      </p:sp>
+    </p:spTree>
+    <p:extLst>
+      <p:ext uri="{BB962C8B-B14F-4D97-AF65-F5344CB8AC3E}">
+        <p14:creationId xmlns:p14="http://schemas.microsoft.com/office/powerpoint/2010/main" val="3624039013"/>
+      </p:ext>
+    </p:extLst>
+  </p:cSld>
+  <p:clrMapOvr>
+    <a:masterClrMapping/>
+  </p:clrMapOvr>
+  <p:timing>
+    <p:tnLst>
+      <p:par>
+        <p:cTn id="1" dur="indefinite" restart="never" nodeType="tmRoot"/>
+      </p:par>
+    </p:tnLst>
+  </p:timing>
+</p:sld>
+</file>
+
+<file path=ppt/slides/slide6.xml><?xml version="1.0" encoding="utf-8"?>
+<p:sld xmlns:a="http://schemas.openxmlformats.org/drawingml/2006/main" xmlns:r="http://schemas.openxmlformats.org/officeDocument/2006/relationships" xmlns:p="http://schemas.openxmlformats.org/presentationml/2006/main">
+  <p:cSld>
+    <p:spTree>
+      <p:nvGrpSpPr>
+        <p:cNvPr id="1" name=""/>
+        <p:cNvGrpSpPr/>
+        <p:nvPr/>
+      </p:nvGrpSpPr>
+      <p:grpSpPr>
+        <a:xfrm>
+          <a:off x="0" y="0"/>
+          <a:ext cx="0" cy="0"/>
+          <a:chOff x="0" y="0"/>
+          <a:chExt cx="0" cy="0"/>
+        </a:xfrm>
+      </p:grpSpPr>
+      <p:sp>
+        <p:nvSpPr>
+          <p:cNvPr id="2" name="Title 1"/>
+          <p:cNvSpPr>
+            <a:spLocks noGrp="1"/>
+          </p:cNvSpPr>
+          <p:nvPr>
+            <p:ph type="title"/>
+          </p:nvPr>
+        </p:nvSpPr>
+        <p:spPr/>
+        <p:txBody>
+          <a:bodyPr/>
+          <a:lstStyle/>
+          <a:p>
+            <a:r>
+              <a:rPr lang="en-GB" dirty="0" smtClean="0"/>
+              <a:t>What have we utilised </a:t>
+            </a:r>
+            <a:endParaRPr lang="en-GB" dirty="0"/>
+          </a:p>
+        </p:txBody>
+      </p:sp>
+      <p:pic>
+        <p:nvPicPr>
+          <p:cNvPr id="5" name="Picture 4"/>
+          <p:cNvPicPr>
+            <a:picLocks noChangeAspect="1"/>
+          </p:cNvPicPr>
+          <p:nvPr/>
+        </p:nvPicPr>
+        <p:blipFill>
+          <a:blip r:embed="rId3"/>
+          <a:stretch>
+            <a:fillRect/>
+          </a:stretch>
+        </p:blipFill>
+        <p:spPr>
+          <a:xfrm>
+            <a:off x="838200" y="4191000"/>
+            <a:ext cx="2667000" cy="2667000"/>
+          </a:xfrm>
+          <a:prstGeom prst="rect">
+            <a:avLst/>
+          </a:prstGeom>
+        </p:spPr>
+      </p:pic>
+      <p:pic>
+        <p:nvPicPr>
+          <p:cNvPr id="2050" name="Picture 2" descr="http://www.seanhelvey.com/wp-content/uploads/2014/08/html5-css-javascript-logos.png"/>
+          <p:cNvPicPr>
+            <a:picLocks noChangeAspect="1" noChangeArrowheads="1"/>
+          </p:cNvPicPr>
+          <p:nvPr/>
+        </p:nvPicPr>
+        <p:blipFill>
+          <a:blip r:embed="rId4">
+            <a:extLst>
+              <a:ext uri="{28A0092B-C50C-407E-A947-70E740481C1C}">
+                <a14:useLocalDpi xmlns:a14="http://schemas.microsoft.com/office/drawing/2010/main" val="0"/>
+              </a:ext>
+            </a:extLst>
+          </a:blip>
+          <a:srcRect/>
+          <a:stretch>
+            <a:fillRect/>
+          </a:stretch>
+        </p:blipFill>
+        <p:spPr bwMode="auto">
+          <a:xfrm>
+            <a:off x="3505200" y="4322761"/>
+            <a:ext cx="5048250" cy="1924051"/>
+          </a:xfrm>
+          <a:prstGeom prst="rect">
+            <a:avLst/>
+          </a:prstGeom>
+          <a:noFill/>
+          <a:extLst>
+            <a:ext uri="{909E8E84-426E-40DD-AFC4-6F175D3DCCD1}">
+              <a14:hiddenFill xmlns:a14="http://schemas.microsoft.com/office/drawing/2010/main">
+                <a:solidFill>
+                  <a:srgbClr val="FFFFFF"/>
+                </a:solidFill>
+              </a14:hiddenFill>
+            </a:ext>
+          </a:extLst>
+        </p:spPr>
+      </p:pic>
+      <p:pic>
+        <p:nvPicPr>
+          <p:cNvPr id="7" name="Picture 6"/>
+          <p:cNvPicPr>
+            <a:picLocks noChangeAspect="1"/>
+          </p:cNvPicPr>
+          <p:nvPr/>
+        </p:nvPicPr>
+        <p:blipFill>
+          <a:blip r:embed="rId5"/>
+          <a:stretch>
+            <a:fillRect/>
+          </a:stretch>
+        </p:blipFill>
+        <p:spPr>
+          <a:xfrm>
+            <a:off x="8950325" y="4083050"/>
+            <a:ext cx="2403475" cy="2403475"/>
+          </a:xfrm>
+          <a:prstGeom prst="rect">
+            <a:avLst/>
+          </a:prstGeom>
+        </p:spPr>
+      </p:pic>
+      <p:pic>
+        <p:nvPicPr>
+          <p:cNvPr id="8" name="Picture 7"/>
+          <p:cNvPicPr>
+            <a:picLocks noChangeAspect="1"/>
+          </p:cNvPicPr>
+          <p:nvPr/>
+        </p:nvPicPr>
+        <p:blipFill rotWithShape="1">
+          <a:blip r:embed="rId6"/>
+          <a:srcRect l="16471" t="8594" r="67716" b="87063"/>
+          <a:stretch/>
+        </p:blipFill>
+        <p:spPr>
+          <a:xfrm>
+            <a:off x="3475616" y="2577703"/>
+            <a:ext cx="5388984" cy="832247"/>
+          </a:xfrm>
+          <a:prstGeom prst="rect">
+            <a:avLst/>
+          </a:prstGeom>
+        </p:spPr>
+      </p:pic>
+    </p:spTree>
+    <p:extLst>
+      <p:ext uri="{BB962C8B-B14F-4D97-AF65-F5344CB8AC3E}">
+        <p14:creationId xmlns:p14="http://schemas.microsoft.com/office/powerpoint/2010/main" val="3751147363"/>
+      </p:ext>
+    </p:extLst>
+  </p:cSld>
+  <p:clrMapOvr>
+    <a:masterClrMapping/>
+  </p:clrMapOvr>
+  <p:timing>
+    <p:tnLst>
+      <p:par>
+        <p:cTn id="1" dur="indefinite" restart="never" nodeType="tmRoot"/>
+      </p:par>
+    </p:tnLst>
+  </p:timing>
+</p:sld>
+</file>
+
+<file path=ppt/slides/slide7.xml><?xml version="1.0" encoding="utf-8"?>
+<p:sld xmlns:a="http://schemas.openxmlformats.org/drawingml/2006/main" xmlns:r="http://schemas.openxmlformats.org/officeDocument/2006/relationships" xmlns:p="http://schemas.openxmlformats.org/presentationml/2006/main">
+  <p:cSld>
+    <p:spTree>
+      <p:nvGrpSpPr>
+        <p:cNvPr id="1" name=""/>
+        <p:cNvGrpSpPr/>
+        <p:nvPr/>
+      </p:nvGrpSpPr>
+      <p:grpSpPr>
+        <a:xfrm>
+          <a:off x="0" y="0"/>
+          <a:ext cx="0" cy="0"/>
+          <a:chOff x="0" y="0"/>
+          <a:chExt cx="0" cy="0"/>
+        </a:xfrm>
+      </p:grpSpPr>
+      <p:sp>
+        <p:nvSpPr>
+          <p:cNvPr id="2" name="Title 1"/>
+          <p:cNvSpPr>
+            <a:spLocks noGrp="1"/>
+          </p:cNvSpPr>
+          <p:nvPr>
+            <p:ph type="title"/>
+          </p:nvPr>
+        </p:nvSpPr>
+        <p:spPr>
+          <a:xfrm>
+            <a:off x="579783" y="0"/>
+            <a:ext cx="10515600" cy="1325563"/>
+          </a:xfrm>
+        </p:spPr>
+        <p:txBody>
+          <a:bodyPr/>
+          <a:lstStyle/>
+          <a:p>
+            <a:r>
+              <a:rPr lang="en-GB" dirty="0" smtClean="0"/>
+              <a:t>Next Steps</a:t>
+            </a:r>
+            <a:endParaRPr lang="en-GB" dirty="0"/>
+          </a:p>
+        </p:txBody>
+      </p:sp>
+      <p:graphicFrame>
+        <p:nvGraphicFramePr>
+          <p:cNvPr id="7" name="Diagram 6"/>
+          <p:cNvGraphicFramePr/>
+          <p:nvPr>
+            <p:extLst>
+              <p:ext uri="{D42A27DB-BD31-4B8C-83A1-F6EECF244321}">
+                <p14:modId xmlns:p14="http://schemas.microsoft.com/office/powerpoint/2010/main" val="1811370928"/>
+              </p:ext>
+            </p:extLst>
+          </p:nvPr>
+        </p:nvGraphicFramePr>
+        <p:xfrm>
+          <a:off x="1498600" y="719666"/>
+          <a:ext cx="9855200" cy="6138334"/>
+        </p:xfrm>
+        <a:graphic>
+          <a:graphicData uri="http://schemas.openxmlformats.org/drawingml/2006/diagram">
+            <dgm:relIds xmlns:dgm="http://schemas.openxmlformats.org/drawingml/2006/diagram" xmlns:r="http://schemas.openxmlformats.org/officeDocument/2006/relationships" r:dm="rId3" r:lo="rId4" r:qs="rId5" r:cs="rId6"/>
+          </a:graphicData>
+        </a:graphic>
+      </p:graphicFrame>
+    </p:spTree>
+    <p:extLst>
+      <p:ext uri="{BB962C8B-B14F-4D97-AF65-F5344CB8AC3E}">
+        <p14:creationId xmlns:p14="http://schemas.microsoft.com/office/powerpoint/2010/main" val="3141250898"/>
+      </p:ext>
+    </p:extLst>
+  </p:cSld>
+  <p:clrMapOvr>
+    <a:masterClrMapping/>
+  </p:clrMapOvr>
+  <p:timing>
+    <p:tnLst>
+      <p:par>
+        <p:cTn id="1" dur="indefinite" restart="never" nodeType="tmRoot"/>
+      </p:par>
+    </p:tnLst>
+  </p:timing>
+</p:sld>
+</file>
+
+<file path=ppt/slides/slide8.xml><?xml version="1.0" encoding="utf-8"?>
+<p:sld xmlns:a="http://schemas.openxmlformats.org/drawingml/2006/main" xmlns:r="http://schemas.openxmlformats.org/officeDocument/2006/relationships" xmlns:p="http://schemas.openxmlformats.org/presentationml/2006/main">
+  <p:cSld>
+    <p:spTree>
+      <p:nvGrpSpPr>
+        <p:cNvPr id="1" name=""/>
+        <p:cNvGrpSpPr/>
+        <p:nvPr/>
+      </p:nvGrpSpPr>
+      <p:grpSpPr>
+        <a:xfrm>
+          <a:off x="0" y="0"/>
+          <a:ext cx="0" cy="0"/>
+          <a:chOff x="0" y="0"/>
+          <a:chExt cx="0" cy="0"/>
+        </a:xfrm>
+      </p:grpSpPr>
+      <p:pic>
+        <p:nvPicPr>
+          <p:cNvPr id="4" name="Picture 3"/>
+          <p:cNvPicPr>
+            <a:picLocks noChangeAspect="1"/>
+          </p:cNvPicPr>
+          <p:nvPr/>
+        </p:nvPicPr>
+        <p:blipFill>
+          <a:blip r:embed="rId2"/>
+          <a:stretch>
+            <a:fillRect/>
+          </a:stretch>
+        </p:blipFill>
+        <p:spPr>
+          <a:xfrm>
+            <a:off x="180768" y="0"/>
+            <a:ext cx="6180275" cy="3706488"/>
+          </a:xfrm>
+          <a:prstGeom prst="rect">
+            <a:avLst/>
+          </a:prstGeom>
+        </p:spPr>
+      </p:pic>
+      <p:pic>
+        <p:nvPicPr>
+          <p:cNvPr id="5" name="Picture 4"/>
+          <p:cNvPicPr>
+            <a:picLocks noChangeAspect="1"/>
+          </p:cNvPicPr>
+          <p:nvPr/>
+        </p:nvPicPr>
+        <p:blipFill>
+          <a:blip r:embed="rId3"/>
+          <a:stretch>
+            <a:fillRect/>
+          </a:stretch>
+        </p:blipFill>
+        <p:spPr>
+          <a:xfrm>
+            <a:off x="6259546" y="147016"/>
+            <a:ext cx="5932454" cy="3559472"/>
+          </a:xfrm>
+          <a:prstGeom prst="rect">
+            <a:avLst/>
+          </a:prstGeom>
+        </p:spPr>
+      </p:pic>
+      <p:pic>
+        <p:nvPicPr>
+          <p:cNvPr id="7" name="Picture 6"/>
+          <p:cNvPicPr>
+            <a:picLocks noChangeAspect="1"/>
+          </p:cNvPicPr>
+          <p:nvPr/>
+        </p:nvPicPr>
+        <p:blipFill>
+          <a:blip r:embed="rId4"/>
+          <a:stretch>
+            <a:fillRect/>
+          </a:stretch>
+        </p:blipFill>
+        <p:spPr>
+          <a:xfrm>
+            <a:off x="6544965" y="2862470"/>
+            <a:ext cx="5647035" cy="3678415"/>
+          </a:xfrm>
+          <a:prstGeom prst="rect">
+            <a:avLst/>
+          </a:prstGeom>
+        </p:spPr>
+      </p:pic>
+    </p:spTree>
+    <p:extLst>
+      <p:ext uri="{BB962C8B-B14F-4D97-AF65-F5344CB8AC3E}">
+        <p14:creationId xmlns:p14="http://schemas.microsoft.com/office/powerpoint/2010/main" val="1671180229"/>
+      </p:ext>
+    </p:extLst>
+  </p:cSld>
+  <p:clrMapOvr>
+    <a:masterClrMapping/>
+  </p:clrMapOvr>
+  <p:timing>
+    <p:tnLst>
+      <p:par>
+        <p:cTn id="1" dur="indefinite" restart="never" nodeType="tmRoot"/>
+      </p:par>
+    </p:tnLst>
+  </p:timing>
+</p:sld>
+</file>
+
+<file path=ppt/slides/slide9.xml><?xml version="1.0" encoding="utf-8"?>
+<p:sld xmlns:a="http://schemas.openxmlformats.org/drawingml/2006/main" xmlns:r="http://schemas.openxmlformats.org/officeDocument/2006/relationships" xmlns:p="http://schemas.openxmlformats.org/presentationml/2006/main">
+  <p:cSld>
+    <p:spTree>
+      <p:nvGrpSpPr>
+        <p:cNvPr id="1" name=""/>
+        <p:cNvGrpSpPr/>
+        <p:nvPr/>
+      </p:nvGrpSpPr>
+      <p:grpSpPr>
+        <a:xfrm>
+          <a:off x="0" y="0"/>
+          <a:ext cx="0" cy="0"/>
+          <a:chOff x="0" y="0"/>
+          <a:chExt cx="0" cy="0"/>
+        </a:xfrm>
+      </p:grpSpPr>
+      <p:sp>
+        <p:nvSpPr>
+          <p:cNvPr id="4" name="Title 3"/>
+          <p:cNvSpPr>
+            <a:spLocks noGrp="1"/>
+          </p:cNvSpPr>
+          <p:nvPr>
+            <p:ph type="ctrTitle"/>
+          </p:nvPr>
+        </p:nvSpPr>
+        <p:spPr/>
+        <p:txBody>
+          <a:bodyPr/>
+          <a:lstStyle/>
+          <a:p>
+            <a:r>
+              <a:rPr lang="en-GB" dirty="0" smtClean="0"/>
+              <a:t>Thank You for Listening</a:t>
+            </a:r>
+            <a:endParaRPr lang="en-GB" dirty="0"/>
+          </a:p>
+        </p:txBody>
+      </p:sp>
+      <p:sp>
+        <p:nvSpPr>
+          <p:cNvPr id="5" name="Subtitle 4"/>
+          <p:cNvSpPr>
+            <a:spLocks noGrp="1"/>
+          </p:cNvSpPr>
+          <p:nvPr>
+            <p:ph type="subTitle" idx="1"/>
+          </p:nvPr>
+        </p:nvSpPr>
+        <p:spPr/>
+        <p:txBody>
+          <a:bodyPr/>
+          <a:lstStyle/>
+          <a:p>
+            <a:endParaRPr lang="en-GB"/>
+          </a:p>
+        </p:txBody>
+      </p:sp>
+    </p:spTree>
+    <p:extLst>
+      <p:ext uri="{BB962C8B-B14F-4D97-AF65-F5344CB8AC3E}">
+        <p14:creationId xmlns:p14="http://schemas.microsoft.com/office/powerpoint/2010/main" val="3551126519"/>
       </p:ext>
     </p:extLst>
   </p:cSld>
@@ -3901,4 +10276,526 @@
     </a:ext>
   </a:extLst>
 </a:theme>
+</file>
+
+<file path=ppt/theme/theme2.xml><?xml version="1.0" encoding="utf-8"?>
+<a:theme xmlns:a="http://schemas.openxmlformats.org/drawingml/2006/main" name="Office Theme">
+  <a:themeElements>
+    <a:clrScheme name="Office">
+      <a:dk1>
+        <a:sysClr val="windowText" lastClr="000000"/>
+      </a:dk1>
+      <a:lt1>
+        <a:sysClr val="window" lastClr="FFFFFF"/>
+      </a:lt1>
+      <a:dk2>
+        <a:srgbClr val="44546A"/>
+      </a:dk2>
+      <a:lt2>
+        <a:srgbClr val="E7E6E6"/>
+      </a:lt2>
+      <a:accent1>
+        <a:srgbClr val="5B9BD5"/>
+      </a:accent1>
+      <a:accent2>
+        <a:srgbClr val="ED7D31"/>
+      </a:accent2>
+      <a:accent3>
+        <a:srgbClr val="A5A5A5"/>
+      </a:accent3>
+      <a:accent4>
+        <a:srgbClr val="FFC000"/>
+      </a:accent4>
+      <a:accent5>
+        <a:srgbClr val="4472C4"/>
+      </a:accent5>
+      <a:accent6>
+        <a:srgbClr val="70AD47"/>
+      </a:accent6>
+      <a:hlink>
+        <a:srgbClr val="0563C1"/>
+      </a:hlink>
+      <a:folHlink>
+        <a:srgbClr val="954F72"/>
+      </a:folHlink>
+    </a:clrScheme>
+    <a:fontScheme name="Office">
+      <a:majorFont>
+        <a:latin typeface="Calibri Light" panose="020F0302020204030204"/>
+        <a:ea typeface=""/>
+        <a:cs typeface=""/>
+        <a:font script="Jpan" typeface="ＭＳ Ｐゴシック"/>
+        <a:font script="Hang" typeface="맑은 고딕"/>
+        <a:font script="Hans" typeface="宋体"/>
+        <a:font script="Hant" typeface="新細明體"/>
+        <a:font script="Arab" typeface="Times New Roman"/>
+        <a:font script="Hebr" typeface="Times New Roman"/>
+        <a:font script="Thai" typeface="Angsana New"/>
+        <a:font script="Ethi" typeface="Nyala"/>
+        <a:font script="Beng" typeface="Vrinda"/>
+        <a:font script="Gujr" typeface="Shruti"/>
+        <a:font script="Khmr" typeface="MoolBoran"/>
+        <a:font script="Knda" typeface="Tunga"/>
+        <a:font script="Guru" typeface="Raavi"/>
+        <a:font script="Cans" typeface="Euphemia"/>
+        <a:font script="Cher" typeface="Plantagenet Cherokee"/>
+        <a:font script="Yiii" typeface="Microsoft Yi Baiti"/>
+        <a:font script="Tibt" typeface="Microsoft Himalaya"/>
+        <a:font script="Thaa" typeface="MV Boli"/>
+        <a:font script="Deva" typeface="Mangal"/>
+        <a:font script="Telu" typeface="Gautami"/>
+        <a:font script="Taml" typeface="Latha"/>
+        <a:font script="Syrc" typeface="Estrangelo Edessa"/>
+        <a:font script="Orya" typeface="Kalinga"/>
+        <a:font script="Mlym" typeface="Kartika"/>
+        <a:font script="Laoo" typeface="DokChampa"/>
+        <a:font script="Sinh" typeface="Iskoola Pota"/>
+        <a:font script="Mong" typeface="Mongolian Baiti"/>
+        <a:font script="Viet" typeface="Times New Roman"/>
+        <a:font script="Uigh" typeface="Microsoft Uighur"/>
+        <a:font script="Geor" typeface="Sylfaen"/>
+      </a:majorFont>
+      <a:minorFont>
+        <a:latin typeface="Calibri" panose="020F0502020204030204"/>
+        <a:ea typeface=""/>
+        <a:cs typeface=""/>
+        <a:font script="Jpan" typeface="ＭＳ Ｐゴシック"/>
+        <a:font script="Hang" typeface="맑은 고딕"/>
+        <a:font script="Hans" typeface="宋体"/>
+        <a:font script="Hant" typeface="新細明體"/>
+        <a:font script="Arab" typeface="Arial"/>
+        <a:font script="Hebr" typeface="Arial"/>
+        <a:font script="Thai" typeface="Cordia New"/>
+        <a:font script="Ethi" typeface="Nyala"/>
+        <a:font script="Beng" typeface="Vrinda"/>
+        <a:font script="Gujr" typeface="Shruti"/>
+        <a:font script="Khmr" typeface="DaunPenh"/>
+        <a:font script="Knda" typeface="Tunga"/>
+        <a:font script="Guru" typeface="Raavi"/>
+        <a:font script="Cans" typeface="Euphemia"/>
+        <a:font script="Cher" typeface="Plantagenet Cherokee"/>
+        <a:font script="Yiii" typeface="Microsoft Yi Baiti"/>
+        <a:font script="Tibt" typeface="Microsoft Himalaya"/>
+        <a:font script="Thaa" typeface="MV Boli"/>
+        <a:font script="Deva" typeface="Mangal"/>
+        <a:font script="Telu" typeface="Gautami"/>
+        <a:font script="Taml" typeface="Latha"/>
+        <a:font script="Syrc" typeface="Estrangelo Edessa"/>
+        <a:font script="Orya" typeface="Kalinga"/>
+        <a:font script="Mlym" typeface="Kartika"/>
+        <a:font script="Laoo" typeface="DokChampa"/>
+        <a:font script="Sinh" typeface="Iskoola Pota"/>
+        <a:font script="Mong" typeface="Mongolian Baiti"/>
+        <a:font script="Viet" typeface="Arial"/>
+        <a:font script="Uigh" typeface="Microsoft Uighur"/>
+        <a:font script="Geor" typeface="Sylfaen"/>
+      </a:minorFont>
+    </a:fontScheme>
+    <a:fmtScheme name="Office">
+      <a:fillStyleLst>
+        <a:solidFill>
+          <a:schemeClr val="phClr"/>
+        </a:solidFill>
+        <a:gradFill rotWithShape="1">
+          <a:gsLst>
+            <a:gs pos="0">
+              <a:schemeClr val="phClr">
+                <a:lumMod val="110000"/>
+                <a:satMod val="105000"/>
+                <a:tint val="67000"/>
+              </a:schemeClr>
+            </a:gs>
+            <a:gs pos="50000">
+              <a:schemeClr val="phClr">
+                <a:lumMod val="105000"/>
+                <a:satMod val="103000"/>
+                <a:tint val="73000"/>
+              </a:schemeClr>
+            </a:gs>
+            <a:gs pos="100000">
+              <a:schemeClr val="phClr">
+                <a:lumMod val="105000"/>
+                <a:satMod val="109000"/>
+                <a:tint val="81000"/>
+              </a:schemeClr>
+            </a:gs>
+          </a:gsLst>
+          <a:lin ang="5400000" scaled="0"/>
+        </a:gradFill>
+        <a:gradFill rotWithShape="1">
+          <a:gsLst>
+            <a:gs pos="0">
+              <a:schemeClr val="phClr">
+                <a:satMod val="103000"/>
+                <a:lumMod val="102000"/>
+                <a:tint val="94000"/>
+              </a:schemeClr>
+            </a:gs>
+            <a:gs pos="50000">
+              <a:schemeClr val="phClr">
+                <a:satMod val="110000"/>
+                <a:lumMod val="100000"/>
+                <a:shade val="100000"/>
+              </a:schemeClr>
+            </a:gs>
+            <a:gs pos="100000">
+              <a:schemeClr val="phClr">
+                <a:lumMod val="99000"/>
+                <a:satMod val="120000"/>
+                <a:shade val="78000"/>
+              </a:schemeClr>
+            </a:gs>
+          </a:gsLst>
+          <a:lin ang="5400000" scaled="0"/>
+        </a:gradFill>
+      </a:fillStyleLst>
+      <a:lnStyleLst>
+        <a:ln w="6350" cap="flat" cmpd="sng" algn="ctr">
+          <a:solidFill>
+            <a:schemeClr val="phClr"/>
+          </a:solidFill>
+          <a:prstDash val="solid"/>
+          <a:miter lim="800000"/>
+        </a:ln>
+        <a:ln w="12700" cap="flat" cmpd="sng" algn="ctr">
+          <a:solidFill>
+            <a:schemeClr val="phClr"/>
+          </a:solidFill>
+          <a:prstDash val="solid"/>
+          <a:miter lim="800000"/>
+        </a:ln>
+        <a:ln w="19050" cap="flat" cmpd="sng" algn="ctr">
+          <a:solidFill>
+            <a:schemeClr val="phClr"/>
+          </a:solidFill>
+          <a:prstDash val="solid"/>
+          <a:miter lim="800000"/>
+        </a:ln>
+      </a:lnStyleLst>
+      <a:effectStyleLst>
+        <a:effectStyle>
+          <a:effectLst/>
+        </a:effectStyle>
+        <a:effectStyle>
+          <a:effectLst/>
+        </a:effectStyle>
+        <a:effectStyle>
+          <a:effectLst>
+            <a:outerShdw blurRad="57150" dist="19050" dir="5400000" algn="ctr" rotWithShape="0">
+              <a:srgbClr val="000000">
+                <a:alpha val="63000"/>
+              </a:srgbClr>
+            </a:outerShdw>
+          </a:effectLst>
+        </a:effectStyle>
+      </a:effectStyleLst>
+      <a:bgFillStyleLst>
+        <a:solidFill>
+          <a:schemeClr val="phClr"/>
+        </a:solidFill>
+        <a:solidFill>
+          <a:schemeClr val="phClr">
+            <a:tint val="95000"/>
+            <a:satMod val="170000"/>
+          </a:schemeClr>
+        </a:solidFill>
+        <a:gradFill rotWithShape="1">
+          <a:gsLst>
+            <a:gs pos="0">
+              <a:schemeClr val="phClr">
+                <a:tint val="93000"/>
+                <a:satMod val="150000"/>
+                <a:shade val="98000"/>
+                <a:lumMod val="102000"/>
+              </a:schemeClr>
+            </a:gs>
+            <a:gs pos="50000">
+              <a:schemeClr val="phClr">
+                <a:tint val="98000"/>
+                <a:satMod val="130000"/>
+                <a:shade val="90000"/>
+                <a:lumMod val="103000"/>
+              </a:schemeClr>
+            </a:gs>
+            <a:gs pos="100000">
+              <a:schemeClr val="phClr">
+                <a:shade val="63000"/>
+                <a:satMod val="120000"/>
+              </a:schemeClr>
+            </a:gs>
+          </a:gsLst>
+          <a:lin ang="5400000" scaled="0"/>
+        </a:gradFill>
+      </a:bgFillStyleLst>
+    </a:fmtScheme>
+  </a:themeElements>
+  <a:objectDefaults/>
+  <a:extraClrSchemeLst/>
+  <a:extLst>
+    <a:ext uri="{05A4C25C-085E-4340-85A3-A5531E510DB2}">
+      <thm15:themeFamily xmlns:thm15="http://schemas.microsoft.com/office/thememl/2012/main" name="Office Theme" id="{62F939B6-93AF-4DB8-9C6B-D6C7DFDC589F}" vid="{4A3C46E8-61CC-4603-A589-7422A47A8E4A}"/>
+    </a:ext>
+  </a:extLst>
+</a:theme>
+</file>
+
+<file path=ppt/theme/theme3.xml><?xml version="1.0" encoding="utf-8"?>
+<a:theme xmlns:a="http://schemas.openxmlformats.org/drawingml/2006/main" name="Office Theme">
+  <a:themeElements>
+    <a:clrScheme name="Office">
+      <a:dk1>
+        <a:sysClr val="windowText" lastClr="000000"/>
+      </a:dk1>
+      <a:lt1>
+        <a:sysClr val="window" lastClr="FFFFFF"/>
+      </a:lt1>
+      <a:dk2>
+        <a:srgbClr val="44546A"/>
+      </a:dk2>
+      <a:lt2>
+        <a:srgbClr val="E7E6E6"/>
+      </a:lt2>
+      <a:accent1>
+        <a:srgbClr val="5B9BD5"/>
+      </a:accent1>
+      <a:accent2>
+        <a:srgbClr val="ED7D31"/>
+      </a:accent2>
+      <a:accent3>
+        <a:srgbClr val="A5A5A5"/>
+      </a:accent3>
+      <a:accent4>
+        <a:srgbClr val="FFC000"/>
+      </a:accent4>
+      <a:accent5>
+        <a:srgbClr val="4472C4"/>
+      </a:accent5>
+      <a:accent6>
+        <a:srgbClr val="70AD47"/>
+      </a:accent6>
+      <a:hlink>
+        <a:srgbClr val="0563C1"/>
+      </a:hlink>
+      <a:folHlink>
+        <a:srgbClr val="954F72"/>
+      </a:folHlink>
+    </a:clrScheme>
+    <a:fontScheme name="Office">
+      <a:majorFont>
+        <a:latin typeface="Calibri Light" panose="020F0302020204030204"/>
+        <a:ea typeface=""/>
+        <a:cs typeface=""/>
+        <a:font script="Jpan" typeface="ＭＳ Ｐゴシック"/>
+        <a:font script="Hang" typeface="맑은 고딕"/>
+        <a:font script="Hans" typeface="宋体"/>
+        <a:font script="Hant" typeface="新細明體"/>
+        <a:font script="Arab" typeface="Times New Roman"/>
+        <a:font script="Hebr" typeface="Times New Roman"/>
+        <a:font script="Thai" typeface="Angsana New"/>
+        <a:font script="Ethi" typeface="Nyala"/>
+        <a:font script="Beng" typeface="Vrinda"/>
+        <a:font script="Gujr" typeface="Shruti"/>
+        <a:font script="Khmr" typeface="MoolBoran"/>
+        <a:font script="Knda" typeface="Tunga"/>
+        <a:font script="Guru" typeface="Raavi"/>
+        <a:font script="Cans" typeface="Euphemia"/>
+        <a:font script="Cher" typeface="Plantagenet Cherokee"/>
+        <a:font script="Yiii" typeface="Microsoft Yi Baiti"/>
+        <a:font script="Tibt" typeface="Microsoft Himalaya"/>
+        <a:font script="Thaa" typeface="MV Boli"/>
+        <a:font script="Deva" typeface="Mangal"/>
+        <a:font script="Telu" typeface="Gautami"/>
+        <a:font script="Taml" typeface="Latha"/>
+        <a:font script="Syrc" typeface="Estrangelo Edessa"/>
+        <a:font script="Orya" typeface="Kalinga"/>
+        <a:font script="Mlym" typeface="Kartika"/>
+        <a:font script="Laoo" typeface="DokChampa"/>
+        <a:font script="Sinh" typeface="Iskoola Pota"/>
+        <a:font script="Mong" typeface="Mongolian Baiti"/>
+        <a:font script="Viet" typeface="Times New Roman"/>
+        <a:font script="Uigh" typeface="Microsoft Uighur"/>
+        <a:font script="Geor" typeface="Sylfaen"/>
+      </a:majorFont>
+      <a:minorFont>
+        <a:latin typeface="Calibri" panose="020F0502020204030204"/>
+        <a:ea typeface=""/>
+        <a:cs typeface=""/>
+        <a:font script="Jpan" typeface="ＭＳ Ｐゴシック"/>
+        <a:font script="Hang" typeface="맑은 고딕"/>
+        <a:font script="Hans" typeface="宋体"/>
+        <a:font script="Hant" typeface="新細明體"/>
+        <a:font script="Arab" typeface="Arial"/>
+        <a:font script="Hebr" typeface="Arial"/>
+        <a:font script="Thai" typeface="Cordia New"/>
+        <a:font script="Ethi" typeface="Nyala"/>
+        <a:font script="Beng" typeface="Vrinda"/>
+        <a:font script="Gujr" typeface="Shruti"/>
+        <a:font script="Khmr" typeface="DaunPenh"/>
+        <a:font script="Knda" typeface="Tunga"/>
+        <a:font script="Guru" typeface="Raavi"/>
+        <a:font script="Cans" typeface="Euphemia"/>
+        <a:font script="Cher" typeface="Plantagenet Cherokee"/>
+        <a:font script="Yiii" typeface="Microsoft Yi Baiti"/>
+        <a:font script="Tibt" typeface="Microsoft Himalaya"/>
+        <a:font script="Thaa" typeface="MV Boli"/>
+        <a:font script="Deva" typeface="Mangal"/>
+        <a:font script="Telu" typeface="Gautami"/>
+        <a:font script="Taml" typeface="Latha"/>
+        <a:font script="Syrc" typeface="Estrangelo Edessa"/>
+        <a:font script="Orya" typeface="Kalinga"/>
+        <a:font script="Mlym" typeface="Kartika"/>
+        <a:font script="Laoo" typeface="DokChampa"/>
+        <a:font script="Sinh" typeface="Iskoola Pota"/>
+        <a:font script="Mong" typeface="Mongolian Baiti"/>
+        <a:font script="Viet" typeface="Arial"/>
+        <a:font script="Uigh" typeface="Microsoft Uighur"/>
+        <a:font script="Geor" typeface="Sylfaen"/>
+      </a:minorFont>
+    </a:fontScheme>
+    <a:fmtScheme name="Office">
+      <a:fillStyleLst>
+        <a:solidFill>
+          <a:schemeClr val="phClr"/>
+        </a:solidFill>
+        <a:gradFill rotWithShape="1">
+          <a:gsLst>
+            <a:gs pos="0">
+              <a:schemeClr val="phClr">
+                <a:lumMod val="110000"/>
+                <a:satMod val="105000"/>
+                <a:tint val="67000"/>
+              </a:schemeClr>
+            </a:gs>
+            <a:gs pos="50000">
+              <a:schemeClr val="phClr">
+                <a:lumMod val="105000"/>
+                <a:satMod val="103000"/>
+                <a:tint val="73000"/>
+              </a:schemeClr>
+            </a:gs>
+            <a:gs pos="100000">
+              <a:schemeClr val="phClr">
+                <a:lumMod val="105000"/>
+                <a:satMod val="109000"/>
+                <a:tint val="81000"/>
+              </a:schemeClr>
+            </a:gs>
+          </a:gsLst>
+          <a:lin ang="5400000" scaled="0"/>
+        </a:gradFill>
+        <a:gradFill rotWithShape="1">
+          <a:gsLst>
+            <a:gs pos="0">
+              <a:schemeClr val="phClr">
+                <a:satMod val="103000"/>
+                <a:lumMod val="102000"/>
+                <a:tint val="94000"/>
+              </a:schemeClr>
+            </a:gs>
+            <a:gs pos="50000">
+              <a:schemeClr val="phClr">
+                <a:satMod val="110000"/>
+                <a:lumMod val="100000"/>
+                <a:shade val="100000"/>
+              </a:schemeClr>
+            </a:gs>
+            <a:gs pos="100000">
+              <a:schemeClr val="phClr">
+                <a:lumMod val="99000"/>
+                <a:satMod val="120000"/>
+                <a:shade val="78000"/>
+              </a:schemeClr>
+            </a:gs>
+          </a:gsLst>
+          <a:lin ang="5400000" scaled="0"/>
+        </a:gradFill>
+      </a:fillStyleLst>
+      <a:lnStyleLst>
+        <a:ln w="6350" cap="flat" cmpd="sng" algn="ctr">
+          <a:solidFill>
+            <a:schemeClr val="phClr"/>
+          </a:solidFill>
+          <a:prstDash val="solid"/>
+          <a:miter lim="800000"/>
+        </a:ln>
+        <a:ln w="12700" cap="flat" cmpd="sng" algn="ctr">
+          <a:solidFill>
+            <a:schemeClr val="phClr"/>
+          </a:solidFill>
+          <a:prstDash val="solid"/>
+          <a:miter lim="800000"/>
+        </a:ln>
+        <a:ln w="19050" cap="flat" cmpd="sng" algn="ctr">
+          <a:solidFill>
+            <a:schemeClr val="phClr"/>
+          </a:solidFill>
+          <a:prstDash val="solid"/>
+          <a:miter lim="800000"/>
+        </a:ln>
+      </a:lnStyleLst>
+      <a:effectStyleLst>
+        <a:effectStyle>
+          <a:effectLst/>
+        </a:effectStyle>
+        <a:effectStyle>
+          <a:effectLst/>
+        </a:effectStyle>
+        <a:effectStyle>
+          <a:effectLst>
+            <a:outerShdw blurRad="57150" dist="19050" dir="5400000" algn="ctr" rotWithShape="0">
+              <a:srgbClr val="000000">
+                <a:alpha val="63000"/>
+              </a:srgbClr>
+            </a:outerShdw>
+          </a:effectLst>
+        </a:effectStyle>
+      </a:effectStyleLst>
+      <a:bgFillStyleLst>
+        <a:solidFill>
+          <a:schemeClr val="phClr"/>
+        </a:solidFill>
+        <a:solidFill>
+          <a:schemeClr val="phClr">
+            <a:tint val="95000"/>
+            <a:satMod val="170000"/>
+          </a:schemeClr>
+        </a:solidFill>
+        <a:gradFill rotWithShape="1">
+          <a:gsLst>
+            <a:gs pos="0">
+              <a:schemeClr val="phClr">
+                <a:tint val="93000"/>
+                <a:satMod val="150000"/>
+                <a:shade val="98000"/>
+                <a:lumMod val="102000"/>
+              </a:schemeClr>
+            </a:gs>
+            <a:gs pos="50000">
+              <a:schemeClr val="phClr">
+                <a:tint val="98000"/>
+                <a:satMod val="130000"/>
+                <a:shade val="90000"/>
+                <a:lumMod val="103000"/>
+              </a:schemeClr>
+            </a:gs>
+            <a:gs pos="100000">
+              <a:schemeClr val="phClr">
+                <a:shade val="63000"/>
+                <a:satMod val="120000"/>
+              </a:schemeClr>
+            </a:gs>
+          </a:gsLst>
+          <a:lin ang="5400000" scaled="0"/>
+        </a:gradFill>
+      </a:bgFillStyleLst>
+    </a:fmtScheme>
+  </a:themeElements>
+  <a:objectDefaults/>
+  <a:extraClrSchemeLst/>
+  <a:extLst>
+    <a:ext uri="{05A4C25C-085E-4340-85A3-A5531E510DB2}">
+      <thm15:themeFamily xmlns:thm15="http://schemas.microsoft.com/office/thememl/2012/main" name="Office Theme" id="{62F939B6-93AF-4DB8-9C6B-D6C7DFDC589F}" vid="{4A3C46E8-61CC-4603-A589-7422A47A8E4A}"/>
+    </a:ext>
+  </a:extLst>
+</a:theme>
 </file>